--- a/Projects & Dataset/Presentation on Python projects in Applied Statistics.pptx
+++ b/Projects & Dataset/Presentation on Python projects in Applied Statistics.pptx
@@ -13,6 +13,8 @@
     <p:sldId id="261" r:id="rId7"/>
     <p:sldId id="263" r:id="rId8"/>
     <p:sldId id="262" r:id="rId9"/>
+    <p:sldId id="264" r:id="rId10"/>
+    <p:sldId id="265" r:id="rId11"/>
   </p:sldIdLst>
   <p:sldSz cx="12192000" cy="6858000"/>
   <p:notesSz cx="6858000" cy="9144000"/>
@@ -134,7 +136,16 @@
             <p14:sldId id="262"/>
           </p14:sldIdLst>
         </p14:section>
+        <p14:section name="EDA" id="{74396CDB-9FB3-4310-A0B6-56766A86E3A4}">
+          <p14:sldIdLst>
+            <p14:sldId id="264"/>
+            <p14:sldId id="265"/>
+          </p14:sldIdLst>
+        </p14:section>
       </p14:sectionLst>
+    </p:ext>
+    <p:ext uri="{EFAFB233-063F-42B5-8137-9DF3F51BA10A}">
+      <p15:sldGuideLst xmlns:p15="http://schemas.microsoft.com/office/powerpoint/2012/main"/>
     </p:ext>
   </p:extLst>
 </p:presentation>
@@ -271,7 +282,7 @@
           <a:p>
             <a:fld id="{0800E26F-1607-4B19-B33C-3A6267442803}" type="datetimeFigureOut">
               <a:rPr lang="en-US" smtClean="0"/>
-              <a:t>7/28/2018</a:t>
+              <a:t>7/29/2018</a:t>
             </a:fld>
             <a:endParaRPr lang="en-US"/>
           </a:p>
@@ -441,7 +452,7 @@
           <a:p>
             <a:fld id="{0800E26F-1607-4B19-B33C-3A6267442803}" type="datetimeFigureOut">
               <a:rPr lang="en-US" smtClean="0"/>
-              <a:t>7/28/2018</a:t>
+              <a:t>7/29/2018</a:t>
             </a:fld>
             <a:endParaRPr lang="en-US"/>
           </a:p>
@@ -621,7 +632,7 @@
           <a:p>
             <a:fld id="{0800E26F-1607-4B19-B33C-3A6267442803}" type="datetimeFigureOut">
               <a:rPr lang="en-US" smtClean="0"/>
-              <a:t>7/28/2018</a:t>
+              <a:t>7/29/2018</a:t>
             </a:fld>
             <a:endParaRPr lang="en-US"/>
           </a:p>
@@ -791,7 +802,7 @@
           <a:p>
             <a:fld id="{0800E26F-1607-4B19-B33C-3A6267442803}" type="datetimeFigureOut">
               <a:rPr lang="en-US" smtClean="0"/>
-              <a:t>7/28/2018</a:t>
+              <a:t>7/29/2018</a:t>
             </a:fld>
             <a:endParaRPr lang="en-US"/>
           </a:p>
@@ -1037,7 +1048,7 @@
           <a:p>
             <a:fld id="{0800E26F-1607-4B19-B33C-3A6267442803}" type="datetimeFigureOut">
               <a:rPr lang="en-US" smtClean="0"/>
-              <a:t>7/28/2018</a:t>
+              <a:t>7/29/2018</a:t>
             </a:fld>
             <a:endParaRPr lang="en-US"/>
           </a:p>
@@ -1269,7 +1280,7 @@
           <a:p>
             <a:fld id="{0800E26F-1607-4B19-B33C-3A6267442803}" type="datetimeFigureOut">
               <a:rPr lang="en-US" smtClean="0"/>
-              <a:t>7/28/2018</a:t>
+              <a:t>7/29/2018</a:t>
             </a:fld>
             <a:endParaRPr lang="en-US"/>
           </a:p>
@@ -1636,7 +1647,7 @@
           <a:p>
             <a:fld id="{0800E26F-1607-4B19-B33C-3A6267442803}" type="datetimeFigureOut">
               <a:rPr lang="en-US" smtClean="0"/>
-              <a:t>7/28/2018</a:t>
+              <a:t>7/29/2018</a:t>
             </a:fld>
             <a:endParaRPr lang="en-US"/>
           </a:p>
@@ -1754,7 +1765,7 @@
           <a:p>
             <a:fld id="{0800E26F-1607-4B19-B33C-3A6267442803}" type="datetimeFigureOut">
               <a:rPr lang="en-US" smtClean="0"/>
-              <a:t>7/28/2018</a:t>
+              <a:t>7/29/2018</a:t>
             </a:fld>
             <a:endParaRPr lang="en-US"/>
           </a:p>
@@ -1849,7 +1860,7 @@
           <a:p>
             <a:fld id="{0800E26F-1607-4B19-B33C-3A6267442803}" type="datetimeFigureOut">
               <a:rPr lang="en-US" smtClean="0"/>
-              <a:t>7/28/2018</a:t>
+              <a:t>7/29/2018</a:t>
             </a:fld>
             <a:endParaRPr lang="en-US"/>
           </a:p>
@@ -2126,7 +2137,7 @@
           <a:p>
             <a:fld id="{0800E26F-1607-4B19-B33C-3A6267442803}" type="datetimeFigureOut">
               <a:rPr lang="en-US" smtClean="0"/>
-              <a:t>7/28/2018</a:t>
+              <a:t>7/29/2018</a:t>
             </a:fld>
             <a:endParaRPr lang="en-US"/>
           </a:p>
@@ -2379,7 +2390,7 @@
           <a:p>
             <a:fld id="{0800E26F-1607-4B19-B33C-3A6267442803}" type="datetimeFigureOut">
               <a:rPr lang="en-US" smtClean="0"/>
-              <a:t>7/28/2018</a:t>
+              <a:t>7/29/2018</a:t>
             </a:fld>
             <a:endParaRPr lang="en-US"/>
           </a:p>
@@ -2608,7 +2619,7 @@
           <a:p>
             <a:fld id="{0800E26F-1607-4B19-B33C-3A6267442803}" type="datetimeFigureOut">
               <a:rPr lang="en-US" smtClean="0"/>
-              <a:t>7/28/2018</a:t>
+              <a:t>7/29/2018</a:t>
             </a:fld>
             <a:endParaRPr lang="en-US"/>
           </a:p>
@@ -3075,6 +3086,93 @@
 </p:sld>
 </file>
 
+<file path=ppt/slides/slide10.xml><?xml version="1.0" encoding="utf-8"?>
+<p:sld xmlns:a="http://schemas.openxmlformats.org/drawingml/2006/main" xmlns:r="http://schemas.openxmlformats.org/officeDocument/2006/relationships" xmlns:p="http://schemas.openxmlformats.org/presentationml/2006/main">
+  <p:cSld>
+    <p:spTree>
+      <p:nvGrpSpPr>
+        <p:cNvPr id="1" name=""/>
+        <p:cNvGrpSpPr/>
+        <p:nvPr/>
+      </p:nvGrpSpPr>
+      <p:grpSpPr>
+        <a:xfrm>
+          <a:off x="0" y="0"/>
+          <a:ext cx="0" cy="0"/>
+          <a:chOff x="0" y="0"/>
+          <a:chExt cx="0" cy="0"/>
+        </a:xfrm>
+      </p:grpSpPr>
+      <p:sp>
+        <p:nvSpPr>
+          <p:cNvPr id="2" name="Title 1"/>
+          <p:cNvSpPr>
+            <a:spLocks noGrp="1"/>
+          </p:cNvSpPr>
+          <p:nvPr>
+            <p:ph type="title"/>
+          </p:nvPr>
+        </p:nvSpPr>
+        <p:spPr/>
+        <p:txBody>
+          <a:bodyPr/>
+          <a:lstStyle/>
+          <a:p>
+            <a:r>
+              <a:rPr lang="en-US" dirty="0" smtClean="0"/>
+              <a:t>Box Plot</a:t>
+            </a:r>
+            <a:endParaRPr lang="en-US" dirty="0"/>
+          </a:p>
+        </p:txBody>
+      </p:sp>
+      <p:sp>
+        <p:nvSpPr>
+          <p:cNvPr id="3" name="Content Placeholder 2"/>
+          <p:cNvSpPr>
+            <a:spLocks noGrp="1"/>
+          </p:cNvSpPr>
+          <p:nvPr>
+            <p:ph idx="1"/>
+          </p:nvPr>
+        </p:nvSpPr>
+        <p:spPr/>
+        <p:txBody>
+          <a:bodyPr/>
+          <a:lstStyle/>
+          <a:p>
+            <a:r>
+              <a:rPr lang="en-US" dirty="0">
+                <a:hlinkClick r:id="rId2"/>
+              </a:rPr>
+              <a:t>https://matplotlib.org/api/_</a:t>
+            </a:r>
+            <a:r>
+              <a:rPr lang="en-US" dirty="0" smtClean="0">
+                <a:hlinkClick r:id="rId2"/>
+              </a:rPr>
+              <a:t>as_gen/matplotlib.pyplot.boxplot.html</a:t>
+            </a:r>
+            <a:endParaRPr lang="en-US" dirty="0" smtClean="0"/>
+          </a:p>
+          <a:p>
+            <a:endParaRPr lang="en-US" dirty="0"/>
+          </a:p>
+        </p:txBody>
+      </p:sp>
+    </p:spTree>
+    <p:extLst>
+      <p:ext uri="{BB962C8B-B14F-4D97-AF65-F5344CB8AC3E}">
+        <p14:creationId xmlns:p14="http://schemas.microsoft.com/office/powerpoint/2010/main" val="4109822290"/>
+      </p:ext>
+    </p:extLst>
+  </p:cSld>
+  <p:clrMapOvr>
+    <a:masterClrMapping/>
+  </p:clrMapOvr>
+</p:sld>
+</file>
+
 <file path=ppt/slides/slide2.xml><?xml version="1.0" encoding="utf-8"?>
 <p:sld xmlns:a="http://schemas.openxmlformats.org/drawingml/2006/main" xmlns:r="http://schemas.openxmlformats.org/officeDocument/2006/relationships" xmlns:p="http://schemas.openxmlformats.org/presentationml/2006/main">
   <p:cSld>
@@ -3142,6 +3240,28 @@
               <a:rPr lang="en-US" dirty="0" smtClean="0"/>
               <a:t>)</a:t>
             </a:r>
+          </a:p>
+          <a:p>
+            <a:endParaRPr lang="en-US" dirty="0"/>
+          </a:p>
+          <a:p>
+            <a:r>
+              <a:rPr lang="en-US" dirty="0" err="1" smtClean="0"/>
+              <a:t>Loginto</a:t>
+            </a:r>
+            <a:r>
+              <a:rPr lang="en-US" dirty="0" smtClean="0"/>
+              <a:t> your </a:t>
+            </a:r>
+            <a:r>
+              <a:rPr lang="en-US" dirty="0" err="1" smtClean="0"/>
+              <a:t>kaggle</a:t>
+            </a:r>
+            <a:r>
+              <a:rPr lang="en-US" smtClean="0"/>
+              <a:t> account</a:t>
+            </a:r>
+            <a:endParaRPr lang="en-US" dirty="0" smtClean="0"/>
           </a:p>
           <a:p>
             <a:endParaRPr lang="en-US" dirty="0"/>
@@ -4305,6 +4425,78 @@
 </p:sld>
 </file>
 
+<file path=ppt/slides/slide9.xml><?xml version="1.0" encoding="utf-8"?>
+<p:sld xmlns:a="http://schemas.openxmlformats.org/drawingml/2006/main" xmlns:r="http://schemas.openxmlformats.org/officeDocument/2006/relationships" xmlns:p="http://schemas.openxmlformats.org/presentationml/2006/main">
+  <p:cSld>
+    <p:spTree>
+      <p:nvGrpSpPr>
+        <p:cNvPr id="1" name=""/>
+        <p:cNvGrpSpPr/>
+        <p:nvPr/>
+      </p:nvGrpSpPr>
+      <p:grpSpPr>
+        <a:xfrm>
+          <a:off x="0" y="0"/>
+          <a:ext cx="0" cy="0"/>
+          <a:chOff x="0" y="0"/>
+          <a:chExt cx="0" cy="0"/>
+        </a:xfrm>
+      </p:grpSpPr>
+      <p:sp>
+        <p:nvSpPr>
+          <p:cNvPr id="2" name="Title 1"/>
+          <p:cNvSpPr>
+            <a:spLocks noGrp="1"/>
+          </p:cNvSpPr>
+          <p:nvPr>
+            <p:ph type="title"/>
+          </p:nvPr>
+        </p:nvSpPr>
+        <p:spPr/>
+        <p:txBody>
+          <a:bodyPr/>
+          <a:lstStyle/>
+          <a:p>
+            <a:r>
+              <a:rPr lang="en-US" dirty="0" smtClean="0"/>
+              <a:t>Scatter Plot</a:t>
+            </a:r>
+            <a:endParaRPr lang="en-US" dirty="0"/>
+          </a:p>
+        </p:txBody>
+      </p:sp>
+      <p:sp>
+        <p:nvSpPr>
+          <p:cNvPr id="3" name="Content Placeholder 2"/>
+          <p:cNvSpPr>
+            <a:spLocks noGrp="1"/>
+          </p:cNvSpPr>
+          <p:nvPr>
+            <p:ph idx="1"/>
+          </p:nvPr>
+        </p:nvSpPr>
+        <p:spPr/>
+        <p:txBody>
+          <a:bodyPr/>
+          <a:lstStyle/>
+          <a:p>
+            <a:endParaRPr lang="en-US"/>
+          </a:p>
+        </p:txBody>
+      </p:sp>
+    </p:spTree>
+    <p:extLst>
+      <p:ext uri="{BB962C8B-B14F-4D97-AF65-F5344CB8AC3E}">
+        <p14:creationId xmlns:p14="http://schemas.microsoft.com/office/powerpoint/2010/main" val="3969692461"/>
+      </p:ext>
+    </p:extLst>
+  </p:cSld>
+  <p:clrMapOvr>
+    <a:masterClrMapping/>
+  </p:clrMapOvr>
+</p:sld>
+</file>
+
 <file path=ppt/theme/theme1.xml><?xml version="1.0" encoding="utf-8"?>
 <a:theme xmlns:a="http://schemas.openxmlformats.org/drawingml/2006/main" name="Office Theme">
   <a:themeElements>

--- a/Projects & Dataset/Presentation on Python projects in Applied Statistics.pptx
+++ b/Projects & Dataset/Presentation on Python projects in Applied Statistics.pptx
@@ -6,15 +6,24 @@
   </p:sldMasterIdLst>
   <p:sldIdLst>
     <p:sldId id="256" r:id="rId2"/>
-    <p:sldId id="257" r:id="rId3"/>
-    <p:sldId id="258" r:id="rId4"/>
-    <p:sldId id="259" r:id="rId5"/>
-    <p:sldId id="260" r:id="rId6"/>
-    <p:sldId id="261" r:id="rId7"/>
-    <p:sldId id="263" r:id="rId8"/>
-    <p:sldId id="262" r:id="rId9"/>
-    <p:sldId id="264" r:id="rId10"/>
-    <p:sldId id="265" r:id="rId11"/>
+    <p:sldId id="266" r:id="rId3"/>
+    <p:sldId id="257" r:id="rId4"/>
+    <p:sldId id="258" r:id="rId5"/>
+    <p:sldId id="259" r:id="rId6"/>
+    <p:sldId id="260" r:id="rId7"/>
+    <p:sldId id="261" r:id="rId8"/>
+    <p:sldId id="267" r:id="rId9"/>
+    <p:sldId id="268" r:id="rId10"/>
+    <p:sldId id="263" r:id="rId11"/>
+    <p:sldId id="262" r:id="rId12"/>
+    <p:sldId id="269" r:id="rId13"/>
+    <p:sldId id="270" r:id="rId14"/>
+    <p:sldId id="271" r:id="rId15"/>
+    <p:sldId id="274" r:id="rId16"/>
+    <p:sldId id="272" r:id="rId17"/>
+    <p:sldId id="273" r:id="rId18"/>
+    <p:sldId id="264" r:id="rId19"/>
+    <p:sldId id="265" r:id="rId20"/>
   </p:sldIdLst>
   <p:sldSz cx="12192000" cy="6858000"/>
   <p:notesSz cx="6858000" cy="9144000"/>
@@ -119,6 +128,7 @@
         <p14:section name="Default Section" id="{C2568975-564B-465E-9F26-628CB1EE6252}">
           <p14:sldIdLst>
             <p14:sldId id="256"/>
+            <p14:sldId id="266"/>
           </p14:sldIdLst>
         </p14:section>
         <p14:section name="Kaggle Intro" id="{86897E49-8776-4F2B-92F7-358F30A62951}">
@@ -130,14 +140,22 @@
             <p14:sldId id="261"/>
           </p14:sldIdLst>
         </p14:section>
-        <p14:section name="Python Intro" id="{C654822C-E851-4E85-BDE2-E6E0169EDADA}">
+        <p14:section name="Data Preprocessing" id="{C654822C-E851-4E85-BDE2-E6E0169EDADA}">
           <p14:sldIdLst>
+            <p14:sldId id="267"/>
+            <p14:sldId id="268"/>
             <p14:sldId id="263"/>
             <p14:sldId id="262"/>
+            <p14:sldId id="269"/>
           </p14:sldIdLst>
         </p14:section>
         <p14:section name="EDA" id="{74396CDB-9FB3-4310-A0B6-56766A86E3A4}">
           <p14:sldIdLst>
+            <p14:sldId id="270"/>
+            <p14:sldId id="271"/>
+            <p14:sldId id="274"/>
+            <p14:sldId id="272"/>
+            <p14:sldId id="273"/>
             <p14:sldId id="264"/>
             <p14:sldId id="265"/>
           </p14:sldIdLst>
@@ -3041,7 +3059,18 @@
           <a:p>
             <a:r>
               <a:rPr lang="en-US" dirty="0" smtClean="0"/>
-              <a:t>Python Projects in Applied Optimization</a:t>
+              <a:t>Python Projects in </a:t>
+            </a:r>
+            <a:r>
+              <a:rPr lang="en-US" dirty="0" smtClean="0"/>
+              <a:t/>
+            </a:r>
+            <a:br>
+              <a:rPr lang="en-US" dirty="0" smtClean="0"/>
+            </a:br>
+            <a:r>
+              <a:rPr lang="en-US" dirty="0" smtClean="0"/>
+              <a:t>Applied Statistics</a:t>
             </a:r>
             <a:endParaRPr lang="en-US" dirty="0"/>
           </a:p>
@@ -3120,6 +3149,1087 @@
           <a:p>
             <a:r>
               <a:rPr lang="en-US" dirty="0" smtClean="0"/>
+              <a:t>Collect the Data</a:t>
+            </a:r>
+            <a:endParaRPr lang="en-US" dirty="0"/>
+          </a:p>
+        </p:txBody>
+      </p:sp>
+      <p:sp>
+        <p:nvSpPr>
+          <p:cNvPr id="3" name="Content Placeholder 2"/>
+          <p:cNvSpPr>
+            <a:spLocks noGrp="1"/>
+          </p:cNvSpPr>
+          <p:nvPr>
+            <p:ph idx="1"/>
+          </p:nvPr>
+        </p:nvSpPr>
+        <p:spPr/>
+        <p:txBody>
+          <a:bodyPr/>
+          <a:lstStyle/>
+          <a:p>
+            <a:r>
+              <a:rPr lang="en-US" dirty="0" smtClean="0"/>
+              <a:t>Show how I prepare the uploaded dataset</a:t>
+            </a:r>
+          </a:p>
+          <a:p>
+            <a:pPr lvl="1"/>
+            <a:r>
+              <a:rPr lang="en-US" dirty="0" smtClean="0"/>
+              <a:t>steps from EMS, </a:t>
+            </a:r>
+            <a:r>
+              <a:rPr lang="en-US" dirty="0" err="1" smtClean="0"/>
+              <a:t>copy+paste</a:t>
+            </a:r>
+            <a:r>
+              <a:rPr lang="en-US" dirty="0" smtClean="0"/>
+              <a:t> in new Excel file, processing, save as </a:t>
+            </a:r>
+            <a:r>
+              <a:rPr lang="en-US" i="1" dirty="0" err="1" smtClean="0"/>
+              <a:t>csv</a:t>
+            </a:r>
+            <a:endParaRPr lang="en-US" dirty="0" smtClean="0"/>
+          </a:p>
+          <a:p>
+            <a:endParaRPr lang="en-US" dirty="0"/>
+          </a:p>
+        </p:txBody>
+      </p:sp>
+    </p:spTree>
+    <p:extLst>
+      <p:ext uri="{BB962C8B-B14F-4D97-AF65-F5344CB8AC3E}">
+        <p14:creationId xmlns:p14="http://schemas.microsoft.com/office/powerpoint/2010/main" val="1563496136"/>
+      </p:ext>
+    </p:extLst>
+  </p:cSld>
+  <p:clrMapOvr>
+    <a:masterClrMapping/>
+  </p:clrMapOvr>
+  <p:timing>
+    <p:tnLst>
+      <p:par>
+        <p:cTn id="1" dur="indefinite" restart="never" nodeType="tmRoot"/>
+      </p:par>
+    </p:tnLst>
+  </p:timing>
+</p:sld>
+</file>
+
+<file path=ppt/slides/slide11.xml><?xml version="1.0" encoding="utf-8"?>
+<p:sld xmlns:a="http://schemas.openxmlformats.org/drawingml/2006/main" xmlns:r="http://schemas.openxmlformats.org/officeDocument/2006/relationships" xmlns:p="http://schemas.openxmlformats.org/presentationml/2006/main">
+  <p:cSld>
+    <p:spTree>
+      <p:nvGrpSpPr>
+        <p:cNvPr id="1" name=""/>
+        <p:cNvGrpSpPr/>
+        <p:nvPr/>
+      </p:nvGrpSpPr>
+      <p:grpSpPr>
+        <a:xfrm>
+          <a:off x="0" y="0"/>
+          <a:ext cx="0" cy="0"/>
+          <a:chOff x="0" y="0"/>
+          <a:chExt cx="0" cy="0"/>
+        </a:xfrm>
+      </p:grpSpPr>
+      <p:sp>
+        <p:nvSpPr>
+          <p:cNvPr id="2" name="Title 1"/>
+          <p:cNvSpPr>
+            <a:spLocks noGrp="1"/>
+          </p:cNvSpPr>
+          <p:nvPr>
+            <p:ph type="title"/>
+          </p:nvPr>
+        </p:nvSpPr>
+        <p:spPr/>
+        <p:txBody>
+          <a:bodyPr/>
+          <a:lstStyle/>
+          <a:p>
+            <a:r>
+              <a:rPr lang="en-US" dirty="0" smtClean="0"/>
+              <a:t>Data Cleaning</a:t>
+            </a:r>
+            <a:endParaRPr lang="en-US" dirty="0"/>
+          </a:p>
+        </p:txBody>
+      </p:sp>
+      <p:sp>
+        <p:nvSpPr>
+          <p:cNvPr id="3" name="Content Placeholder 2"/>
+          <p:cNvSpPr>
+            <a:spLocks noGrp="1"/>
+          </p:cNvSpPr>
+          <p:nvPr>
+            <p:ph idx="1"/>
+          </p:nvPr>
+        </p:nvSpPr>
+        <p:spPr/>
+        <p:txBody>
+          <a:bodyPr/>
+          <a:lstStyle/>
+          <a:p>
+            <a:r>
+              <a:rPr lang="en-US" dirty="0" smtClean="0"/>
+              <a:t>Find empty cells or unnecessary cells</a:t>
+            </a:r>
+          </a:p>
+          <a:p>
+            <a:r>
+              <a:rPr lang="en-US" dirty="0" smtClean="0"/>
+              <a:t>Delete </a:t>
+            </a:r>
+            <a:r>
+              <a:rPr lang="en-US" dirty="0" smtClean="0"/>
+              <a:t>unnecessary </a:t>
+            </a:r>
+            <a:r>
+              <a:rPr lang="en-US" dirty="0" smtClean="0"/>
+              <a:t>row/column</a:t>
+            </a:r>
+          </a:p>
+          <a:p>
+            <a:pPr lvl="1"/>
+            <a:r>
+              <a:rPr lang="en-US" dirty="0"/>
+              <a:t>https://pandas.pydata.org/pandas-docs/stable/generated/pandas.DataFrame.dropna.html</a:t>
+            </a:r>
+            <a:endParaRPr lang="en-US" dirty="0" smtClean="0"/>
+          </a:p>
+          <a:p>
+            <a:endParaRPr lang="en-US" dirty="0"/>
+          </a:p>
+        </p:txBody>
+      </p:sp>
+    </p:spTree>
+    <p:extLst>
+      <p:ext uri="{BB962C8B-B14F-4D97-AF65-F5344CB8AC3E}">
+        <p14:creationId xmlns:p14="http://schemas.microsoft.com/office/powerpoint/2010/main" val="3563762522"/>
+      </p:ext>
+    </p:extLst>
+  </p:cSld>
+  <p:clrMapOvr>
+    <a:masterClrMapping/>
+  </p:clrMapOvr>
+  <p:timing>
+    <p:tnLst>
+      <p:par>
+        <p:cTn id="1" dur="indefinite" restart="never" nodeType="tmRoot"/>
+      </p:par>
+    </p:tnLst>
+  </p:timing>
+</p:sld>
+</file>
+
+<file path=ppt/slides/slide12.xml><?xml version="1.0" encoding="utf-8"?>
+<p:sld xmlns:a="http://schemas.openxmlformats.org/drawingml/2006/main" xmlns:r="http://schemas.openxmlformats.org/officeDocument/2006/relationships" xmlns:p="http://schemas.openxmlformats.org/presentationml/2006/main">
+  <p:cSld>
+    <p:spTree>
+      <p:nvGrpSpPr>
+        <p:cNvPr id="1" name=""/>
+        <p:cNvGrpSpPr/>
+        <p:nvPr/>
+      </p:nvGrpSpPr>
+      <p:grpSpPr>
+        <a:xfrm>
+          <a:off x="0" y="0"/>
+          <a:ext cx="0" cy="0"/>
+          <a:chOff x="0" y="0"/>
+          <a:chExt cx="0" cy="0"/>
+        </a:xfrm>
+      </p:grpSpPr>
+      <p:sp>
+        <p:nvSpPr>
+          <p:cNvPr id="2" name="Title 1"/>
+          <p:cNvSpPr>
+            <a:spLocks noGrp="1"/>
+          </p:cNvSpPr>
+          <p:nvPr>
+            <p:ph type="title"/>
+          </p:nvPr>
+        </p:nvSpPr>
+        <p:spPr/>
+        <p:txBody>
+          <a:bodyPr/>
+          <a:lstStyle/>
+          <a:p>
+            <a:r>
+              <a:rPr lang="en-US" dirty="0" smtClean="0"/>
+              <a:t>Data Cleaning (if needed)</a:t>
+            </a:r>
+            <a:endParaRPr lang="en-US" dirty="0"/>
+          </a:p>
+        </p:txBody>
+      </p:sp>
+      <p:sp>
+        <p:nvSpPr>
+          <p:cNvPr id="3" name="Content Placeholder 2"/>
+          <p:cNvSpPr>
+            <a:spLocks noGrp="1"/>
+          </p:cNvSpPr>
+          <p:nvPr>
+            <p:ph idx="1"/>
+          </p:nvPr>
+        </p:nvSpPr>
+        <p:spPr>
+          <a:xfrm>
+            <a:off x="838200" y="1825625"/>
+            <a:ext cx="10515600" cy="781097"/>
+          </a:xfrm>
+        </p:spPr>
+        <p:txBody>
+          <a:bodyPr/>
+          <a:lstStyle/>
+          <a:p>
+            <a:r>
+              <a:rPr lang="en-US" dirty="0" smtClean="0"/>
+              <a:t>Removing unnecessary information</a:t>
+            </a:r>
+            <a:endParaRPr lang="en-US" dirty="0"/>
+          </a:p>
+        </p:txBody>
+      </p:sp>
+      <p:sp>
+        <p:nvSpPr>
+          <p:cNvPr id="4" name="Title 1"/>
+          <p:cNvSpPr txBox="1">
+            <a:spLocks/>
+          </p:cNvSpPr>
+          <p:nvPr/>
+        </p:nvSpPr>
+        <p:spPr>
+          <a:xfrm>
+            <a:off x="838200" y="2892235"/>
+            <a:ext cx="10515600" cy="1325563"/>
+          </a:xfrm>
+          <a:prstGeom prst="rect">
+            <a:avLst/>
+          </a:prstGeom>
+        </p:spPr>
+        <p:txBody>
+          <a:bodyPr vert="horz" lIns="91440" tIns="45720" rIns="91440" bIns="45720" rtlCol="0" anchor="ctr">
+            <a:normAutofit/>
+          </a:bodyPr>
+          <a:lstStyle>
+            <a:lvl1pPr algn="l" defTabSz="914400" rtl="0" eaLnBrk="1" latinLnBrk="0" hangingPunct="1">
+              <a:lnSpc>
+                <a:spcPct val="90000"/>
+              </a:lnSpc>
+              <a:spcBef>
+                <a:spcPct val="0"/>
+              </a:spcBef>
+              <a:buNone/>
+              <a:defRPr sz="4400" kern="1200">
+                <a:solidFill>
+                  <a:schemeClr val="tx1"/>
+                </a:solidFill>
+                <a:latin typeface="+mj-lt"/>
+                <a:ea typeface="+mj-ea"/>
+                <a:cs typeface="+mj-cs"/>
+              </a:defRPr>
+            </a:lvl1pPr>
+          </a:lstStyle>
+          <a:p>
+            <a:r>
+              <a:rPr lang="en-US" dirty="0" smtClean="0"/>
+              <a:t>Data </a:t>
+            </a:r>
+            <a:r>
+              <a:rPr lang="en-US" i="1" dirty="0" smtClean="0"/>
+              <a:t>Imputation </a:t>
+            </a:r>
+            <a:r>
+              <a:rPr lang="en-US" dirty="0" smtClean="0"/>
+              <a:t>(if needed)</a:t>
+            </a:r>
+            <a:endParaRPr lang="en-US" dirty="0"/>
+          </a:p>
+        </p:txBody>
+      </p:sp>
+      <p:sp>
+        <p:nvSpPr>
+          <p:cNvPr id="5" name="Content Placeholder 2"/>
+          <p:cNvSpPr txBox="1">
+            <a:spLocks/>
+          </p:cNvSpPr>
+          <p:nvPr/>
+        </p:nvSpPr>
+        <p:spPr>
+          <a:xfrm>
+            <a:off x="838200" y="4217798"/>
+            <a:ext cx="10515600" cy="781097"/>
+          </a:xfrm>
+          <a:prstGeom prst="rect">
+            <a:avLst/>
+          </a:prstGeom>
+        </p:spPr>
+        <p:txBody>
+          <a:bodyPr vert="horz" lIns="91440" tIns="45720" rIns="91440" bIns="45720" rtlCol="0">
+            <a:normAutofit/>
+          </a:bodyPr>
+          <a:lstStyle>
+            <a:lvl1pPr marL="228600" indent="-228600" algn="l" defTabSz="914400" rtl="0" eaLnBrk="1" latinLnBrk="0" hangingPunct="1">
+              <a:lnSpc>
+                <a:spcPct val="90000"/>
+              </a:lnSpc>
+              <a:spcBef>
+                <a:spcPts val="1000"/>
+              </a:spcBef>
+              <a:buFont typeface="Arial" panose="020B0604020202020204" pitchFamily="34" charset="0"/>
+              <a:buChar char="•"/>
+              <a:defRPr sz="2800" kern="1200">
+                <a:solidFill>
+                  <a:schemeClr val="tx1"/>
+                </a:solidFill>
+                <a:latin typeface="+mn-lt"/>
+                <a:ea typeface="+mn-ea"/>
+                <a:cs typeface="+mn-cs"/>
+              </a:defRPr>
+            </a:lvl1pPr>
+            <a:lvl2pPr marL="685800" indent="-228600" algn="l" defTabSz="914400" rtl="0" eaLnBrk="1" latinLnBrk="0" hangingPunct="1">
+              <a:lnSpc>
+                <a:spcPct val="90000"/>
+              </a:lnSpc>
+              <a:spcBef>
+                <a:spcPts val="500"/>
+              </a:spcBef>
+              <a:buFont typeface="Arial" panose="020B0604020202020204" pitchFamily="34" charset="0"/>
+              <a:buChar char="•"/>
+              <a:defRPr sz="2400" kern="1200">
+                <a:solidFill>
+                  <a:schemeClr val="tx1"/>
+                </a:solidFill>
+                <a:latin typeface="+mn-lt"/>
+                <a:ea typeface="+mn-ea"/>
+                <a:cs typeface="+mn-cs"/>
+              </a:defRPr>
+            </a:lvl2pPr>
+            <a:lvl3pPr marL="1143000" indent="-228600" algn="l" defTabSz="914400" rtl="0" eaLnBrk="1" latinLnBrk="0" hangingPunct="1">
+              <a:lnSpc>
+                <a:spcPct val="90000"/>
+              </a:lnSpc>
+              <a:spcBef>
+                <a:spcPts val="500"/>
+              </a:spcBef>
+              <a:buFont typeface="Arial" panose="020B0604020202020204" pitchFamily="34" charset="0"/>
+              <a:buChar char="•"/>
+              <a:defRPr sz="2000" kern="1200">
+                <a:solidFill>
+                  <a:schemeClr val="tx1"/>
+                </a:solidFill>
+                <a:latin typeface="+mn-lt"/>
+                <a:ea typeface="+mn-ea"/>
+                <a:cs typeface="+mn-cs"/>
+              </a:defRPr>
+            </a:lvl3pPr>
+            <a:lvl4pPr marL="1600200" indent="-228600" algn="l" defTabSz="914400" rtl="0" eaLnBrk="1" latinLnBrk="0" hangingPunct="1">
+              <a:lnSpc>
+                <a:spcPct val="90000"/>
+              </a:lnSpc>
+              <a:spcBef>
+                <a:spcPts val="500"/>
+              </a:spcBef>
+              <a:buFont typeface="Arial" panose="020B0604020202020204" pitchFamily="34" charset="0"/>
+              <a:buChar char="•"/>
+              <a:defRPr sz="1800" kern="1200">
+                <a:solidFill>
+                  <a:schemeClr val="tx1"/>
+                </a:solidFill>
+                <a:latin typeface="+mn-lt"/>
+                <a:ea typeface="+mn-ea"/>
+                <a:cs typeface="+mn-cs"/>
+              </a:defRPr>
+            </a:lvl4pPr>
+            <a:lvl5pPr marL="2057400" indent="-228600" algn="l" defTabSz="914400" rtl="0" eaLnBrk="1" latinLnBrk="0" hangingPunct="1">
+              <a:lnSpc>
+                <a:spcPct val="90000"/>
+              </a:lnSpc>
+              <a:spcBef>
+                <a:spcPts val="500"/>
+              </a:spcBef>
+              <a:buFont typeface="Arial" panose="020B0604020202020204" pitchFamily="34" charset="0"/>
+              <a:buChar char="•"/>
+              <a:defRPr sz="1800" kern="1200">
+                <a:solidFill>
+                  <a:schemeClr val="tx1"/>
+                </a:solidFill>
+                <a:latin typeface="+mn-lt"/>
+                <a:ea typeface="+mn-ea"/>
+                <a:cs typeface="+mn-cs"/>
+              </a:defRPr>
+            </a:lvl5pPr>
+            <a:lvl6pPr marL="2514600" indent="-228600" algn="l" defTabSz="914400" rtl="0" eaLnBrk="1" latinLnBrk="0" hangingPunct="1">
+              <a:lnSpc>
+                <a:spcPct val="90000"/>
+              </a:lnSpc>
+              <a:spcBef>
+                <a:spcPts val="500"/>
+              </a:spcBef>
+              <a:buFont typeface="Arial" panose="020B0604020202020204" pitchFamily="34" charset="0"/>
+              <a:buChar char="•"/>
+              <a:defRPr sz="1800" kern="1200">
+                <a:solidFill>
+                  <a:schemeClr val="tx1"/>
+                </a:solidFill>
+                <a:latin typeface="+mn-lt"/>
+                <a:ea typeface="+mn-ea"/>
+                <a:cs typeface="+mn-cs"/>
+              </a:defRPr>
+            </a:lvl6pPr>
+            <a:lvl7pPr marL="2971800" indent="-228600" algn="l" defTabSz="914400" rtl="0" eaLnBrk="1" latinLnBrk="0" hangingPunct="1">
+              <a:lnSpc>
+                <a:spcPct val="90000"/>
+              </a:lnSpc>
+              <a:spcBef>
+                <a:spcPts val="500"/>
+              </a:spcBef>
+              <a:buFont typeface="Arial" panose="020B0604020202020204" pitchFamily="34" charset="0"/>
+              <a:buChar char="•"/>
+              <a:defRPr sz="1800" kern="1200">
+                <a:solidFill>
+                  <a:schemeClr val="tx1"/>
+                </a:solidFill>
+                <a:latin typeface="+mn-lt"/>
+                <a:ea typeface="+mn-ea"/>
+                <a:cs typeface="+mn-cs"/>
+              </a:defRPr>
+            </a:lvl7pPr>
+            <a:lvl8pPr marL="3429000" indent="-228600" algn="l" defTabSz="914400" rtl="0" eaLnBrk="1" latinLnBrk="0" hangingPunct="1">
+              <a:lnSpc>
+                <a:spcPct val="90000"/>
+              </a:lnSpc>
+              <a:spcBef>
+                <a:spcPts val="500"/>
+              </a:spcBef>
+              <a:buFont typeface="Arial" panose="020B0604020202020204" pitchFamily="34" charset="0"/>
+              <a:buChar char="•"/>
+              <a:defRPr sz="1800" kern="1200">
+                <a:solidFill>
+                  <a:schemeClr val="tx1"/>
+                </a:solidFill>
+                <a:latin typeface="+mn-lt"/>
+                <a:ea typeface="+mn-ea"/>
+                <a:cs typeface="+mn-cs"/>
+              </a:defRPr>
+            </a:lvl8pPr>
+            <a:lvl9pPr marL="3886200" indent="-228600" algn="l" defTabSz="914400" rtl="0" eaLnBrk="1" latinLnBrk="0" hangingPunct="1">
+              <a:lnSpc>
+                <a:spcPct val="90000"/>
+              </a:lnSpc>
+              <a:spcBef>
+                <a:spcPts val="500"/>
+              </a:spcBef>
+              <a:buFont typeface="Arial" panose="020B0604020202020204" pitchFamily="34" charset="0"/>
+              <a:buChar char="•"/>
+              <a:defRPr sz="1800" kern="1200">
+                <a:solidFill>
+                  <a:schemeClr val="tx1"/>
+                </a:solidFill>
+                <a:latin typeface="+mn-lt"/>
+                <a:ea typeface="+mn-ea"/>
+                <a:cs typeface="+mn-cs"/>
+              </a:defRPr>
+            </a:lvl9pPr>
+          </a:lstStyle>
+          <a:p>
+            <a:r>
+              <a:rPr lang="en-US" dirty="0" smtClean="0"/>
+              <a:t>Handling </a:t>
+            </a:r>
+            <a:r>
+              <a:rPr lang="en-US" dirty="0" err="1" smtClean="0"/>
+              <a:t>NaN</a:t>
+            </a:r>
+            <a:r>
+              <a:rPr lang="en-US" dirty="0" smtClean="0"/>
+              <a:t> values</a:t>
+            </a:r>
+            <a:endParaRPr lang="en-US" dirty="0"/>
+          </a:p>
+        </p:txBody>
+      </p:sp>
+    </p:spTree>
+    <p:extLst>
+      <p:ext uri="{BB962C8B-B14F-4D97-AF65-F5344CB8AC3E}">
+        <p14:creationId xmlns:p14="http://schemas.microsoft.com/office/powerpoint/2010/main" val="2985487686"/>
+      </p:ext>
+    </p:extLst>
+  </p:cSld>
+  <p:clrMapOvr>
+    <a:masterClrMapping/>
+  </p:clrMapOvr>
+</p:sld>
+</file>
+
+<file path=ppt/slides/slide13.xml><?xml version="1.0" encoding="utf-8"?>
+<p:sld xmlns:a="http://schemas.openxmlformats.org/drawingml/2006/main" xmlns:r="http://schemas.openxmlformats.org/officeDocument/2006/relationships" xmlns:p="http://schemas.openxmlformats.org/presentationml/2006/main">
+  <p:cSld>
+    <p:spTree>
+      <p:nvGrpSpPr>
+        <p:cNvPr id="1" name=""/>
+        <p:cNvGrpSpPr/>
+        <p:nvPr/>
+      </p:nvGrpSpPr>
+      <p:grpSpPr>
+        <a:xfrm>
+          <a:off x="0" y="0"/>
+          <a:ext cx="0" cy="0"/>
+          <a:chOff x="0" y="0"/>
+          <a:chExt cx="0" cy="0"/>
+        </a:xfrm>
+      </p:grpSpPr>
+      <p:sp>
+        <p:nvSpPr>
+          <p:cNvPr id="2" name="Title 1"/>
+          <p:cNvSpPr>
+            <a:spLocks noGrp="1"/>
+          </p:cNvSpPr>
+          <p:nvPr>
+            <p:ph type="title"/>
+          </p:nvPr>
+        </p:nvSpPr>
+        <p:spPr/>
+        <p:txBody>
+          <a:bodyPr/>
+          <a:lstStyle/>
+          <a:p>
+            <a:r>
+              <a:rPr lang="en-US" dirty="0" smtClean="0"/>
+              <a:t>Data Visualization tools</a:t>
+            </a:r>
+            <a:endParaRPr lang="en-US" dirty="0"/>
+          </a:p>
+        </p:txBody>
+      </p:sp>
+      <p:sp>
+        <p:nvSpPr>
+          <p:cNvPr id="3" name="Content Placeholder 2"/>
+          <p:cNvSpPr>
+            <a:spLocks noGrp="1"/>
+          </p:cNvSpPr>
+          <p:nvPr>
+            <p:ph idx="1"/>
+          </p:nvPr>
+        </p:nvSpPr>
+        <p:spPr/>
+        <p:txBody>
+          <a:bodyPr>
+            <a:normAutofit lnSpcReduction="10000"/>
+          </a:bodyPr>
+          <a:lstStyle/>
+          <a:p>
+            <a:r>
+              <a:rPr lang="en-US" dirty="0" smtClean="0"/>
+              <a:t>Scatter Plot</a:t>
+            </a:r>
+          </a:p>
+          <a:p>
+            <a:r>
+              <a:rPr lang="en-US" dirty="0" smtClean="0"/>
+              <a:t>Box Plot</a:t>
+            </a:r>
+          </a:p>
+          <a:p>
+            <a:r>
+              <a:rPr lang="en-US" dirty="0" smtClean="0"/>
+              <a:t>Time series analysis</a:t>
+            </a:r>
+          </a:p>
+          <a:p>
+            <a:r>
+              <a:rPr lang="en-US" dirty="0" smtClean="0"/>
+              <a:t>Bar graph</a:t>
+            </a:r>
+          </a:p>
+          <a:p>
+            <a:r>
+              <a:rPr lang="en-US" dirty="0" smtClean="0"/>
+              <a:t>Histogram</a:t>
+            </a:r>
+          </a:p>
+          <a:p>
+            <a:r>
+              <a:rPr lang="en-US" dirty="0" smtClean="0"/>
+              <a:t>Pie chart</a:t>
+            </a:r>
+          </a:p>
+          <a:p>
+            <a:r>
+              <a:rPr lang="en-US" dirty="0" smtClean="0"/>
+              <a:t>Line graph</a:t>
+            </a:r>
+          </a:p>
+          <a:p>
+            <a:r>
+              <a:rPr lang="en-US" dirty="0" smtClean="0"/>
+              <a:t>Dot plot</a:t>
+            </a:r>
+          </a:p>
+          <a:p>
+            <a:r>
+              <a:rPr lang="en-US" dirty="0" smtClean="0"/>
+              <a:t>Stem &amp; Leaf</a:t>
+            </a:r>
+          </a:p>
+        </p:txBody>
+      </p:sp>
+    </p:spTree>
+    <p:extLst>
+      <p:ext uri="{BB962C8B-B14F-4D97-AF65-F5344CB8AC3E}">
+        <p14:creationId xmlns:p14="http://schemas.microsoft.com/office/powerpoint/2010/main" val="2095210750"/>
+      </p:ext>
+    </p:extLst>
+  </p:cSld>
+  <p:clrMapOvr>
+    <a:masterClrMapping/>
+  </p:clrMapOvr>
+</p:sld>
+</file>
+
+<file path=ppt/slides/slide14.xml><?xml version="1.0" encoding="utf-8"?>
+<p:sld xmlns:a="http://schemas.openxmlformats.org/drawingml/2006/main" xmlns:r="http://schemas.openxmlformats.org/officeDocument/2006/relationships" xmlns:p="http://schemas.openxmlformats.org/presentationml/2006/main">
+  <p:cSld>
+    <p:spTree>
+      <p:nvGrpSpPr>
+        <p:cNvPr id="1" name=""/>
+        <p:cNvGrpSpPr/>
+        <p:nvPr/>
+      </p:nvGrpSpPr>
+      <p:grpSpPr>
+        <a:xfrm>
+          <a:off x="0" y="0"/>
+          <a:ext cx="0" cy="0"/>
+          <a:chOff x="0" y="0"/>
+          <a:chExt cx="0" cy="0"/>
+        </a:xfrm>
+      </p:grpSpPr>
+      <p:sp>
+        <p:nvSpPr>
+          <p:cNvPr id="2" name="Title 1"/>
+          <p:cNvSpPr>
+            <a:spLocks noGrp="1"/>
+          </p:cNvSpPr>
+          <p:nvPr>
+            <p:ph type="title"/>
+          </p:nvPr>
+        </p:nvSpPr>
+        <p:spPr/>
+        <p:txBody>
+          <a:bodyPr/>
+          <a:lstStyle/>
+          <a:p>
+            <a:r>
+              <a:rPr lang="en-US" dirty="0" smtClean="0"/>
+              <a:t>Scatter plot</a:t>
+            </a:r>
+            <a:endParaRPr lang="en-US" dirty="0"/>
+          </a:p>
+        </p:txBody>
+      </p:sp>
+      <p:sp>
+        <p:nvSpPr>
+          <p:cNvPr id="3" name="Content Placeholder 2"/>
+          <p:cNvSpPr>
+            <a:spLocks noGrp="1"/>
+          </p:cNvSpPr>
+          <p:nvPr>
+            <p:ph idx="1"/>
+          </p:nvPr>
+        </p:nvSpPr>
+        <p:spPr/>
+        <p:txBody>
+          <a:bodyPr/>
+          <a:lstStyle/>
+          <a:p>
+            <a:r>
+              <a:rPr lang="en-US" dirty="0" smtClean="0"/>
+              <a:t>When we need to find the relationship between two variables, we may draw scatter plot</a:t>
+            </a:r>
+          </a:p>
+          <a:p>
+            <a:r>
+              <a:rPr lang="en-US" dirty="0" smtClean="0"/>
+              <a:t>Finding whether the variables are correlated (positive, negative or no correlation)</a:t>
+            </a:r>
+          </a:p>
+          <a:p>
+            <a:pPr marL="0" indent="0">
+              <a:buNone/>
+            </a:pPr>
+            <a:endParaRPr lang="en-US" dirty="0"/>
+          </a:p>
+        </p:txBody>
+      </p:sp>
+    </p:spTree>
+    <p:extLst>
+      <p:ext uri="{BB962C8B-B14F-4D97-AF65-F5344CB8AC3E}">
+        <p14:creationId xmlns:p14="http://schemas.microsoft.com/office/powerpoint/2010/main" val="3863708423"/>
+      </p:ext>
+    </p:extLst>
+  </p:cSld>
+  <p:clrMapOvr>
+    <a:masterClrMapping/>
+  </p:clrMapOvr>
+</p:sld>
+</file>
+
+<file path=ppt/slides/slide15.xml><?xml version="1.0" encoding="utf-8"?>
+<p:sld xmlns:a="http://schemas.openxmlformats.org/drawingml/2006/main" xmlns:r="http://schemas.openxmlformats.org/officeDocument/2006/relationships" xmlns:p="http://schemas.openxmlformats.org/presentationml/2006/main">
+  <p:cSld>
+    <p:spTree>
+      <p:nvGrpSpPr>
+        <p:cNvPr id="1" name=""/>
+        <p:cNvGrpSpPr/>
+        <p:nvPr/>
+      </p:nvGrpSpPr>
+      <p:grpSpPr>
+        <a:xfrm>
+          <a:off x="0" y="0"/>
+          <a:ext cx="0" cy="0"/>
+          <a:chOff x="0" y="0"/>
+          <a:chExt cx="0" cy="0"/>
+        </a:xfrm>
+      </p:grpSpPr>
+      <p:sp>
+        <p:nvSpPr>
+          <p:cNvPr id="2" name="Title 1"/>
+          <p:cNvSpPr>
+            <a:spLocks noGrp="1"/>
+          </p:cNvSpPr>
+          <p:nvPr>
+            <p:ph type="title"/>
+          </p:nvPr>
+        </p:nvSpPr>
+        <p:spPr/>
+        <p:txBody>
+          <a:bodyPr/>
+          <a:lstStyle/>
+          <a:p>
+            <a:r>
+              <a:rPr lang="en-US" dirty="0" smtClean="0"/>
+              <a:t>Histogram</a:t>
+            </a:r>
+            <a:endParaRPr lang="en-US" dirty="0"/>
+          </a:p>
+        </p:txBody>
+      </p:sp>
+      <p:sp>
+        <p:nvSpPr>
+          <p:cNvPr id="3" name="Content Placeholder 2"/>
+          <p:cNvSpPr>
+            <a:spLocks noGrp="1"/>
+          </p:cNvSpPr>
+          <p:nvPr>
+            <p:ph idx="1"/>
+          </p:nvPr>
+        </p:nvSpPr>
+        <p:spPr/>
+        <p:txBody>
+          <a:bodyPr/>
+          <a:lstStyle/>
+          <a:p>
+            <a:r>
+              <a:rPr lang="en-US">
+                <a:hlinkClick r:id="rId2"/>
+              </a:rPr>
+              <a:t>https</a:t>
+            </a:r>
+            <a:r>
+              <a:rPr lang="en-US">
+                <a:hlinkClick r:id="rId2"/>
+              </a:rPr>
+              <a:t>://</a:t>
+            </a:r>
+            <a:r>
+              <a:rPr lang="en-US" smtClean="0">
+                <a:hlinkClick r:id="rId2"/>
+              </a:rPr>
+              <a:t>matplotlib.org/gallery/statistics/hist.html</a:t>
+            </a:r>
+            <a:endParaRPr lang="en-US" smtClean="0"/>
+          </a:p>
+          <a:p>
+            <a:endParaRPr lang="en-US"/>
+          </a:p>
+        </p:txBody>
+      </p:sp>
+    </p:spTree>
+    <p:extLst>
+      <p:ext uri="{BB962C8B-B14F-4D97-AF65-F5344CB8AC3E}">
+        <p14:creationId xmlns:p14="http://schemas.microsoft.com/office/powerpoint/2010/main" val="2060832861"/>
+      </p:ext>
+    </p:extLst>
+  </p:cSld>
+  <p:clrMapOvr>
+    <a:masterClrMapping/>
+  </p:clrMapOvr>
+</p:sld>
+</file>
+
+<file path=ppt/slides/slide16.xml><?xml version="1.0" encoding="utf-8"?>
+<p:sld xmlns:a="http://schemas.openxmlformats.org/drawingml/2006/main" xmlns:r="http://schemas.openxmlformats.org/officeDocument/2006/relationships" xmlns:p="http://schemas.openxmlformats.org/presentationml/2006/main">
+  <p:cSld>
+    <p:spTree>
+      <p:nvGrpSpPr>
+        <p:cNvPr id="1" name=""/>
+        <p:cNvGrpSpPr/>
+        <p:nvPr/>
+      </p:nvGrpSpPr>
+      <p:grpSpPr>
+        <a:xfrm>
+          <a:off x="0" y="0"/>
+          <a:ext cx="0" cy="0"/>
+          <a:chOff x="0" y="0"/>
+          <a:chExt cx="0" cy="0"/>
+        </a:xfrm>
+      </p:grpSpPr>
+      <p:sp>
+        <p:nvSpPr>
+          <p:cNvPr id="2" name="Title 1"/>
+          <p:cNvSpPr>
+            <a:spLocks noGrp="1"/>
+          </p:cNvSpPr>
+          <p:nvPr>
+            <p:ph type="title"/>
+          </p:nvPr>
+        </p:nvSpPr>
+        <p:spPr/>
+        <p:txBody>
+          <a:bodyPr/>
+          <a:lstStyle/>
+          <a:p>
+            <a:r>
+              <a:rPr lang="en-US" dirty="0" smtClean="0"/>
+              <a:t>Box Plot</a:t>
+            </a:r>
+            <a:endParaRPr lang="en-US" dirty="0"/>
+          </a:p>
+        </p:txBody>
+      </p:sp>
+      <p:sp>
+        <p:nvSpPr>
+          <p:cNvPr id="3" name="Content Placeholder 2"/>
+          <p:cNvSpPr>
+            <a:spLocks noGrp="1"/>
+          </p:cNvSpPr>
+          <p:nvPr>
+            <p:ph idx="1"/>
+          </p:nvPr>
+        </p:nvSpPr>
+        <p:spPr/>
+        <p:txBody>
+          <a:bodyPr/>
+          <a:lstStyle/>
+          <a:p>
+            <a:r>
+              <a:rPr lang="en-US" dirty="0" smtClean="0"/>
+              <a:t>Determining the percentiles</a:t>
+            </a:r>
+            <a:endParaRPr lang="en-US" dirty="0"/>
+          </a:p>
+        </p:txBody>
+      </p:sp>
+    </p:spTree>
+    <p:extLst>
+      <p:ext uri="{BB962C8B-B14F-4D97-AF65-F5344CB8AC3E}">
+        <p14:creationId xmlns:p14="http://schemas.microsoft.com/office/powerpoint/2010/main" val="2253054247"/>
+      </p:ext>
+    </p:extLst>
+  </p:cSld>
+  <p:clrMapOvr>
+    <a:masterClrMapping/>
+  </p:clrMapOvr>
+</p:sld>
+</file>
+
+<file path=ppt/slides/slide17.xml><?xml version="1.0" encoding="utf-8"?>
+<p:sld xmlns:a="http://schemas.openxmlformats.org/drawingml/2006/main" xmlns:r="http://schemas.openxmlformats.org/officeDocument/2006/relationships" xmlns:p="http://schemas.openxmlformats.org/presentationml/2006/main">
+  <p:cSld>
+    <p:spTree>
+      <p:nvGrpSpPr>
+        <p:cNvPr id="1" name=""/>
+        <p:cNvGrpSpPr/>
+        <p:nvPr/>
+      </p:nvGrpSpPr>
+      <p:grpSpPr>
+        <a:xfrm>
+          <a:off x="0" y="0"/>
+          <a:ext cx="0" cy="0"/>
+          <a:chOff x="0" y="0"/>
+          <a:chExt cx="0" cy="0"/>
+        </a:xfrm>
+      </p:grpSpPr>
+      <p:sp>
+        <p:nvSpPr>
+          <p:cNvPr id="2" name="Title 1"/>
+          <p:cNvSpPr>
+            <a:spLocks noGrp="1"/>
+          </p:cNvSpPr>
+          <p:nvPr>
+            <p:ph type="title"/>
+          </p:nvPr>
+        </p:nvSpPr>
+        <p:spPr/>
+        <p:txBody>
+          <a:bodyPr/>
+          <a:lstStyle/>
+          <a:p>
+            <a:r>
+              <a:rPr lang="en-US" dirty="0" smtClean="0"/>
+              <a:t>Bar graph</a:t>
+            </a:r>
+            <a:endParaRPr lang="en-US" dirty="0"/>
+          </a:p>
+        </p:txBody>
+      </p:sp>
+      <p:sp>
+        <p:nvSpPr>
+          <p:cNvPr id="3" name="Content Placeholder 2"/>
+          <p:cNvSpPr>
+            <a:spLocks noGrp="1"/>
+          </p:cNvSpPr>
+          <p:nvPr>
+            <p:ph idx="1"/>
+          </p:nvPr>
+        </p:nvSpPr>
+        <p:spPr/>
+        <p:txBody>
+          <a:bodyPr/>
+          <a:lstStyle/>
+          <a:p>
+            <a:r>
+              <a:rPr lang="en-US" dirty="0" smtClean="0"/>
+              <a:t>30% &amp; 70% marks</a:t>
+            </a:r>
+            <a:endParaRPr lang="en-US" dirty="0"/>
+          </a:p>
+        </p:txBody>
+      </p:sp>
+    </p:spTree>
+    <p:extLst>
+      <p:ext uri="{BB962C8B-B14F-4D97-AF65-F5344CB8AC3E}">
+        <p14:creationId xmlns:p14="http://schemas.microsoft.com/office/powerpoint/2010/main" val="3927879808"/>
+      </p:ext>
+    </p:extLst>
+  </p:cSld>
+  <p:clrMapOvr>
+    <a:masterClrMapping/>
+  </p:clrMapOvr>
+</p:sld>
+</file>
+
+<file path=ppt/slides/slide18.xml><?xml version="1.0" encoding="utf-8"?>
+<p:sld xmlns:a="http://schemas.openxmlformats.org/drawingml/2006/main" xmlns:r="http://schemas.openxmlformats.org/officeDocument/2006/relationships" xmlns:p="http://schemas.openxmlformats.org/presentationml/2006/main">
+  <p:cSld>
+    <p:spTree>
+      <p:nvGrpSpPr>
+        <p:cNvPr id="1" name=""/>
+        <p:cNvGrpSpPr/>
+        <p:nvPr/>
+      </p:nvGrpSpPr>
+      <p:grpSpPr>
+        <a:xfrm>
+          <a:off x="0" y="0"/>
+          <a:ext cx="0" cy="0"/>
+          <a:chOff x="0" y="0"/>
+          <a:chExt cx="0" cy="0"/>
+        </a:xfrm>
+      </p:grpSpPr>
+      <p:sp>
+        <p:nvSpPr>
+          <p:cNvPr id="2" name="Title 1"/>
+          <p:cNvSpPr>
+            <a:spLocks noGrp="1"/>
+          </p:cNvSpPr>
+          <p:nvPr>
+            <p:ph type="title"/>
+          </p:nvPr>
+        </p:nvSpPr>
+        <p:spPr/>
+        <p:txBody>
+          <a:bodyPr/>
+          <a:lstStyle/>
+          <a:p>
+            <a:r>
+              <a:rPr lang="en-US" dirty="0" smtClean="0"/>
+              <a:t>Scatter Plot</a:t>
+            </a:r>
+            <a:endParaRPr lang="en-US" dirty="0"/>
+          </a:p>
+        </p:txBody>
+      </p:sp>
+      <p:sp>
+        <p:nvSpPr>
+          <p:cNvPr id="3" name="Content Placeholder 2"/>
+          <p:cNvSpPr>
+            <a:spLocks noGrp="1"/>
+          </p:cNvSpPr>
+          <p:nvPr>
+            <p:ph idx="1"/>
+          </p:nvPr>
+        </p:nvSpPr>
+        <p:spPr/>
+        <p:txBody>
+          <a:bodyPr/>
+          <a:lstStyle/>
+          <a:p>
+            <a:endParaRPr lang="en-US"/>
+          </a:p>
+        </p:txBody>
+      </p:sp>
+    </p:spTree>
+    <p:extLst>
+      <p:ext uri="{BB962C8B-B14F-4D97-AF65-F5344CB8AC3E}">
+        <p14:creationId xmlns:p14="http://schemas.microsoft.com/office/powerpoint/2010/main" val="3969692461"/>
+      </p:ext>
+    </p:extLst>
+  </p:cSld>
+  <p:clrMapOvr>
+    <a:masterClrMapping/>
+  </p:clrMapOvr>
+</p:sld>
+</file>
+
+<file path=ppt/slides/slide19.xml><?xml version="1.0" encoding="utf-8"?>
+<p:sld xmlns:a="http://schemas.openxmlformats.org/drawingml/2006/main" xmlns:r="http://schemas.openxmlformats.org/officeDocument/2006/relationships" xmlns:p="http://schemas.openxmlformats.org/presentationml/2006/main">
+  <p:cSld>
+    <p:spTree>
+      <p:nvGrpSpPr>
+        <p:cNvPr id="1" name=""/>
+        <p:cNvGrpSpPr/>
+        <p:nvPr/>
+      </p:nvGrpSpPr>
+      <p:grpSpPr>
+        <a:xfrm>
+          <a:off x="0" y="0"/>
+          <a:ext cx="0" cy="0"/>
+          <a:chOff x="0" y="0"/>
+          <a:chExt cx="0" cy="0"/>
+        </a:xfrm>
+      </p:grpSpPr>
+      <p:sp>
+        <p:nvSpPr>
+          <p:cNvPr id="2" name="Title 1"/>
+          <p:cNvSpPr>
+            <a:spLocks noGrp="1"/>
+          </p:cNvSpPr>
+          <p:nvPr>
+            <p:ph type="title"/>
+          </p:nvPr>
+        </p:nvSpPr>
+        <p:spPr/>
+        <p:txBody>
+          <a:bodyPr/>
+          <a:lstStyle/>
+          <a:p>
+            <a:r>
+              <a:rPr lang="en-US" dirty="0" smtClean="0"/>
               <a:t>Box Plot</a:t>
             </a:r>
             <a:endParaRPr lang="en-US" dirty="0"/>
@@ -3207,6 +4317,104 @@
           <a:p>
             <a:r>
               <a:rPr lang="en-US" dirty="0" smtClean="0"/>
+              <a:t>Class Materials</a:t>
+            </a:r>
+            <a:endParaRPr lang="en-US" dirty="0"/>
+          </a:p>
+        </p:txBody>
+      </p:sp>
+      <p:sp>
+        <p:nvSpPr>
+          <p:cNvPr id="3" name="Content Placeholder 2"/>
+          <p:cNvSpPr>
+            <a:spLocks noGrp="1"/>
+          </p:cNvSpPr>
+          <p:nvPr>
+            <p:ph idx="1"/>
+          </p:nvPr>
+        </p:nvSpPr>
+        <p:spPr/>
+        <p:txBody>
+          <a:bodyPr/>
+          <a:lstStyle/>
+          <a:p>
+            <a:r>
+              <a:rPr lang="en-US" dirty="0" smtClean="0"/>
+              <a:t>Fork the </a:t>
+            </a:r>
+            <a:r>
+              <a:rPr lang="en-US" dirty="0" err="1" smtClean="0"/>
+              <a:t>Github</a:t>
+            </a:r>
+            <a:r>
+              <a:rPr lang="en-US" dirty="0" smtClean="0"/>
+              <a:t> repository</a:t>
+            </a:r>
+          </a:p>
+          <a:p>
+            <a:r>
+              <a:rPr lang="en-US" dirty="0" smtClean="0"/>
+              <a:t>Fork the </a:t>
+            </a:r>
+            <a:r>
+              <a:rPr lang="en-US" dirty="0" err="1" smtClean="0"/>
+              <a:t>Kaggle</a:t>
+            </a:r>
+            <a:r>
+              <a:rPr lang="en-US" dirty="0" smtClean="0"/>
+              <a:t> kernel &amp; Dataset</a:t>
+            </a:r>
+            <a:endParaRPr lang="en-US" dirty="0"/>
+          </a:p>
+        </p:txBody>
+      </p:sp>
+    </p:spTree>
+    <p:extLst>
+      <p:ext uri="{BB962C8B-B14F-4D97-AF65-F5344CB8AC3E}">
+        <p14:creationId xmlns:p14="http://schemas.microsoft.com/office/powerpoint/2010/main" val="1130553487"/>
+      </p:ext>
+    </p:extLst>
+  </p:cSld>
+  <p:clrMapOvr>
+    <a:masterClrMapping/>
+  </p:clrMapOvr>
+</p:sld>
+</file>
+
+<file path=ppt/slides/slide3.xml><?xml version="1.0" encoding="utf-8"?>
+<p:sld xmlns:a="http://schemas.openxmlformats.org/drawingml/2006/main" xmlns:r="http://schemas.openxmlformats.org/officeDocument/2006/relationships" xmlns:p="http://schemas.openxmlformats.org/presentationml/2006/main">
+  <p:cSld>
+    <p:spTree>
+      <p:nvGrpSpPr>
+        <p:cNvPr id="1" name=""/>
+        <p:cNvGrpSpPr/>
+        <p:nvPr/>
+      </p:nvGrpSpPr>
+      <p:grpSpPr>
+        <a:xfrm>
+          <a:off x="0" y="0"/>
+          <a:ext cx="0" cy="0"/>
+          <a:chOff x="0" y="0"/>
+          <a:chExt cx="0" cy="0"/>
+        </a:xfrm>
+      </p:grpSpPr>
+      <p:sp>
+        <p:nvSpPr>
+          <p:cNvPr id="2" name="Title 1"/>
+          <p:cNvSpPr>
+            <a:spLocks noGrp="1"/>
+          </p:cNvSpPr>
+          <p:nvPr>
+            <p:ph type="title"/>
+          </p:nvPr>
+        </p:nvSpPr>
+        <p:spPr/>
+        <p:txBody>
+          <a:bodyPr/>
+          <a:lstStyle/>
+          <a:p>
+            <a:r>
+              <a:rPr lang="en-US" dirty="0" smtClean="0"/>
               <a:t>Introduction to Python</a:t>
             </a:r>
             <a:endParaRPr lang="en-US" dirty="0"/>
@@ -3246,22 +4454,21 @@
           </a:p>
           <a:p>
             <a:r>
-              <a:rPr lang="en-US" dirty="0" err="1" smtClean="0"/>
-              <a:t>Loginto</a:t>
-            </a:r>
-            <a:r>
-              <a:rPr lang="en-US" dirty="0" smtClean="0"/>
-              <a:t> your </a:t>
+              <a:rPr lang="en-US" dirty="0" smtClean="0"/>
+              <a:t>Login to </a:t>
+            </a:r>
+            <a:r>
+              <a:rPr lang="en-US" dirty="0" smtClean="0"/>
+              <a:t>your </a:t>
             </a:r>
             <a:r>
               <a:rPr lang="en-US" dirty="0" err="1" smtClean="0"/>
               <a:t>kaggle</a:t>
             </a:r>
             <a:r>
-              <a:rPr lang="en-US" smtClean="0"/>
+              <a:rPr lang="en-US" dirty="0" smtClean="0"/>
               <a:t> account</a:t>
             </a:r>
-            <a:endParaRPr lang="en-US" dirty="0" smtClean="0"/>
           </a:p>
           <a:p>
             <a:endParaRPr lang="en-US" dirty="0"/>
@@ -3288,7 +4495,7 @@
 </p:sld>
 </file>
 
-<file path=ppt/slides/slide3.xml><?xml version="1.0" encoding="utf-8"?>
+<file path=ppt/slides/slide4.xml><?xml version="1.0" encoding="utf-8"?>
 <p:sld xmlns:a="http://schemas.openxmlformats.org/drawingml/2006/main" xmlns:r="http://schemas.openxmlformats.org/officeDocument/2006/relationships" xmlns:p="http://schemas.openxmlformats.org/presentationml/2006/main">
   <p:cSld>
     <p:spTree>
@@ -3459,7 +4666,7 @@
 </p:sld>
 </file>
 
-<file path=ppt/slides/slide4.xml><?xml version="1.0" encoding="utf-8"?>
+<file path=ppt/slides/slide5.xml><?xml version="1.0" encoding="utf-8"?>
 <p:sld xmlns:a="http://schemas.openxmlformats.org/drawingml/2006/main" xmlns:r="http://schemas.openxmlformats.org/officeDocument/2006/relationships" xmlns:p="http://schemas.openxmlformats.org/presentationml/2006/main">
   <p:cSld>
     <p:spTree>
@@ -3626,7 +4833,7 @@
 </p:sld>
 </file>
 
-<file path=ppt/slides/slide5.xml><?xml version="1.0" encoding="utf-8"?>
+<file path=ppt/slides/slide6.xml><?xml version="1.0" encoding="utf-8"?>
 <p:sld xmlns:a="http://schemas.openxmlformats.org/drawingml/2006/main" xmlns:r="http://schemas.openxmlformats.org/officeDocument/2006/relationships" xmlns:p="http://schemas.openxmlformats.org/presentationml/2006/main">
   <p:cSld>
     <p:spTree>
@@ -4056,7 +5263,7 @@
 </p:sld>
 </file>
 
-<file path=ppt/slides/slide6.xml><?xml version="1.0" encoding="utf-8"?>
+<file path=ppt/slides/slide7.xml><?xml version="1.0" encoding="utf-8"?>
 <p:sld xmlns:a="http://schemas.openxmlformats.org/drawingml/2006/main" xmlns:r="http://schemas.openxmlformats.org/officeDocument/2006/relationships" xmlns:p="http://schemas.openxmlformats.org/presentationml/2006/main">
   <p:cSld>
     <p:spTree>
@@ -4229,111 +5436,6 @@
 </p:sld>
 </file>
 
-<file path=ppt/slides/slide7.xml><?xml version="1.0" encoding="utf-8"?>
-<p:sld xmlns:a="http://schemas.openxmlformats.org/drawingml/2006/main" xmlns:r="http://schemas.openxmlformats.org/officeDocument/2006/relationships" xmlns:p="http://schemas.openxmlformats.org/presentationml/2006/main">
-  <p:cSld>
-    <p:spTree>
-      <p:nvGrpSpPr>
-        <p:cNvPr id="1" name=""/>
-        <p:cNvGrpSpPr/>
-        <p:nvPr/>
-      </p:nvGrpSpPr>
-      <p:grpSpPr>
-        <a:xfrm>
-          <a:off x="0" y="0"/>
-          <a:ext cx="0" cy="0"/>
-          <a:chOff x="0" y="0"/>
-          <a:chExt cx="0" cy="0"/>
-        </a:xfrm>
-      </p:grpSpPr>
-      <p:sp>
-        <p:nvSpPr>
-          <p:cNvPr id="2" name="Title 1"/>
-          <p:cNvSpPr>
-            <a:spLocks noGrp="1"/>
-          </p:cNvSpPr>
-          <p:nvPr>
-            <p:ph type="title"/>
-          </p:nvPr>
-        </p:nvSpPr>
-        <p:spPr/>
-        <p:txBody>
-          <a:bodyPr/>
-          <a:lstStyle/>
-          <a:p>
-            <a:r>
-              <a:rPr lang="en-US" dirty="0" smtClean="0"/>
-              <a:t>Collect the Data</a:t>
-            </a:r>
-            <a:endParaRPr lang="en-US" dirty="0"/>
-          </a:p>
-        </p:txBody>
-      </p:sp>
-      <p:sp>
-        <p:nvSpPr>
-          <p:cNvPr id="3" name="Content Placeholder 2"/>
-          <p:cNvSpPr>
-            <a:spLocks noGrp="1"/>
-          </p:cNvSpPr>
-          <p:nvPr>
-            <p:ph idx="1"/>
-          </p:nvPr>
-        </p:nvSpPr>
-        <p:spPr/>
-        <p:txBody>
-          <a:bodyPr/>
-          <a:lstStyle/>
-          <a:p>
-            <a:r>
-              <a:rPr lang="en-US" dirty="0" smtClean="0"/>
-              <a:t>Show how I prepare the uploaded dataset</a:t>
-            </a:r>
-          </a:p>
-          <a:p>
-            <a:pPr lvl="1"/>
-            <a:r>
-              <a:rPr lang="en-US" dirty="0" smtClean="0"/>
-              <a:t>steps from EMS, </a:t>
-            </a:r>
-            <a:r>
-              <a:rPr lang="en-US" dirty="0" err="1" smtClean="0"/>
-              <a:t>copy+paste</a:t>
-            </a:r>
-            <a:r>
-              <a:rPr lang="en-US" dirty="0" smtClean="0"/>
-              <a:t> in new Excel file, processing, save as </a:t>
-            </a:r>
-            <a:r>
-              <a:rPr lang="en-US" i="1" dirty="0" err="1" smtClean="0"/>
-              <a:t>csv</a:t>
-            </a:r>
-            <a:endParaRPr lang="en-US" dirty="0" smtClean="0"/>
-          </a:p>
-          <a:p>
-            <a:endParaRPr lang="en-US" dirty="0"/>
-          </a:p>
-        </p:txBody>
-      </p:sp>
-    </p:spTree>
-    <p:extLst>
-      <p:ext uri="{BB962C8B-B14F-4D97-AF65-F5344CB8AC3E}">
-        <p14:creationId xmlns:p14="http://schemas.microsoft.com/office/powerpoint/2010/main" val="1563496136"/>
-      </p:ext>
-    </p:extLst>
-  </p:cSld>
-  <p:clrMapOvr>
-    <a:masterClrMapping/>
-  </p:clrMapOvr>
-  <p:timing>
-    <p:tnLst>
-      <p:par>
-        <p:cTn id="1" dur="indefinite" restart="never" nodeType="tmRoot"/>
-      </p:par>
-    </p:tnLst>
-  </p:timing>
-</p:sld>
-</file>
-
 <file path=ppt/slides/slide8.xml><?xml version="1.0" encoding="utf-8"?>
 <p:sld xmlns:a="http://schemas.openxmlformats.org/drawingml/2006/main" xmlns:r="http://schemas.openxmlformats.org/officeDocument/2006/relationships" xmlns:p="http://schemas.openxmlformats.org/presentationml/2006/main">
   <p:cSld>
@@ -4366,11 +5468,20 @@
           <a:bodyPr/>
           <a:lstStyle/>
           <a:p>
-            <a:r>
-              <a:rPr lang="en-US" dirty="0" smtClean="0"/>
-              <a:t>Data Cleaning</a:t>
-            </a:r>
-            <a:endParaRPr lang="en-US" dirty="0"/>
+            <a:pPr algn="ctr"/>
+            <a:r>
+              <a:rPr lang="en-US" b="1" dirty="0" smtClean="0">
+                <a:solidFill>
+                  <a:srgbClr val="0070C0"/>
+                </a:solidFill>
+              </a:rPr>
+              <a:t>Methodology</a:t>
+            </a:r>
+            <a:endParaRPr lang="en-US" b="1" dirty="0">
+              <a:solidFill>
+                <a:srgbClr val="0070C0"/>
+              </a:solidFill>
+            </a:endParaRPr>
           </a:p>
         </p:txBody>
       </p:sp>
@@ -4386,42 +5497,71 @@
         </p:nvSpPr>
         <p:spPr/>
         <p:txBody>
-          <a:bodyPr/>
-          <a:lstStyle/>
-          <a:p>
-            <a:r>
-              <a:rPr lang="en-US" dirty="0" smtClean="0"/>
-              <a:t>Delete unnecessary row/column</a:t>
-            </a:r>
-          </a:p>
-          <a:p>
-            <a:r>
-              <a:rPr lang="en-US" dirty="0" smtClean="0"/>
-              <a:t>Dealing with NA values</a:t>
-            </a:r>
-          </a:p>
-          <a:p>
-            <a:endParaRPr lang="en-US" dirty="0"/>
+          <a:bodyPr>
+            <a:normAutofit/>
+          </a:bodyPr>
+          <a:lstStyle/>
+          <a:p>
+            <a:r>
+              <a:rPr lang="en-US" sz="4000" dirty="0" smtClean="0"/>
+              <a:t>Data Import</a:t>
+            </a:r>
+          </a:p>
+          <a:p>
+            <a:r>
+              <a:rPr lang="en-US" sz="4000" dirty="0" smtClean="0"/>
+              <a:t>Data Preprocessing</a:t>
+            </a:r>
+          </a:p>
+          <a:p>
+            <a:pPr lvl="1"/>
+            <a:r>
+              <a:rPr lang="en-US" sz="3600" dirty="0" smtClean="0"/>
+              <a:t>Cleaning</a:t>
+            </a:r>
+          </a:p>
+          <a:p>
+            <a:pPr lvl="1"/>
+            <a:r>
+              <a:rPr lang="en-US" sz="3600" dirty="0" smtClean="0"/>
+              <a:t>Imputation</a:t>
+            </a:r>
+          </a:p>
+          <a:p>
+            <a:r>
+              <a:rPr lang="en-US" sz="4000" dirty="0" smtClean="0"/>
+              <a:t>Exploratory Data Analysis (EDA)</a:t>
+            </a:r>
+          </a:p>
+          <a:p>
+            <a:pPr lvl="1"/>
+            <a:r>
+              <a:rPr lang="en-US" sz="3600" dirty="0" smtClean="0"/>
+              <a:t>Develop graphical representation</a:t>
+            </a:r>
+          </a:p>
+          <a:p>
+            <a:pPr lvl="1"/>
+            <a:r>
+              <a:rPr lang="en-US" sz="3600" dirty="0" smtClean="0"/>
+              <a:t>Interpret the Data</a:t>
+            </a:r>
+          </a:p>
+          <a:p>
+            <a:endParaRPr lang="en-US" sz="4000" dirty="0"/>
           </a:p>
         </p:txBody>
       </p:sp>
     </p:spTree>
     <p:extLst>
       <p:ext uri="{BB962C8B-B14F-4D97-AF65-F5344CB8AC3E}">
-        <p14:creationId xmlns:p14="http://schemas.microsoft.com/office/powerpoint/2010/main" val="3563762522"/>
+        <p14:creationId xmlns:p14="http://schemas.microsoft.com/office/powerpoint/2010/main" val="3290248010"/>
       </p:ext>
     </p:extLst>
   </p:cSld>
   <p:clrMapOvr>
     <a:masterClrMapping/>
   </p:clrMapOvr>
-  <p:timing>
-    <p:tnLst>
-      <p:par>
-        <p:cTn id="1" dur="indefinite" restart="never" nodeType="tmRoot"/>
-      </p:par>
-    </p:tnLst>
-  </p:timing>
 </p:sld>
 </file>
 
@@ -4459,7 +5599,7 @@
           <a:p>
             <a:r>
               <a:rPr lang="en-US" dirty="0" smtClean="0"/>
-              <a:t>Scatter Plot</a:t>
+              <a:t>Import an EXCEL file</a:t>
             </a:r>
             <a:endParaRPr lang="en-US" dirty="0"/>
           </a:p>
@@ -4480,14 +5620,28 @@
           <a:bodyPr/>
           <a:lstStyle/>
           <a:p>
-            <a:endParaRPr lang="en-US"/>
+            <a:r>
+              <a:rPr lang="en-US" dirty="0" smtClean="0"/>
+              <a:t>Install </a:t>
+            </a:r>
+            <a:r>
+              <a:rPr lang="en-US" dirty="0" smtClean="0">
+                <a:solidFill>
+                  <a:srgbClr val="FF0000"/>
+                </a:solidFill>
+              </a:rPr>
+              <a:t>pandas </a:t>
+            </a:r>
+          </a:p>
+          <a:p>
+            <a:endParaRPr lang="en-US" dirty="0"/>
           </a:p>
         </p:txBody>
       </p:sp>
     </p:spTree>
     <p:extLst>
       <p:ext uri="{BB962C8B-B14F-4D97-AF65-F5344CB8AC3E}">
-        <p14:creationId xmlns:p14="http://schemas.microsoft.com/office/powerpoint/2010/main" val="3969692461"/>
+        <p14:creationId xmlns:p14="http://schemas.microsoft.com/office/powerpoint/2010/main" val="2340420909"/>
       </p:ext>
     </p:extLst>
   </p:cSld>

--- a/Projects & Dataset/Presentation on Python projects in Applied Statistics.pptx
+++ b/Projects & Dataset/Presentation on Python projects in Applied Statistics.pptx
@@ -3935,27 +3935,21 @@
           <a:lstStyle/>
           <a:p>
             <a:r>
-              <a:rPr lang="en-US">
+              <a:rPr lang="en-US" dirty="0">
                 <a:hlinkClick r:id="rId2"/>
               </a:rPr>
-              <a:t>https</a:t>
-            </a:r>
-            <a:r>
-              <a:rPr lang="en-US">
-                <a:hlinkClick r:id="rId2"/>
-              </a:rPr>
-              <a:t>://</a:t>
-            </a:r>
-            <a:r>
-              <a:rPr lang="en-US" smtClean="0">
+              <a:t>https://</a:t>
+            </a:r>
+            <a:r>
+              <a:rPr lang="en-US" dirty="0" smtClean="0">
                 <a:hlinkClick r:id="rId2"/>
               </a:rPr>
               <a:t>matplotlib.org/gallery/statistics/hist.html</a:t>
             </a:r>
-            <a:endParaRPr lang="en-US" smtClean="0"/>
-          </a:p>
-          <a:p>
-            <a:endParaRPr lang="en-US"/>
+            <a:endParaRPr lang="en-US" dirty="0" smtClean="0"/>
+          </a:p>
+          <a:p>
+            <a:endParaRPr lang="en-US" dirty="0"/>
           </a:p>
         </p:txBody>
       </p:sp>

--- a/Projects & Dataset/Presentation on Python projects in Applied Statistics.pptx
+++ b/Projects & Dataset/Presentation on Python projects in Applied Statistics.pptx
@@ -17,13 +17,21 @@
     <p:sldId id="263" r:id="rId11"/>
     <p:sldId id="262" r:id="rId12"/>
     <p:sldId id="269" r:id="rId13"/>
-    <p:sldId id="270" r:id="rId14"/>
-    <p:sldId id="271" r:id="rId15"/>
-    <p:sldId id="274" r:id="rId16"/>
-    <p:sldId id="272" r:id="rId17"/>
-    <p:sldId id="273" r:id="rId18"/>
-    <p:sldId id="264" r:id="rId19"/>
-    <p:sldId id="265" r:id="rId20"/>
+    <p:sldId id="275" r:id="rId14"/>
+    <p:sldId id="276" r:id="rId15"/>
+    <p:sldId id="277" r:id="rId16"/>
+    <p:sldId id="279" r:id="rId17"/>
+    <p:sldId id="280" r:id="rId18"/>
+    <p:sldId id="278" r:id="rId19"/>
+    <p:sldId id="281" r:id="rId20"/>
+    <p:sldId id="282" r:id="rId21"/>
+    <p:sldId id="270" r:id="rId22"/>
+    <p:sldId id="271" r:id="rId23"/>
+    <p:sldId id="274" r:id="rId24"/>
+    <p:sldId id="272" r:id="rId25"/>
+    <p:sldId id="273" r:id="rId26"/>
+    <p:sldId id="264" r:id="rId27"/>
+    <p:sldId id="265" r:id="rId28"/>
   </p:sldIdLst>
   <p:sldSz cx="12192000" cy="6858000"/>
   <p:notesSz cx="6858000" cy="9144000"/>
@@ -151,6 +159,14 @@
         </p14:section>
         <p14:section name="EDA" id="{74396CDB-9FB3-4310-A0B6-56766A86E3A4}">
           <p14:sldIdLst>
+            <p14:sldId id="275"/>
+            <p14:sldId id="276"/>
+            <p14:sldId id="277"/>
+            <p14:sldId id="279"/>
+            <p14:sldId id="280"/>
+            <p14:sldId id="278"/>
+            <p14:sldId id="281"/>
+            <p14:sldId id="282"/>
             <p14:sldId id="270"/>
             <p14:sldId id="271"/>
             <p14:sldId id="274"/>
@@ -300,7 +316,7 @@
           <a:p>
             <a:fld id="{0800E26F-1607-4B19-B33C-3A6267442803}" type="datetimeFigureOut">
               <a:rPr lang="en-US" smtClean="0"/>
-              <a:t>7/29/2018</a:t>
+              <a:t>7/31/2018</a:t>
             </a:fld>
             <a:endParaRPr lang="en-US"/>
           </a:p>
@@ -470,7 +486,7 @@
           <a:p>
             <a:fld id="{0800E26F-1607-4B19-B33C-3A6267442803}" type="datetimeFigureOut">
               <a:rPr lang="en-US" smtClean="0"/>
-              <a:t>7/29/2018</a:t>
+              <a:t>7/31/2018</a:t>
             </a:fld>
             <a:endParaRPr lang="en-US"/>
           </a:p>
@@ -650,7 +666,7 @@
           <a:p>
             <a:fld id="{0800E26F-1607-4B19-B33C-3A6267442803}" type="datetimeFigureOut">
               <a:rPr lang="en-US" smtClean="0"/>
-              <a:t>7/29/2018</a:t>
+              <a:t>7/31/2018</a:t>
             </a:fld>
             <a:endParaRPr lang="en-US"/>
           </a:p>
@@ -820,7 +836,7 @@
           <a:p>
             <a:fld id="{0800E26F-1607-4B19-B33C-3A6267442803}" type="datetimeFigureOut">
               <a:rPr lang="en-US" smtClean="0"/>
-              <a:t>7/29/2018</a:t>
+              <a:t>7/31/2018</a:t>
             </a:fld>
             <a:endParaRPr lang="en-US"/>
           </a:p>
@@ -1066,7 +1082,7 @@
           <a:p>
             <a:fld id="{0800E26F-1607-4B19-B33C-3A6267442803}" type="datetimeFigureOut">
               <a:rPr lang="en-US" smtClean="0"/>
-              <a:t>7/29/2018</a:t>
+              <a:t>7/31/2018</a:t>
             </a:fld>
             <a:endParaRPr lang="en-US"/>
           </a:p>
@@ -1298,7 +1314,7 @@
           <a:p>
             <a:fld id="{0800E26F-1607-4B19-B33C-3A6267442803}" type="datetimeFigureOut">
               <a:rPr lang="en-US" smtClean="0"/>
-              <a:t>7/29/2018</a:t>
+              <a:t>7/31/2018</a:t>
             </a:fld>
             <a:endParaRPr lang="en-US"/>
           </a:p>
@@ -1665,7 +1681,7 @@
           <a:p>
             <a:fld id="{0800E26F-1607-4B19-B33C-3A6267442803}" type="datetimeFigureOut">
               <a:rPr lang="en-US" smtClean="0"/>
-              <a:t>7/29/2018</a:t>
+              <a:t>7/31/2018</a:t>
             </a:fld>
             <a:endParaRPr lang="en-US"/>
           </a:p>
@@ -1783,7 +1799,7 @@
           <a:p>
             <a:fld id="{0800E26F-1607-4B19-B33C-3A6267442803}" type="datetimeFigureOut">
               <a:rPr lang="en-US" smtClean="0"/>
-              <a:t>7/29/2018</a:t>
+              <a:t>7/31/2018</a:t>
             </a:fld>
             <a:endParaRPr lang="en-US"/>
           </a:p>
@@ -1878,7 +1894,7 @@
           <a:p>
             <a:fld id="{0800E26F-1607-4B19-B33C-3A6267442803}" type="datetimeFigureOut">
               <a:rPr lang="en-US" smtClean="0"/>
-              <a:t>7/29/2018</a:t>
+              <a:t>7/31/2018</a:t>
             </a:fld>
             <a:endParaRPr lang="en-US"/>
           </a:p>
@@ -2155,7 +2171,7 @@
           <a:p>
             <a:fld id="{0800E26F-1607-4B19-B33C-3A6267442803}" type="datetimeFigureOut">
               <a:rPr lang="en-US" smtClean="0"/>
-              <a:t>7/29/2018</a:t>
+              <a:t>7/31/2018</a:t>
             </a:fld>
             <a:endParaRPr lang="en-US"/>
           </a:p>
@@ -2408,7 +2424,7 @@
           <a:p>
             <a:fld id="{0800E26F-1607-4B19-B33C-3A6267442803}" type="datetimeFigureOut">
               <a:rPr lang="en-US" smtClean="0"/>
-              <a:t>7/29/2018</a:t>
+              <a:t>7/31/2018</a:t>
             </a:fld>
             <a:endParaRPr lang="en-US"/>
           </a:p>
@@ -2637,7 +2653,7 @@
           <a:p>
             <a:fld id="{0800E26F-1607-4B19-B33C-3A6267442803}" type="datetimeFigureOut">
               <a:rPr lang="en-US" smtClean="0"/>
-              <a:t>7/29/2018</a:t>
+              <a:t>7/31/2018</a:t>
             </a:fld>
             <a:endParaRPr lang="en-US"/>
           </a:p>
@@ -3061,10 +3077,6 @@
               <a:rPr lang="en-US" dirty="0" smtClean="0"/>
               <a:t>Python Projects in </a:t>
             </a:r>
-            <a:r>
-              <a:rPr lang="en-US" dirty="0" smtClean="0"/>
-              <a:t/>
-            </a:r>
             <a:br>
               <a:rPr lang="en-US" dirty="0" smtClean="0"/>
             </a:br>
@@ -3283,15 +3295,7 @@
           <a:p>
             <a:r>
               <a:rPr lang="en-US" dirty="0" smtClean="0"/>
-              <a:t>Delete </a:t>
-            </a:r>
-            <a:r>
-              <a:rPr lang="en-US" dirty="0" smtClean="0"/>
-              <a:t>unnecessary </a:t>
-            </a:r>
-            <a:r>
-              <a:rPr lang="en-US" dirty="0" smtClean="0"/>
-              <a:t>row/column</a:t>
+              <a:t>Delete unnecessary row/column</a:t>
             </a:r>
           </a:p>
           <a:p>
@@ -3699,11 +3703,7 @@
           <a:bodyPr/>
           <a:lstStyle/>
           <a:p>
-            <a:r>
-              <a:rPr lang="en-US" dirty="0" smtClean="0"/>
-              <a:t>Data Visualization tools</a:t>
-            </a:r>
-            <a:endParaRPr lang="en-US" dirty="0"/>
+            <a:endParaRPr lang="en-US"/>
           </a:p>
         </p:txBody>
       </p:sp>
@@ -3720,61 +3720,726 @@
         <p:spPr/>
         <p:txBody>
           <a:bodyPr>
-            <a:normAutofit lnSpcReduction="10000"/>
+            <a:normAutofit fontScale="25000" lnSpcReduction="20000"/>
           </a:bodyPr>
           <a:lstStyle/>
           <a:p>
+            <a:pPr marL="0" indent="0">
+              <a:buNone/>
+            </a:pPr>
+            <a:r>
+              <a:rPr lang="en-US" dirty="0"/>
+              <a:t># https://github.com/tanmoyie/Applied-Statistics</a:t>
+            </a:r>
+          </a:p>
+          <a:p>
+            <a:pPr marL="0" indent="0">
+              <a:buNone/>
+            </a:pPr>
+            <a:endParaRPr lang="en-US" dirty="0"/>
+          </a:p>
+          <a:p>
+            <a:pPr marL="0" indent="0">
+              <a:buNone/>
+            </a:pPr>
+            <a:r>
+              <a:rPr lang="en-US" dirty="0"/>
+              <a:t>import </a:t>
+            </a:r>
+            <a:r>
+              <a:rPr lang="en-US" dirty="0" err="1"/>
+              <a:t>numpy</a:t>
+            </a:r>
+            <a:r>
+              <a:rPr lang="en-US" dirty="0"/>
+              <a:t> as </a:t>
+            </a:r>
+            <a:r>
+              <a:rPr lang="en-US" dirty="0" err="1"/>
+              <a:t>np</a:t>
+            </a:r>
+            <a:r>
+              <a:rPr lang="en-US" dirty="0"/>
+              <a:t> # linear algebra</a:t>
+            </a:r>
+          </a:p>
+          <a:p>
+            <a:pPr marL="0" indent="0">
+              <a:buNone/>
+            </a:pPr>
+            <a:r>
+              <a:rPr lang="en-US" dirty="0"/>
+              <a:t>import pandas as </a:t>
+            </a:r>
+            <a:r>
+              <a:rPr lang="en-US" dirty="0" err="1"/>
+              <a:t>pd</a:t>
+            </a:r>
+            <a:r>
+              <a:rPr lang="en-US" dirty="0"/>
+              <a:t> # data processing, CSV file I/O (e.g. </a:t>
+            </a:r>
+            <a:r>
+              <a:rPr lang="en-US" dirty="0" err="1"/>
+              <a:t>pd.read_csv</a:t>
+            </a:r>
+            <a:r>
+              <a:rPr lang="en-US" dirty="0"/>
+              <a:t>)</a:t>
+            </a:r>
+          </a:p>
+          <a:p>
+            <a:pPr marL="0" indent="0">
+              <a:buNone/>
+            </a:pPr>
+            <a:r>
+              <a:rPr lang="en-US" dirty="0"/>
+              <a:t># Input data files are available in the "../input/" directory.</a:t>
+            </a:r>
+          </a:p>
+          <a:p>
+            <a:pPr marL="0" indent="0">
+              <a:buNone/>
+            </a:pPr>
+            <a:r>
+              <a:rPr lang="en-US" dirty="0"/>
+              <a:t># For example, running this (by clicking run or pressing </a:t>
+            </a:r>
+            <a:r>
+              <a:rPr lang="en-US" dirty="0" err="1"/>
+              <a:t>Shift+Enter</a:t>
+            </a:r>
+            <a:r>
+              <a:rPr lang="en-US" dirty="0"/>
+              <a:t>) will list the files in the input directory</a:t>
+            </a:r>
+          </a:p>
+          <a:p>
+            <a:pPr marL="0" indent="0">
+              <a:buNone/>
+            </a:pPr>
+            <a:r>
+              <a:rPr lang="en-US" dirty="0"/>
+              <a:t>import </a:t>
+            </a:r>
+            <a:r>
+              <a:rPr lang="en-US" dirty="0" err="1"/>
+              <a:t>os</a:t>
+            </a:r>
+            <a:endParaRPr lang="en-US" dirty="0"/>
+          </a:p>
+          <a:p>
+            <a:pPr marL="0" indent="0">
+              <a:buNone/>
+            </a:pPr>
+            <a:r>
+              <a:rPr lang="en-US" dirty="0"/>
+              <a:t>print(</a:t>
+            </a:r>
+            <a:r>
+              <a:rPr lang="en-US" dirty="0" err="1"/>
+              <a:t>os.listdir</a:t>
+            </a:r>
+            <a:r>
+              <a:rPr lang="en-US" dirty="0"/>
+              <a:t>("../input"))</a:t>
+            </a:r>
+          </a:p>
+          <a:p>
+            <a:pPr marL="0" indent="0">
+              <a:buNone/>
+            </a:pPr>
+            <a:r>
+              <a:rPr lang="en-US" dirty="0"/>
+              <a:t># </a:t>
+            </a:r>
+            <a:r>
+              <a:rPr lang="en-US" dirty="0" err="1"/>
+              <a:t>ploting</a:t>
+            </a:r>
+            <a:r>
+              <a:rPr lang="en-US" dirty="0"/>
+              <a:t> related libraries</a:t>
+            </a:r>
+          </a:p>
+          <a:p>
+            <a:pPr marL="0" indent="0">
+              <a:buNone/>
+            </a:pPr>
+            <a:r>
+              <a:rPr lang="en-US" dirty="0"/>
+              <a:t>import </a:t>
+            </a:r>
+            <a:r>
+              <a:rPr lang="en-US" dirty="0" err="1"/>
+              <a:t>matplotlib.pyplot</a:t>
+            </a:r>
+            <a:r>
+              <a:rPr lang="en-US" dirty="0"/>
+              <a:t> as </a:t>
+            </a:r>
+            <a:r>
+              <a:rPr lang="en-US" dirty="0" err="1"/>
+              <a:t>plt</a:t>
+            </a:r>
+            <a:endParaRPr lang="en-US" dirty="0"/>
+          </a:p>
+          <a:p>
+            <a:pPr marL="0" indent="0">
+              <a:buNone/>
+            </a:pPr>
+            <a:r>
+              <a:rPr lang="en-US" dirty="0"/>
+              <a:t>import </a:t>
+            </a:r>
+            <a:r>
+              <a:rPr lang="en-US" dirty="0" err="1"/>
+              <a:t>plotly.plotly</a:t>
+            </a:r>
+            <a:r>
+              <a:rPr lang="en-US" dirty="0"/>
+              <a:t> as </a:t>
+            </a:r>
+            <a:r>
+              <a:rPr lang="en-US" dirty="0" err="1"/>
+              <a:t>plty</a:t>
+            </a:r>
+            <a:endParaRPr lang="en-US" dirty="0"/>
+          </a:p>
+          <a:p>
+            <a:pPr marL="0" indent="0">
+              <a:buNone/>
+            </a:pPr>
+            <a:r>
+              <a:rPr lang="en-US" dirty="0"/>
+              <a:t>import </a:t>
+            </a:r>
+            <a:r>
+              <a:rPr lang="en-US" dirty="0" err="1"/>
+              <a:t>plotly.graph_objs</a:t>
+            </a:r>
+            <a:r>
+              <a:rPr lang="en-US" dirty="0"/>
+              <a:t> as go</a:t>
+            </a:r>
+          </a:p>
+          <a:p>
+            <a:pPr marL="0" indent="0">
+              <a:buNone/>
+            </a:pPr>
+            <a:r>
+              <a:rPr lang="en-US" dirty="0"/>
+              <a:t>#modeling</a:t>
+            </a:r>
+          </a:p>
+          <a:p>
+            <a:pPr marL="0" indent="0">
+              <a:buNone/>
+            </a:pPr>
+            <a:r>
+              <a:rPr lang="en-US" dirty="0"/>
+              <a:t>from </a:t>
+            </a:r>
+            <a:r>
+              <a:rPr lang="en-US" dirty="0" err="1"/>
+              <a:t>sklearn</a:t>
+            </a:r>
+            <a:r>
+              <a:rPr lang="en-US" dirty="0"/>
+              <a:t> import datasets, </a:t>
+            </a:r>
+            <a:r>
+              <a:rPr lang="en-US" dirty="0" err="1" smtClean="0"/>
+              <a:t>linear_model</a:t>
+            </a:r>
+            <a:endParaRPr lang="en-US" dirty="0" smtClean="0"/>
+          </a:p>
+          <a:p>
+            <a:pPr marL="0" indent="0">
+              <a:buNone/>
+            </a:pPr>
+            <a:r>
+              <a:rPr lang="en-US" dirty="0"/>
+              <a:t># load the EXCEL file &amp; read the data </a:t>
+            </a:r>
+          </a:p>
+          <a:p>
+            <a:pPr marL="0" indent="0">
+              <a:buNone/>
+            </a:pPr>
+            <a:r>
+              <a:rPr lang="en-US" dirty="0"/>
+              <a:t>dataframe1 = </a:t>
+            </a:r>
+            <a:r>
+              <a:rPr lang="en-US" dirty="0" err="1"/>
+              <a:t>pd.read_csv</a:t>
+            </a:r>
+            <a:r>
+              <a:rPr lang="en-US" dirty="0"/>
+              <a:t>("../input/Grading of the students in the exam (OR).</a:t>
+            </a:r>
+            <a:r>
+              <a:rPr lang="en-US" dirty="0" err="1"/>
+              <a:t>csv</a:t>
+            </a:r>
+            <a:r>
+              <a:rPr lang="en-US" dirty="0"/>
+              <a:t>")</a:t>
+            </a:r>
+          </a:p>
+          <a:p>
+            <a:pPr marL="0" indent="0">
+              <a:buNone/>
+            </a:pPr>
+            <a:r>
+              <a:rPr lang="en-US" dirty="0"/>
+              <a:t>print(dataframe1)</a:t>
+            </a:r>
+          </a:p>
+          <a:p>
+            <a:pPr marL="0" indent="0">
+              <a:buNone/>
+            </a:pPr>
+            <a:r>
+              <a:rPr lang="en-US" dirty="0"/>
+              <a:t>print(dataframe1.dtypes)</a:t>
+            </a:r>
+          </a:p>
+          <a:p>
+            <a:pPr marL="0" indent="0">
+              <a:buNone/>
+            </a:pPr>
+            <a:r>
+              <a:rPr lang="en-US" dirty="0" err="1"/>
+              <a:t>input_data</a:t>
+            </a:r>
+            <a:r>
+              <a:rPr lang="en-US" dirty="0"/>
+              <a:t> = dataframe1.values</a:t>
+            </a:r>
+          </a:p>
+          <a:p>
+            <a:pPr marL="0" indent="0">
+              <a:buNone/>
+            </a:pPr>
+            <a:r>
+              <a:rPr lang="en-US" dirty="0" err="1"/>
+              <a:t>input_data_asMatrix</a:t>
+            </a:r>
+            <a:r>
+              <a:rPr lang="en-US" dirty="0"/>
+              <a:t> = dataframe1.as_matrix()</a:t>
+            </a:r>
+          </a:p>
+          <a:p>
+            <a:pPr marL="0" indent="0">
+              <a:buNone/>
+            </a:pPr>
+            <a:r>
+              <a:rPr lang="en-US" dirty="0"/>
+              <a:t># Examine the properties of the dataset</a:t>
+            </a:r>
+          </a:p>
+          <a:p>
+            <a:pPr marL="0" indent="0">
+              <a:buNone/>
+            </a:pPr>
+            <a:r>
+              <a:rPr lang="en-US" dirty="0"/>
+              <a:t># print the statistics</a:t>
+            </a:r>
+          </a:p>
+          <a:p>
+            <a:pPr marL="0" indent="0">
+              <a:buNone/>
+            </a:pPr>
+            <a:r>
+              <a:rPr lang="en-US" dirty="0"/>
+              <a:t>print(dataframe1['Final Mark'].describe</a:t>
+            </a:r>
             <a:r>
               <a:rPr lang="en-US" dirty="0" smtClean="0"/>
-              <a:t>Scatter Plot</a:t>
-            </a:r>
-          </a:p>
-          <a:p>
+              <a:t>())</a:t>
+            </a:r>
+          </a:p>
+          <a:p>
+            <a:pPr marL="0" indent="0">
+              <a:buNone/>
+            </a:pPr>
+            <a:r>
+              <a:rPr lang="en-US" dirty="0"/>
+              <a:t># Replacing </a:t>
+            </a:r>
+            <a:r>
+              <a:rPr lang="en-US" dirty="0" err="1"/>
+              <a:t>NaN</a:t>
+            </a:r>
+            <a:r>
+              <a:rPr lang="en-US" dirty="0"/>
+              <a:t> values</a:t>
+            </a:r>
+          </a:p>
+          <a:p>
+            <a:pPr marL="0" indent="0">
+              <a:buNone/>
+            </a:pPr>
+            <a:r>
+              <a:rPr lang="en-US" dirty="0" err="1"/>
+              <a:t>input_adding_roll</a:t>
+            </a:r>
+            <a:r>
+              <a:rPr lang="en-US" dirty="0"/>
+              <a:t> = dataframe1.iloc[3,10]</a:t>
+            </a:r>
+          </a:p>
+          <a:p>
+            <a:pPr marL="0" indent="0">
+              <a:buNone/>
+            </a:pPr>
+            <a:r>
+              <a:rPr lang="en-US" dirty="0"/>
+              <a:t>print(</a:t>
+            </a:r>
+            <a:r>
+              <a:rPr lang="en-US" dirty="0" err="1"/>
+              <a:t>input_adding_roll</a:t>
+            </a:r>
+            <a:r>
+              <a:rPr lang="en-US" dirty="0"/>
+              <a:t>)</a:t>
+            </a:r>
+          </a:p>
+          <a:p>
+            <a:pPr marL="0" indent="0">
+              <a:buNone/>
+            </a:pPr>
+            <a:r>
+              <a:rPr lang="en-US" dirty="0"/>
+              <a:t>dataframe1.iloc[3,10] = 15</a:t>
+            </a:r>
+          </a:p>
+          <a:p>
+            <a:pPr marL="0" indent="0">
+              <a:buNone/>
+            </a:pPr>
+            <a:r>
+              <a:rPr lang="en-US" dirty="0"/>
+              <a:t>print(dataframe1.values</a:t>
+            </a:r>
             <a:r>
               <a:rPr lang="en-US" dirty="0" smtClean="0"/>
-              <a:t>Box Plot</a:t>
-            </a:r>
-          </a:p>
-          <a:p>
+              <a:t>)</a:t>
+            </a:r>
+          </a:p>
+          <a:p>
+            <a:pPr marL="0" indent="0">
+              <a:buNone/>
+            </a:pPr>
+            <a:r>
+              <a:rPr lang="en-US" dirty="0"/>
+              <a:t># Develop a Scatter plot of Attendance </a:t>
+            </a:r>
+            <a:r>
+              <a:rPr lang="en-US" dirty="0" err="1"/>
+              <a:t>vs</a:t>
+            </a:r>
+            <a:r>
+              <a:rPr lang="en-US" dirty="0"/>
+              <a:t> the mark of final exam</a:t>
+            </a:r>
+          </a:p>
+          <a:p>
+            <a:pPr marL="0" indent="0">
+              <a:buNone/>
+            </a:pPr>
+            <a:r>
+              <a:rPr lang="en-US" dirty="0"/>
+              <a:t>print("-------------Draw a Scatter Plot: Attendance </a:t>
+            </a:r>
+            <a:r>
+              <a:rPr lang="en-US" dirty="0" err="1"/>
+              <a:t>vs</a:t>
+            </a:r>
+            <a:r>
+              <a:rPr lang="en-US" dirty="0"/>
+              <a:t> Total Mark -----------")</a:t>
+            </a:r>
+          </a:p>
+          <a:p>
+            <a:pPr marL="0" indent="0">
+              <a:buNone/>
+            </a:pPr>
+            <a:r>
+              <a:rPr lang="en-US" dirty="0"/>
+              <a:t>x = </a:t>
+            </a:r>
+            <a:r>
+              <a:rPr lang="en-US" dirty="0" err="1"/>
+              <a:t>input_data</a:t>
+            </a:r>
+            <a:r>
+              <a:rPr lang="en-US" dirty="0"/>
+              <a:t>[:,7] # independent variable</a:t>
+            </a:r>
+          </a:p>
+          <a:p>
+            <a:pPr marL="0" indent="0">
+              <a:buNone/>
+            </a:pPr>
+            <a:r>
+              <a:rPr lang="en-US" dirty="0"/>
+              <a:t>y = </a:t>
+            </a:r>
+            <a:r>
+              <a:rPr lang="en-US" dirty="0" err="1"/>
+              <a:t>input_data</a:t>
+            </a:r>
+            <a:r>
+              <a:rPr lang="en-US" dirty="0"/>
+              <a:t>[:,12] # dependent variable</a:t>
+            </a:r>
+          </a:p>
+          <a:p>
+            <a:pPr marL="0" indent="0">
+              <a:buNone/>
+            </a:pPr>
+            <a:r>
+              <a:rPr lang="en-US" dirty="0" err="1"/>
+              <a:t>plt.scatter</a:t>
+            </a:r>
+            <a:r>
+              <a:rPr lang="en-US" dirty="0"/>
+              <a:t>(</a:t>
+            </a:r>
+            <a:r>
+              <a:rPr lang="en-US" dirty="0" err="1"/>
+              <a:t>x,y</a:t>
+            </a:r>
+            <a:r>
+              <a:rPr lang="en-US" dirty="0"/>
+              <a:t>) # Scatter plot for Attendance </a:t>
+            </a:r>
+            <a:r>
+              <a:rPr lang="en-US" dirty="0" err="1"/>
+              <a:t>vs</a:t>
+            </a:r>
+            <a:r>
+              <a:rPr lang="en-US" dirty="0"/>
+              <a:t> Final exam mark</a:t>
+            </a:r>
+          </a:p>
+          <a:p>
+            <a:pPr marL="0" indent="0">
+              <a:buNone/>
+            </a:pPr>
+            <a:r>
+              <a:rPr lang="en-US" dirty="0" err="1"/>
+              <a:t>plt.show</a:t>
+            </a:r>
+            <a:r>
+              <a:rPr lang="en-US" dirty="0"/>
+              <a:t>() </a:t>
+            </a:r>
+          </a:p>
+          <a:p>
+            <a:pPr marL="0" indent="0">
+              <a:buNone/>
+            </a:pPr>
+            <a:r>
+              <a:rPr lang="en-US" dirty="0"/>
+              <a:t># Develop a Scatter plot of class test </a:t>
+            </a:r>
+            <a:r>
+              <a:rPr lang="en-US" dirty="0" err="1"/>
+              <a:t>vs</a:t>
+            </a:r>
+            <a:r>
+              <a:rPr lang="en-US" dirty="0"/>
+              <a:t> the mark of final exam</a:t>
+            </a:r>
+          </a:p>
+          <a:p>
+            <a:pPr marL="0" indent="0">
+              <a:buNone/>
+            </a:pPr>
+            <a:r>
+              <a:rPr lang="en-US" dirty="0"/>
+              <a:t>print("-------------Draw a Scatter Plot: Class Test </a:t>
+            </a:r>
+            <a:r>
+              <a:rPr lang="en-US" dirty="0" err="1"/>
+              <a:t>vs</a:t>
+            </a:r>
+            <a:r>
+              <a:rPr lang="en-US" dirty="0"/>
+              <a:t> Total Mark -----------")</a:t>
+            </a:r>
+          </a:p>
+          <a:p>
+            <a:pPr marL="0" indent="0">
+              <a:buNone/>
+            </a:pPr>
+            <a:r>
+              <a:rPr lang="en-US" dirty="0"/>
+              <a:t>#</a:t>
+            </a:r>
+            <a:r>
+              <a:rPr lang="en-US" dirty="0" err="1"/>
+              <a:t>y_final_exam_sum</a:t>
+            </a:r>
+            <a:r>
+              <a:rPr lang="en-US" dirty="0"/>
+              <a:t> = </a:t>
+            </a:r>
+            <a:r>
+              <a:rPr lang="en-US" dirty="0" err="1"/>
+              <a:t>input_data</a:t>
+            </a:r>
+            <a:r>
+              <a:rPr lang="en-US" dirty="0"/>
+              <a:t>['']+</a:t>
+            </a:r>
+            <a:r>
+              <a:rPr lang="en-US" dirty="0" err="1"/>
+              <a:t>input_data</a:t>
+            </a:r>
+            <a:r>
+              <a:rPr lang="en-US" dirty="0"/>
+              <a:t>[:,11]</a:t>
+            </a:r>
+          </a:p>
+          <a:p>
+            <a:pPr marL="0" indent="0">
+              <a:buNone/>
+            </a:pPr>
+            <a:r>
+              <a:rPr lang="en-US" dirty="0" err="1"/>
+              <a:t>x_ct</a:t>
+            </a:r>
+            <a:r>
+              <a:rPr lang="en-US" dirty="0"/>
+              <a:t> = </a:t>
+            </a:r>
+            <a:r>
+              <a:rPr lang="en-US" dirty="0" err="1"/>
+              <a:t>input_data</a:t>
+            </a:r>
+            <a:r>
+              <a:rPr lang="en-US" dirty="0"/>
+              <a:t>[:,6] # independent variable</a:t>
+            </a:r>
+          </a:p>
+          <a:p>
+            <a:pPr marL="0" indent="0">
+              <a:buNone/>
+            </a:pPr>
+            <a:r>
+              <a:rPr lang="en-US" dirty="0" err="1"/>
+              <a:t>y_final_exam</a:t>
+            </a:r>
+            <a:r>
+              <a:rPr lang="en-US" dirty="0"/>
+              <a:t> = </a:t>
+            </a:r>
+            <a:r>
+              <a:rPr lang="en-US" dirty="0" err="1"/>
+              <a:t>input_data</a:t>
+            </a:r>
+            <a:r>
+              <a:rPr lang="en-US" dirty="0"/>
+              <a:t>[:,12] # dependent variable</a:t>
+            </a:r>
+          </a:p>
+          <a:p>
+            <a:pPr marL="0" indent="0">
+              <a:buNone/>
+            </a:pPr>
+            <a:r>
+              <a:rPr lang="en-US" dirty="0" err="1"/>
+              <a:t>plt.scatter</a:t>
+            </a:r>
+            <a:r>
+              <a:rPr lang="en-US" dirty="0"/>
+              <a:t>(</a:t>
+            </a:r>
+            <a:r>
+              <a:rPr lang="en-US" dirty="0" err="1"/>
+              <a:t>x_ct</a:t>
+            </a:r>
+            <a:r>
+              <a:rPr lang="en-US" dirty="0"/>
+              <a:t>, </a:t>
+            </a:r>
+            <a:r>
+              <a:rPr lang="en-US" dirty="0" err="1"/>
+              <a:t>y_final_exam</a:t>
+            </a:r>
+            <a:r>
+              <a:rPr lang="en-US" dirty="0"/>
+              <a:t>) # Scatter plot for Attendance </a:t>
+            </a:r>
+            <a:r>
+              <a:rPr lang="en-US" dirty="0" err="1"/>
+              <a:t>vs</a:t>
+            </a:r>
+            <a:r>
+              <a:rPr lang="en-US" dirty="0"/>
+              <a:t> Final exam mark</a:t>
+            </a:r>
+          </a:p>
+          <a:p>
+            <a:pPr marL="0" indent="0">
+              <a:buNone/>
+            </a:pPr>
+            <a:r>
+              <a:rPr lang="en-US" dirty="0" err="1"/>
+              <a:t>plt.show</a:t>
+            </a:r>
+            <a:r>
+              <a:rPr lang="en-US" dirty="0"/>
+              <a:t>() </a:t>
+            </a:r>
+            <a:endParaRPr lang="en-US" dirty="0" smtClean="0"/>
+          </a:p>
+          <a:p>
+            <a:pPr marL="0" indent="0">
+              <a:buNone/>
+            </a:pPr>
+            <a:r>
+              <a:rPr lang="en-US" dirty="0"/>
+              <a:t># basic plot</a:t>
+            </a:r>
+          </a:p>
+          <a:p>
+            <a:pPr marL="0" indent="0">
+              <a:buNone/>
+            </a:pPr>
+            <a:r>
+              <a:rPr lang="en-US" dirty="0"/>
+              <a:t>dataframe1.boxplot</a:t>
+            </a:r>
             <a:r>
               <a:rPr lang="en-US" dirty="0" smtClean="0"/>
-              <a:t>Time series analysis</a:t>
-            </a:r>
-          </a:p>
-          <a:p>
-            <a:r>
-              <a:rPr lang="en-US" dirty="0" smtClean="0"/>
-              <a:t>Bar graph</a:t>
-            </a:r>
-          </a:p>
-          <a:p>
-            <a:r>
-              <a:rPr lang="en-US" dirty="0" smtClean="0"/>
-              <a:t>Histogram</a:t>
-            </a:r>
-          </a:p>
-          <a:p>
-            <a:r>
-              <a:rPr lang="en-US" dirty="0" smtClean="0"/>
-              <a:t>Pie chart</a:t>
-            </a:r>
-          </a:p>
-          <a:p>
-            <a:r>
-              <a:rPr lang="en-US" dirty="0" smtClean="0"/>
-              <a:t>Line graph</a:t>
-            </a:r>
-          </a:p>
-          <a:p>
-            <a:r>
-              <a:rPr lang="en-US" dirty="0" smtClean="0"/>
-              <a:t>Dot plot</a:t>
-            </a:r>
-          </a:p>
-          <a:p>
-            <a:r>
-              <a:rPr lang="en-US" dirty="0" smtClean="0"/>
-              <a:t>Stem &amp; Leaf</a:t>
+              <a:t>()</a:t>
+            </a:r>
+          </a:p>
+          <a:p>
+            <a:pPr marL="0" indent="0">
+              <a:buNone/>
+            </a:pPr>
+            <a:r>
+              <a:rPr lang="en-US" dirty="0"/>
+              <a:t># https://pandas.pydata.org/pandas-docs/version/0.23/generated/pandas.DataFrame.hist.html</a:t>
+            </a:r>
+          </a:p>
+          <a:p>
+            <a:pPr marL="0" indent="0">
+              <a:buNone/>
+            </a:pPr>
+            <a:r>
+              <a:rPr lang="en-US" dirty="0"/>
+              <a:t>dataframe1.hist()</a:t>
             </a:r>
           </a:p>
         </p:txBody>
@@ -3782,7 +4447,7 @@
     </p:spTree>
     <p:extLst>
       <p:ext uri="{BB962C8B-B14F-4D97-AF65-F5344CB8AC3E}">
-        <p14:creationId xmlns:p14="http://schemas.microsoft.com/office/powerpoint/2010/main" val="2095210750"/>
+        <p14:creationId xmlns:p14="http://schemas.microsoft.com/office/powerpoint/2010/main" val="613071176"/>
       </p:ext>
     </p:extLst>
   </p:cSld>
@@ -3826,7 +4491,7 @@
           <a:p>
             <a:r>
               <a:rPr lang="en-US" dirty="0" smtClean="0"/>
-              <a:t>Scatter plot</a:t>
+              <a:t>EDA – Python code Explanation</a:t>
             </a:r>
             <a:endParaRPr lang="en-US" dirty="0"/>
           </a:p>
@@ -3834,12 +4499,12 @@
       </p:sp>
       <p:sp>
         <p:nvSpPr>
-          <p:cNvPr id="3" name="Content Placeholder 2"/>
-          <p:cNvSpPr>
-            <a:spLocks noGrp="1"/>
-          </p:cNvSpPr>
-          <p:nvPr>
-            <p:ph idx="1"/>
+          <p:cNvPr id="4" name="Text Placeholder 3"/>
+          <p:cNvSpPr>
+            <a:spLocks noGrp="1"/>
+          </p:cNvSpPr>
+          <p:nvPr>
+            <p:ph type="body" idx="1"/>
           </p:nvPr>
         </p:nvSpPr>
         <p:spPr/>
@@ -3847,35 +4512,27 @@
           <a:bodyPr/>
           <a:lstStyle/>
           <a:p>
-            <a:r>
-              <a:rPr lang="en-US" dirty="0" smtClean="0"/>
-              <a:t>When we need to find the relationship between two variables, we may draw scatter plot</a:t>
-            </a:r>
-          </a:p>
-          <a:p>
-            <a:r>
-              <a:rPr lang="en-US" dirty="0" smtClean="0"/>
-              <a:t>Finding whether the variables are correlated (positive, negative or no correlation)</a:t>
-            </a:r>
-          </a:p>
-          <a:p>
-            <a:pPr marL="0" indent="0">
-              <a:buNone/>
-            </a:pPr>
-            <a:endParaRPr lang="en-US" dirty="0"/>
+            <a:endParaRPr lang="en-US"/>
           </a:p>
         </p:txBody>
       </p:sp>
     </p:spTree>
     <p:extLst>
       <p:ext uri="{BB962C8B-B14F-4D97-AF65-F5344CB8AC3E}">
-        <p14:creationId xmlns:p14="http://schemas.microsoft.com/office/powerpoint/2010/main" val="3863708423"/>
+        <p14:creationId xmlns:p14="http://schemas.microsoft.com/office/powerpoint/2010/main" val="4108552595"/>
       </p:ext>
     </p:extLst>
   </p:cSld>
   <p:clrMapOvr>
     <a:masterClrMapping/>
   </p:clrMapOvr>
+  <p:timing>
+    <p:tnLst>
+      <p:par>
+        <p:cTn id="1" dur="indefinite" restart="never" nodeType="tmRoot"/>
+      </p:par>
+    </p:tnLst>
+  </p:timing>
 </p:sld>
 </file>
 
@@ -3898,71 +4555,865 @@
       </p:grpSpPr>
       <p:sp>
         <p:nvSpPr>
-          <p:cNvPr id="2" name="Title 1"/>
-          <p:cNvSpPr>
-            <a:spLocks noGrp="1"/>
-          </p:cNvSpPr>
-          <p:nvPr>
-            <p:ph type="title"/>
-          </p:nvPr>
-        </p:nvSpPr>
-        <p:spPr/>
-        <p:txBody>
-          <a:bodyPr/>
+          <p:cNvPr id="3" name="Content Placeholder 2"/>
+          <p:cNvSpPr>
+            <a:spLocks noGrp="1"/>
+          </p:cNvSpPr>
+          <p:nvPr>
+            <p:ph sz="half" idx="1"/>
+          </p:nvPr>
+        </p:nvSpPr>
+        <p:spPr>
+          <a:xfrm>
+            <a:off x="838199" y="394138"/>
+            <a:ext cx="6240518" cy="5927833"/>
+          </a:xfrm>
+          <a:solidFill>
+            <a:schemeClr val="accent3">
+              <a:lumMod val="20000"/>
+              <a:lumOff val="80000"/>
+            </a:schemeClr>
+          </a:solidFill>
+        </p:spPr>
+        <p:style>
+          <a:lnRef idx="2">
+            <a:schemeClr val="accent4"/>
+          </a:lnRef>
+          <a:fillRef idx="1">
+            <a:schemeClr val="lt1"/>
+          </a:fillRef>
+          <a:effectRef idx="0">
+            <a:schemeClr val="accent4"/>
+          </a:effectRef>
+          <a:fontRef idx="minor">
+            <a:schemeClr val="dk1"/>
+          </a:fontRef>
+        </p:style>
+        <p:txBody>
+          <a:bodyPr>
+            <a:noAutofit/>
+          </a:bodyPr>
           <a:lstStyle/>
           <a:p>
+            <a:pPr marL="0" indent="0">
+              <a:buNone/>
+            </a:pPr>
             <a:r>
               <a:rPr lang="en-US" dirty="0" smtClean="0"/>
-              <a:t>Histogram</a:t>
-            </a:r>
-            <a:endParaRPr lang="en-US" dirty="0"/>
-          </a:p>
-        </p:txBody>
-      </p:sp>
-      <p:sp>
-        <p:nvSpPr>
-          <p:cNvPr id="3" name="Content Placeholder 2"/>
-          <p:cNvSpPr>
-            <a:spLocks noGrp="1"/>
-          </p:cNvSpPr>
-          <p:nvPr>
-            <p:ph idx="1"/>
-          </p:nvPr>
-        </p:nvSpPr>
-        <p:spPr/>
-        <p:txBody>
-          <a:bodyPr/>
+              <a:t># </a:t>
+            </a:r>
+            <a:r>
+              <a:rPr lang="en-US" dirty="0"/>
+              <a:t>https://github.com/tanmoyie/Applied-Statistics</a:t>
+            </a:r>
+          </a:p>
+          <a:p>
+            <a:pPr marL="0" indent="0">
+              <a:buNone/>
+            </a:pPr>
+            <a:r>
+              <a:rPr lang="en-US" b="1" u="sng" dirty="0" smtClean="0"/>
+              <a:t># import the libraries</a:t>
+            </a:r>
+          </a:p>
+          <a:p>
+            <a:pPr marL="0" indent="0">
+              <a:buNone/>
+            </a:pPr>
+            <a:r>
+              <a:rPr lang="en-US" i="1" dirty="0" smtClean="0">
+                <a:solidFill>
+                  <a:srgbClr val="FF0000"/>
+                </a:solidFill>
+              </a:rPr>
+              <a:t>import </a:t>
+            </a:r>
+            <a:r>
+              <a:rPr lang="en-US" i="1" dirty="0" err="1">
+                <a:solidFill>
+                  <a:srgbClr val="FF0000"/>
+                </a:solidFill>
+              </a:rPr>
+              <a:t>numpy</a:t>
+            </a:r>
+            <a:r>
+              <a:rPr lang="en-US" i="1" dirty="0">
+                <a:solidFill>
+                  <a:srgbClr val="FF0000"/>
+                </a:solidFill>
+              </a:rPr>
+              <a:t> as </a:t>
+            </a:r>
+            <a:r>
+              <a:rPr lang="en-US" i="1" dirty="0" err="1">
+                <a:solidFill>
+                  <a:srgbClr val="FF0000"/>
+                </a:solidFill>
+              </a:rPr>
+              <a:t>np</a:t>
+            </a:r>
+            <a:r>
+              <a:rPr lang="en-US" i="1" dirty="0">
+                <a:solidFill>
+                  <a:srgbClr val="FF0000"/>
+                </a:solidFill>
+              </a:rPr>
+              <a:t> </a:t>
+            </a:r>
+            <a:r>
+              <a:rPr lang="en-US" dirty="0"/>
+              <a:t># linear algebra</a:t>
+            </a:r>
+          </a:p>
+          <a:p>
+            <a:pPr marL="0" indent="0">
+              <a:buNone/>
+            </a:pPr>
+            <a:r>
+              <a:rPr lang="en-US" i="1" dirty="0">
+                <a:solidFill>
+                  <a:srgbClr val="FF0000"/>
+                </a:solidFill>
+              </a:rPr>
+              <a:t>import pandas as </a:t>
+            </a:r>
+            <a:r>
+              <a:rPr lang="en-US" i="1" dirty="0" err="1">
+                <a:solidFill>
+                  <a:srgbClr val="FF0000"/>
+                </a:solidFill>
+              </a:rPr>
+              <a:t>pd</a:t>
+            </a:r>
+            <a:r>
+              <a:rPr lang="en-US" i="1" dirty="0">
+                <a:solidFill>
+                  <a:srgbClr val="FF0000"/>
+                </a:solidFill>
+              </a:rPr>
+              <a:t> </a:t>
+            </a:r>
+            <a:r>
+              <a:rPr lang="en-US" dirty="0"/>
+              <a:t># data processing, CSV file I/O (e.g. </a:t>
+            </a:r>
+            <a:r>
+              <a:rPr lang="en-US" dirty="0" err="1"/>
+              <a:t>pd.read_csv</a:t>
+            </a:r>
+            <a:r>
+              <a:rPr lang="en-US" dirty="0"/>
+              <a:t>)</a:t>
+            </a:r>
+          </a:p>
+          <a:p>
+            <a:pPr marL="0" indent="0">
+              <a:buNone/>
+            </a:pPr>
+            <a:r>
+              <a:rPr lang="en-US" i="1" dirty="0" smtClean="0">
+                <a:solidFill>
+                  <a:srgbClr val="FF0000"/>
+                </a:solidFill>
+              </a:rPr>
+              <a:t>import </a:t>
+            </a:r>
+            <a:r>
+              <a:rPr lang="en-US" i="1" dirty="0" err="1">
+                <a:solidFill>
+                  <a:srgbClr val="FF0000"/>
+                </a:solidFill>
+              </a:rPr>
+              <a:t>os</a:t>
+            </a:r>
+            <a:endParaRPr lang="en-US" i="1" dirty="0">
+              <a:solidFill>
+                <a:srgbClr val="FF0000"/>
+              </a:solidFill>
+            </a:endParaRPr>
+          </a:p>
+          <a:p>
+            <a:pPr marL="0" indent="0">
+              <a:buNone/>
+            </a:pPr>
+            <a:r>
+              <a:rPr lang="en-US" i="1" dirty="0">
+                <a:solidFill>
+                  <a:srgbClr val="FF0000"/>
+                </a:solidFill>
+              </a:rPr>
+              <a:t>print(</a:t>
+            </a:r>
+            <a:r>
+              <a:rPr lang="en-US" i="1" dirty="0" err="1">
+                <a:solidFill>
+                  <a:srgbClr val="FF0000"/>
+                </a:solidFill>
+              </a:rPr>
+              <a:t>os.listdir</a:t>
+            </a:r>
+            <a:r>
+              <a:rPr lang="en-US" i="1" dirty="0">
+                <a:solidFill>
+                  <a:srgbClr val="FF0000"/>
+                </a:solidFill>
+              </a:rPr>
+              <a:t>("../input"))</a:t>
+            </a:r>
+          </a:p>
+          <a:p>
+            <a:pPr marL="0" indent="0">
+              <a:buNone/>
+            </a:pPr>
+            <a:r>
+              <a:rPr lang="en-US" dirty="0"/>
+              <a:t># </a:t>
+            </a:r>
+            <a:r>
+              <a:rPr lang="en-US" dirty="0" err="1"/>
+              <a:t>ploting</a:t>
+            </a:r>
+            <a:r>
+              <a:rPr lang="en-US" dirty="0"/>
+              <a:t> related libraries</a:t>
+            </a:r>
+          </a:p>
+          <a:p>
+            <a:pPr marL="0" indent="0">
+              <a:buNone/>
+            </a:pPr>
+            <a:r>
+              <a:rPr lang="en-US" i="1" dirty="0">
+                <a:solidFill>
+                  <a:srgbClr val="FF0000"/>
+                </a:solidFill>
+              </a:rPr>
+              <a:t>import </a:t>
+            </a:r>
+            <a:r>
+              <a:rPr lang="en-US" i="1" dirty="0" err="1">
+                <a:solidFill>
+                  <a:srgbClr val="FF0000"/>
+                </a:solidFill>
+              </a:rPr>
+              <a:t>matplotlib.pyplot</a:t>
+            </a:r>
+            <a:r>
+              <a:rPr lang="en-US" i="1" dirty="0">
+                <a:solidFill>
+                  <a:srgbClr val="FF0000"/>
+                </a:solidFill>
+              </a:rPr>
+              <a:t> as </a:t>
+            </a:r>
+            <a:r>
+              <a:rPr lang="en-US" i="1" dirty="0" err="1" smtClean="0">
+                <a:solidFill>
+                  <a:srgbClr val="FF0000"/>
+                </a:solidFill>
+              </a:rPr>
+              <a:t>plt</a:t>
+            </a:r>
+            <a:endParaRPr lang="en-US" i="1" dirty="0" smtClean="0">
+              <a:solidFill>
+                <a:srgbClr val="FF0000"/>
+              </a:solidFill>
+            </a:endParaRPr>
+          </a:p>
+        </p:txBody>
+      </p:sp>
+      <p:sp>
+        <p:nvSpPr>
+          <p:cNvPr id="7" name="Content Placeholder 6"/>
+          <p:cNvSpPr>
+            <a:spLocks noGrp="1"/>
+          </p:cNvSpPr>
+          <p:nvPr>
+            <p:ph sz="half" idx="2"/>
+          </p:nvPr>
+        </p:nvSpPr>
+        <p:spPr>
+          <a:xfrm>
+            <a:off x="7078717" y="0"/>
+            <a:ext cx="5113283" cy="6857999"/>
+          </a:xfrm>
+          <a:solidFill>
+            <a:srgbClr val="7030A0"/>
+          </a:solidFill>
+        </p:spPr>
+        <p:txBody>
+          <a:bodyPr>
+            <a:normAutofit/>
+          </a:bodyPr>
           <a:lstStyle/>
           <a:p>
-            <a:r>
-              <a:rPr lang="en-US" dirty="0">
-                <a:hlinkClick r:id="rId2"/>
+            <a:pPr marL="0" indent="0" algn="ctr">
+              <a:buNone/>
+            </a:pPr>
+            <a:endParaRPr lang="en-US" sz="6600" dirty="0">
+              <a:solidFill>
+                <a:schemeClr val="bg1"/>
+              </a:solidFill>
+            </a:endParaRPr>
+          </a:p>
+          <a:p>
+            <a:pPr marL="0" indent="0" algn="ctr">
+              <a:buNone/>
+            </a:pPr>
+            <a:endParaRPr lang="en-US" sz="6600" dirty="0" smtClean="0">
+              <a:solidFill>
+                <a:schemeClr val="bg1"/>
+              </a:solidFill>
+            </a:endParaRPr>
+          </a:p>
+          <a:p>
+            <a:pPr marL="0" indent="0" algn="ctr">
+              <a:buNone/>
+            </a:pPr>
+            <a:r>
+              <a:rPr lang="en-US" sz="6600" dirty="0" smtClean="0">
+                <a:solidFill>
+                  <a:schemeClr val="bg1"/>
+                </a:solidFill>
               </a:rPr>
-              <a:t>https://</a:t>
-            </a:r>
-            <a:r>
-              <a:rPr lang="en-US" dirty="0" smtClean="0">
-                <a:hlinkClick r:id="rId2"/>
-              </a:rPr>
-              <a:t>matplotlib.org/gallery/statistics/hist.html</a:t>
-            </a:r>
-            <a:endParaRPr lang="en-US" dirty="0" smtClean="0"/>
-          </a:p>
-          <a:p>
-            <a:endParaRPr lang="en-US" dirty="0"/>
+              <a:t>Importing necessary libraries</a:t>
+            </a:r>
+            <a:endParaRPr lang="en-US" sz="6600" dirty="0">
+              <a:solidFill>
+                <a:schemeClr val="bg1"/>
+              </a:solidFill>
+            </a:endParaRPr>
           </a:p>
         </p:txBody>
       </p:sp>
     </p:spTree>
     <p:extLst>
       <p:ext uri="{BB962C8B-B14F-4D97-AF65-F5344CB8AC3E}">
-        <p14:creationId xmlns:p14="http://schemas.microsoft.com/office/powerpoint/2010/main" val="2060832861"/>
+        <p14:creationId xmlns:p14="http://schemas.microsoft.com/office/powerpoint/2010/main" val="289388677"/>
       </p:ext>
     </p:extLst>
   </p:cSld>
   <p:clrMapOvr>
     <a:masterClrMapping/>
   </p:clrMapOvr>
+  <p:timing>
+    <p:tnLst>
+      <p:par>
+        <p:cTn id="1" dur="indefinite" restart="never" nodeType="tmRoot">
+          <p:childTnLst>
+            <p:seq concurrent="1" nextAc="seek">
+              <p:cTn id="2" dur="indefinite" nodeType="mainSeq">
+                <p:childTnLst>
+                  <p:par>
+                    <p:cTn id="3" fill="hold">
+                      <p:stCondLst>
+                        <p:cond delay="indefinite"/>
+                      </p:stCondLst>
+                      <p:childTnLst>
+                        <p:par>
+                          <p:cTn id="4" fill="hold">
+                            <p:stCondLst>
+                              <p:cond delay="0"/>
+                            </p:stCondLst>
+                            <p:childTnLst>
+                              <p:par>
+                                <p:cTn id="5" presetID="10" presetClass="entr" presetSubtype="0" fill="hold" nodeType="clickEffect">
+                                  <p:stCondLst>
+                                    <p:cond delay="0"/>
+                                  </p:stCondLst>
+                                  <p:childTnLst>
+                                    <p:set>
+                                      <p:cBhvr>
+                                        <p:cTn id="6" dur="1" fill="hold">
+                                          <p:stCondLst>
+                                            <p:cond delay="0"/>
+                                          </p:stCondLst>
+                                        </p:cTn>
+                                        <p:tgtEl>
+                                          <p:spTgt spid="3">
+                                            <p:txEl>
+                                              <p:pRg st="0" end="0"/>
+                                            </p:txEl>
+                                          </p:spTgt>
+                                        </p:tgtEl>
+                                        <p:attrNameLst>
+                                          <p:attrName>style.visibility</p:attrName>
+                                        </p:attrNameLst>
+                                      </p:cBhvr>
+                                      <p:to>
+                                        <p:strVal val="visible"/>
+                                      </p:to>
+                                    </p:set>
+                                    <p:animEffect transition="in" filter="fade">
+                                      <p:cBhvr>
+                                        <p:cTn id="7" dur="500"/>
+                                        <p:tgtEl>
+                                          <p:spTgt spid="3">
+                                            <p:txEl>
+                                              <p:pRg st="0" end="0"/>
+                                            </p:txEl>
+                                          </p:spTgt>
+                                        </p:tgtEl>
+                                      </p:cBhvr>
+                                    </p:animEffect>
+                                  </p:childTnLst>
+                                </p:cTn>
+                              </p:par>
+                            </p:childTnLst>
+                          </p:cTn>
+                        </p:par>
+                      </p:childTnLst>
+                    </p:cTn>
+                  </p:par>
+                  <p:par>
+                    <p:cTn id="8" fill="hold">
+                      <p:stCondLst>
+                        <p:cond delay="indefinite"/>
+                      </p:stCondLst>
+                      <p:childTnLst>
+                        <p:par>
+                          <p:cTn id="9" fill="hold">
+                            <p:stCondLst>
+                              <p:cond delay="0"/>
+                            </p:stCondLst>
+                            <p:childTnLst>
+                              <p:par>
+                                <p:cTn id="10" presetID="10" presetClass="entr" presetSubtype="0" fill="hold" nodeType="clickEffect">
+                                  <p:stCondLst>
+                                    <p:cond delay="0"/>
+                                  </p:stCondLst>
+                                  <p:childTnLst>
+                                    <p:set>
+                                      <p:cBhvr>
+                                        <p:cTn id="11" dur="1" fill="hold">
+                                          <p:stCondLst>
+                                            <p:cond delay="0"/>
+                                          </p:stCondLst>
+                                        </p:cTn>
+                                        <p:tgtEl>
+                                          <p:spTgt spid="3">
+                                            <p:txEl>
+                                              <p:pRg st="1" end="1"/>
+                                            </p:txEl>
+                                          </p:spTgt>
+                                        </p:tgtEl>
+                                        <p:attrNameLst>
+                                          <p:attrName>style.visibility</p:attrName>
+                                        </p:attrNameLst>
+                                      </p:cBhvr>
+                                      <p:to>
+                                        <p:strVal val="visible"/>
+                                      </p:to>
+                                    </p:set>
+                                    <p:animEffect transition="in" filter="fade">
+                                      <p:cBhvr>
+                                        <p:cTn id="12" dur="500"/>
+                                        <p:tgtEl>
+                                          <p:spTgt spid="3">
+                                            <p:txEl>
+                                              <p:pRg st="1" end="1"/>
+                                            </p:txEl>
+                                          </p:spTgt>
+                                        </p:tgtEl>
+                                      </p:cBhvr>
+                                    </p:animEffect>
+                                  </p:childTnLst>
+                                </p:cTn>
+                              </p:par>
+                            </p:childTnLst>
+                          </p:cTn>
+                        </p:par>
+                      </p:childTnLst>
+                    </p:cTn>
+                  </p:par>
+                  <p:par>
+                    <p:cTn id="13" fill="hold">
+                      <p:stCondLst>
+                        <p:cond delay="indefinite"/>
+                      </p:stCondLst>
+                      <p:childTnLst>
+                        <p:par>
+                          <p:cTn id="14" fill="hold">
+                            <p:stCondLst>
+                              <p:cond delay="0"/>
+                            </p:stCondLst>
+                            <p:childTnLst>
+                              <p:par>
+                                <p:cTn id="15" presetID="10" presetClass="entr" presetSubtype="0" fill="hold" nodeType="clickEffect">
+                                  <p:stCondLst>
+                                    <p:cond delay="0"/>
+                                  </p:stCondLst>
+                                  <p:childTnLst>
+                                    <p:set>
+                                      <p:cBhvr>
+                                        <p:cTn id="16" dur="1" fill="hold">
+                                          <p:stCondLst>
+                                            <p:cond delay="0"/>
+                                          </p:stCondLst>
+                                        </p:cTn>
+                                        <p:tgtEl>
+                                          <p:spTgt spid="3">
+                                            <p:txEl>
+                                              <p:pRg st="2" end="2"/>
+                                            </p:txEl>
+                                          </p:spTgt>
+                                        </p:tgtEl>
+                                        <p:attrNameLst>
+                                          <p:attrName>style.visibility</p:attrName>
+                                        </p:attrNameLst>
+                                      </p:cBhvr>
+                                      <p:to>
+                                        <p:strVal val="visible"/>
+                                      </p:to>
+                                    </p:set>
+                                    <p:animEffect transition="in" filter="fade">
+                                      <p:cBhvr>
+                                        <p:cTn id="17" dur="500"/>
+                                        <p:tgtEl>
+                                          <p:spTgt spid="3">
+                                            <p:txEl>
+                                              <p:pRg st="2" end="2"/>
+                                            </p:txEl>
+                                          </p:spTgt>
+                                        </p:tgtEl>
+                                      </p:cBhvr>
+                                    </p:animEffect>
+                                  </p:childTnLst>
+                                </p:cTn>
+                              </p:par>
+                            </p:childTnLst>
+                          </p:cTn>
+                        </p:par>
+                      </p:childTnLst>
+                    </p:cTn>
+                  </p:par>
+                  <p:par>
+                    <p:cTn id="18" fill="hold">
+                      <p:stCondLst>
+                        <p:cond delay="indefinite"/>
+                      </p:stCondLst>
+                      <p:childTnLst>
+                        <p:par>
+                          <p:cTn id="19" fill="hold">
+                            <p:stCondLst>
+                              <p:cond delay="0"/>
+                            </p:stCondLst>
+                            <p:childTnLst>
+                              <p:par>
+                                <p:cTn id="20" presetID="10" presetClass="entr" presetSubtype="0" fill="hold" nodeType="clickEffect">
+                                  <p:stCondLst>
+                                    <p:cond delay="0"/>
+                                  </p:stCondLst>
+                                  <p:childTnLst>
+                                    <p:set>
+                                      <p:cBhvr>
+                                        <p:cTn id="21" dur="1" fill="hold">
+                                          <p:stCondLst>
+                                            <p:cond delay="0"/>
+                                          </p:stCondLst>
+                                        </p:cTn>
+                                        <p:tgtEl>
+                                          <p:spTgt spid="3">
+                                            <p:txEl>
+                                              <p:pRg st="3" end="3"/>
+                                            </p:txEl>
+                                          </p:spTgt>
+                                        </p:tgtEl>
+                                        <p:attrNameLst>
+                                          <p:attrName>style.visibility</p:attrName>
+                                        </p:attrNameLst>
+                                      </p:cBhvr>
+                                      <p:to>
+                                        <p:strVal val="visible"/>
+                                      </p:to>
+                                    </p:set>
+                                    <p:animEffect transition="in" filter="fade">
+                                      <p:cBhvr>
+                                        <p:cTn id="22" dur="500"/>
+                                        <p:tgtEl>
+                                          <p:spTgt spid="3">
+                                            <p:txEl>
+                                              <p:pRg st="3" end="3"/>
+                                            </p:txEl>
+                                          </p:spTgt>
+                                        </p:tgtEl>
+                                      </p:cBhvr>
+                                    </p:animEffect>
+                                  </p:childTnLst>
+                                </p:cTn>
+                              </p:par>
+                            </p:childTnLst>
+                          </p:cTn>
+                        </p:par>
+                      </p:childTnLst>
+                    </p:cTn>
+                  </p:par>
+                  <p:par>
+                    <p:cTn id="23" fill="hold">
+                      <p:stCondLst>
+                        <p:cond delay="indefinite"/>
+                      </p:stCondLst>
+                      <p:childTnLst>
+                        <p:par>
+                          <p:cTn id="24" fill="hold">
+                            <p:stCondLst>
+                              <p:cond delay="0"/>
+                            </p:stCondLst>
+                            <p:childTnLst>
+                              <p:par>
+                                <p:cTn id="25" presetID="10" presetClass="entr" presetSubtype="0" fill="hold" nodeType="clickEffect">
+                                  <p:stCondLst>
+                                    <p:cond delay="0"/>
+                                  </p:stCondLst>
+                                  <p:childTnLst>
+                                    <p:set>
+                                      <p:cBhvr>
+                                        <p:cTn id="26" dur="1" fill="hold">
+                                          <p:stCondLst>
+                                            <p:cond delay="0"/>
+                                          </p:stCondLst>
+                                        </p:cTn>
+                                        <p:tgtEl>
+                                          <p:spTgt spid="3">
+                                            <p:txEl>
+                                              <p:pRg st="4" end="4"/>
+                                            </p:txEl>
+                                          </p:spTgt>
+                                        </p:tgtEl>
+                                        <p:attrNameLst>
+                                          <p:attrName>style.visibility</p:attrName>
+                                        </p:attrNameLst>
+                                      </p:cBhvr>
+                                      <p:to>
+                                        <p:strVal val="visible"/>
+                                      </p:to>
+                                    </p:set>
+                                    <p:animEffect transition="in" filter="fade">
+                                      <p:cBhvr>
+                                        <p:cTn id="27" dur="500"/>
+                                        <p:tgtEl>
+                                          <p:spTgt spid="3">
+                                            <p:txEl>
+                                              <p:pRg st="4" end="4"/>
+                                            </p:txEl>
+                                          </p:spTgt>
+                                        </p:tgtEl>
+                                      </p:cBhvr>
+                                    </p:animEffect>
+                                  </p:childTnLst>
+                                </p:cTn>
+                              </p:par>
+                            </p:childTnLst>
+                          </p:cTn>
+                        </p:par>
+                      </p:childTnLst>
+                    </p:cTn>
+                  </p:par>
+                  <p:par>
+                    <p:cTn id="28" fill="hold">
+                      <p:stCondLst>
+                        <p:cond delay="indefinite"/>
+                      </p:stCondLst>
+                      <p:childTnLst>
+                        <p:par>
+                          <p:cTn id="29" fill="hold">
+                            <p:stCondLst>
+                              <p:cond delay="0"/>
+                            </p:stCondLst>
+                            <p:childTnLst>
+                              <p:par>
+                                <p:cTn id="30" presetID="10" presetClass="entr" presetSubtype="0" fill="hold" nodeType="clickEffect">
+                                  <p:stCondLst>
+                                    <p:cond delay="0"/>
+                                  </p:stCondLst>
+                                  <p:childTnLst>
+                                    <p:set>
+                                      <p:cBhvr>
+                                        <p:cTn id="31" dur="1" fill="hold">
+                                          <p:stCondLst>
+                                            <p:cond delay="0"/>
+                                          </p:stCondLst>
+                                        </p:cTn>
+                                        <p:tgtEl>
+                                          <p:spTgt spid="3">
+                                            <p:txEl>
+                                              <p:pRg st="5" end="5"/>
+                                            </p:txEl>
+                                          </p:spTgt>
+                                        </p:tgtEl>
+                                        <p:attrNameLst>
+                                          <p:attrName>style.visibility</p:attrName>
+                                        </p:attrNameLst>
+                                      </p:cBhvr>
+                                      <p:to>
+                                        <p:strVal val="visible"/>
+                                      </p:to>
+                                    </p:set>
+                                    <p:animEffect transition="in" filter="fade">
+                                      <p:cBhvr>
+                                        <p:cTn id="32" dur="500"/>
+                                        <p:tgtEl>
+                                          <p:spTgt spid="3">
+                                            <p:txEl>
+                                              <p:pRg st="5" end="5"/>
+                                            </p:txEl>
+                                          </p:spTgt>
+                                        </p:tgtEl>
+                                      </p:cBhvr>
+                                    </p:animEffect>
+                                  </p:childTnLst>
+                                </p:cTn>
+                              </p:par>
+                            </p:childTnLst>
+                          </p:cTn>
+                        </p:par>
+                      </p:childTnLst>
+                    </p:cTn>
+                  </p:par>
+                  <p:par>
+                    <p:cTn id="33" fill="hold">
+                      <p:stCondLst>
+                        <p:cond delay="indefinite"/>
+                      </p:stCondLst>
+                      <p:childTnLst>
+                        <p:par>
+                          <p:cTn id="34" fill="hold">
+                            <p:stCondLst>
+                              <p:cond delay="0"/>
+                            </p:stCondLst>
+                            <p:childTnLst>
+                              <p:par>
+                                <p:cTn id="35" presetID="10" presetClass="entr" presetSubtype="0" fill="hold" nodeType="clickEffect">
+                                  <p:stCondLst>
+                                    <p:cond delay="0"/>
+                                  </p:stCondLst>
+                                  <p:childTnLst>
+                                    <p:set>
+                                      <p:cBhvr>
+                                        <p:cTn id="36" dur="1" fill="hold">
+                                          <p:stCondLst>
+                                            <p:cond delay="0"/>
+                                          </p:stCondLst>
+                                        </p:cTn>
+                                        <p:tgtEl>
+                                          <p:spTgt spid="3">
+                                            <p:txEl>
+                                              <p:pRg st="6" end="6"/>
+                                            </p:txEl>
+                                          </p:spTgt>
+                                        </p:tgtEl>
+                                        <p:attrNameLst>
+                                          <p:attrName>style.visibility</p:attrName>
+                                        </p:attrNameLst>
+                                      </p:cBhvr>
+                                      <p:to>
+                                        <p:strVal val="visible"/>
+                                      </p:to>
+                                    </p:set>
+                                    <p:animEffect transition="in" filter="fade">
+                                      <p:cBhvr>
+                                        <p:cTn id="37" dur="500"/>
+                                        <p:tgtEl>
+                                          <p:spTgt spid="3">
+                                            <p:txEl>
+                                              <p:pRg st="6" end="6"/>
+                                            </p:txEl>
+                                          </p:spTgt>
+                                        </p:tgtEl>
+                                      </p:cBhvr>
+                                    </p:animEffect>
+                                  </p:childTnLst>
+                                </p:cTn>
+                              </p:par>
+                            </p:childTnLst>
+                          </p:cTn>
+                        </p:par>
+                      </p:childTnLst>
+                    </p:cTn>
+                  </p:par>
+                  <p:par>
+                    <p:cTn id="38" fill="hold">
+                      <p:stCondLst>
+                        <p:cond delay="indefinite"/>
+                      </p:stCondLst>
+                      <p:childTnLst>
+                        <p:par>
+                          <p:cTn id="39" fill="hold">
+                            <p:stCondLst>
+                              <p:cond delay="0"/>
+                            </p:stCondLst>
+                            <p:childTnLst>
+                              <p:par>
+                                <p:cTn id="40" presetID="10" presetClass="entr" presetSubtype="0" fill="hold" nodeType="clickEffect">
+                                  <p:stCondLst>
+                                    <p:cond delay="0"/>
+                                  </p:stCondLst>
+                                  <p:childTnLst>
+                                    <p:set>
+                                      <p:cBhvr>
+                                        <p:cTn id="41" dur="1" fill="hold">
+                                          <p:stCondLst>
+                                            <p:cond delay="0"/>
+                                          </p:stCondLst>
+                                        </p:cTn>
+                                        <p:tgtEl>
+                                          <p:spTgt spid="3">
+                                            <p:txEl>
+                                              <p:pRg st="7" end="7"/>
+                                            </p:txEl>
+                                          </p:spTgt>
+                                        </p:tgtEl>
+                                        <p:attrNameLst>
+                                          <p:attrName>style.visibility</p:attrName>
+                                        </p:attrNameLst>
+                                      </p:cBhvr>
+                                      <p:to>
+                                        <p:strVal val="visible"/>
+                                      </p:to>
+                                    </p:set>
+                                    <p:animEffect transition="in" filter="fade">
+                                      <p:cBhvr>
+                                        <p:cTn id="42" dur="500"/>
+                                        <p:tgtEl>
+                                          <p:spTgt spid="3">
+                                            <p:txEl>
+                                              <p:pRg st="7" end="7"/>
+                                            </p:txEl>
+                                          </p:spTgt>
+                                        </p:tgtEl>
+                                      </p:cBhvr>
+                                    </p:animEffect>
+                                  </p:childTnLst>
+                                </p:cTn>
+                              </p:par>
+                            </p:childTnLst>
+                          </p:cTn>
+                        </p:par>
+                      </p:childTnLst>
+                    </p:cTn>
+                  </p:par>
+                </p:childTnLst>
+              </p:cTn>
+              <p:prevCondLst>
+                <p:cond evt="onPrev" delay="0">
+                  <p:tgtEl>
+                    <p:sldTgt/>
+                  </p:tgtEl>
+                </p:cond>
+              </p:prevCondLst>
+              <p:nextCondLst>
+                <p:cond evt="onNext" delay="0">
+                  <p:tgtEl>
+                    <p:sldTgt/>
+                  </p:tgtEl>
+                </p:cond>
+              </p:nextCondLst>
+            </p:seq>
+          </p:childTnLst>
+        </p:cTn>
+      </p:par>
+    </p:tnLst>
+  </p:timing>
 </p:sld>
 </file>
 
@@ -3985,60 +5436,766 @@
       </p:grpSpPr>
       <p:sp>
         <p:nvSpPr>
-          <p:cNvPr id="2" name="Title 1"/>
-          <p:cNvSpPr>
-            <a:spLocks noGrp="1"/>
-          </p:cNvSpPr>
-          <p:nvPr>
-            <p:ph type="title"/>
-          </p:nvPr>
-        </p:nvSpPr>
-        <p:spPr/>
+          <p:cNvPr id="6" name="Rectangle 5"/>
+          <p:cNvSpPr/>
+          <p:nvPr/>
+        </p:nvSpPr>
+        <p:spPr>
+          <a:xfrm>
+            <a:off x="6487512" y="394139"/>
+            <a:ext cx="5452240" cy="3785652"/>
+          </a:xfrm>
+          <a:prstGeom prst="rect">
+            <a:avLst/>
+          </a:prstGeom>
+          <a:solidFill>
+            <a:schemeClr val="bg1">
+              <a:lumMod val="95000"/>
+            </a:schemeClr>
+          </a:solidFill>
+        </p:spPr>
+        <p:style>
+          <a:lnRef idx="2">
+            <a:schemeClr val="accent5"/>
+          </a:lnRef>
+          <a:fillRef idx="1">
+            <a:schemeClr val="lt1"/>
+          </a:fillRef>
+          <a:effectRef idx="0">
+            <a:schemeClr val="accent5"/>
+          </a:effectRef>
+          <a:fontRef idx="minor">
+            <a:schemeClr val="dk1"/>
+          </a:fontRef>
+        </p:style>
+        <p:txBody>
+          <a:bodyPr wrap="square">
+            <a:spAutoFit/>
+          </a:bodyPr>
+          <a:lstStyle/>
+          <a:p>
+            <a:r>
+              <a:rPr lang="en-US" sz="2400" b="1" u="sng" dirty="0"/>
+              <a:t># load the EXCEL file &amp; read the data </a:t>
+            </a:r>
+          </a:p>
+          <a:p>
+            <a:r>
+              <a:rPr lang="en-US" sz="2400" dirty="0"/>
+              <a:t>dataframe1 = </a:t>
+            </a:r>
+            <a:r>
+              <a:rPr lang="en-US" sz="2400" dirty="0" err="1">
+                <a:solidFill>
+                  <a:srgbClr val="FF0000"/>
+                </a:solidFill>
+              </a:rPr>
+              <a:t>pd.read_csv</a:t>
+            </a:r>
+            <a:r>
+              <a:rPr lang="en-US" sz="2400" dirty="0">
+                <a:solidFill>
+                  <a:srgbClr val="FF0000"/>
+                </a:solidFill>
+              </a:rPr>
+              <a:t>("../input/Grading of the students in the exam (OR).</a:t>
+            </a:r>
+            <a:r>
+              <a:rPr lang="en-US" sz="2400" dirty="0" err="1">
+                <a:solidFill>
+                  <a:srgbClr val="FF0000"/>
+                </a:solidFill>
+              </a:rPr>
+              <a:t>csv</a:t>
+            </a:r>
+            <a:r>
+              <a:rPr lang="en-US" sz="2400" dirty="0">
+                <a:solidFill>
+                  <a:srgbClr val="FF0000"/>
+                </a:solidFill>
+              </a:rPr>
+              <a:t>")</a:t>
+            </a:r>
+          </a:p>
+          <a:p>
+            <a:r>
+              <a:rPr lang="en-US" sz="2400" dirty="0"/>
+              <a:t>print(dataframe1)</a:t>
+            </a:r>
+          </a:p>
+          <a:p>
+            <a:r>
+              <a:rPr lang="en-US" sz="2400" dirty="0"/>
+              <a:t>print(dataframe1.dtypes)</a:t>
+            </a:r>
+          </a:p>
+          <a:p>
+            <a:r>
+              <a:rPr lang="en-US" sz="2400" dirty="0" err="1"/>
+              <a:t>input_data</a:t>
+            </a:r>
+            <a:r>
+              <a:rPr lang="en-US" sz="2400" dirty="0"/>
+              <a:t> = dataframe1.values</a:t>
+            </a:r>
+          </a:p>
+          <a:p>
+            <a:r>
+              <a:rPr lang="en-US" sz="2400" dirty="0" smtClean="0"/>
+              <a:t># </a:t>
+            </a:r>
+            <a:r>
+              <a:rPr lang="en-US" sz="2400" dirty="0"/>
+              <a:t>Examine the properties of the dataset</a:t>
+            </a:r>
+          </a:p>
+          <a:p>
+            <a:r>
+              <a:rPr lang="en-US" sz="2400" dirty="0"/>
+              <a:t># print the statistics</a:t>
+            </a:r>
+          </a:p>
+          <a:p>
+            <a:r>
+              <a:rPr lang="en-US" sz="2400" dirty="0"/>
+              <a:t>print(</a:t>
+            </a:r>
+            <a:r>
+              <a:rPr lang="en-US" sz="2400" dirty="0">
+                <a:solidFill>
+                  <a:srgbClr val="FF0000"/>
+                </a:solidFill>
+              </a:rPr>
+              <a:t>dataframe1['Final Mark'].</a:t>
+            </a:r>
+            <a:r>
+              <a:rPr lang="en-US" sz="2400" dirty="0"/>
+              <a:t>describe</a:t>
+            </a:r>
+            <a:r>
+              <a:rPr lang="en-US" sz="2400" dirty="0" smtClean="0"/>
+              <a:t>())</a:t>
+            </a:r>
+            <a:endParaRPr lang="en-US" sz="2400" dirty="0"/>
+          </a:p>
+        </p:txBody>
+      </p:sp>
+      <p:sp>
+        <p:nvSpPr>
+          <p:cNvPr id="2" name="Content Placeholder 1"/>
+          <p:cNvSpPr>
+            <a:spLocks noGrp="1"/>
+          </p:cNvSpPr>
+          <p:nvPr>
+            <p:ph sz="half" idx="1"/>
+          </p:nvPr>
+        </p:nvSpPr>
+        <p:spPr>
+          <a:xfrm>
+            <a:off x="5898931" y="4489997"/>
+            <a:ext cx="5181600" cy="4351338"/>
+          </a:xfrm>
+        </p:spPr>
         <p:txBody>
           <a:bodyPr/>
           <a:lstStyle/>
           <a:p>
-            <a:r>
-              <a:rPr lang="en-US" dirty="0" smtClean="0"/>
-              <a:t>Box Plot</a:t>
-            </a:r>
             <a:endParaRPr lang="en-US" dirty="0"/>
           </a:p>
         </p:txBody>
       </p:sp>
       <p:sp>
         <p:nvSpPr>
-          <p:cNvPr id="3" name="Content Placeholder 2"/>
-          <p:cNvSpPr>
-            <a:spLocks noGrp="1"/>
-          </p:cNvSpPr>
-          <p:nvPr>
-            <p:ph idx="1"/>
-          </p:nvPr>
-        </p:nvSpPr>
-        <p:spPr/>
-        <p:txBody>
-          <a:bodyPr/>
+          <p:cNvPr id="7" name="Content Placeholder 6"/>
+          <p:cNvSpPr>
+            <a:spLocks noGrp="1"/>
+          </p:cNvSpPr>
+          <p:nvPr>
+            <p:ph sz="half" idx="2"/>
+          </p:nvPr>
+        </p:nvSpPr>
+        <p:spPr>
+          <a:xfrm>
+            <a:off x="0" y="1"/>
+            <a:ext cx="5113283" cy="6857999"/>
+          </a:xfrm>
+          <a:solidFill>
+            <a:srgbClr val="7030A0"/>
+          </a:solidFill>
+        </p:spPr>
+        <p:txBody>
+          <a:bodyPr>
+            <a:normAutofit/>
+          </a:bodyPr>
           <a:lstStyle/>
           <a:p>
-            <a:r>
-              <a:rPr lang="en-US" dirty="0" smtClean="0"/>
-              <a:t>Determining the percentiles</a:t>
-            </a:r>
-            <a:endParaRPr lang="en-US" dirty="0"/>
+            <a:pPr marL="0" indent="0" algn="ctr">
+              <a:buNone/>
+            </a:pPr>
+            <a:endParaRPr lang="en-US" sz="6600" dirty="0">
+              <a:solidFill>
+                <a:schemeClr val="bg1"/>
+              </a:solidFill>
+            </a:endParaRPr>
+          </a:p>
+          <a:p>
+            <a:pPr marL="0" indent="0" algn="ctr">
+              <a:buNone/>
+            </a:pPr>
+            <a:endParaRPr lang="en-US" sz="6600" dirty="0" smtClean="0">
+              <a:solidFill>
+                <a:schemeClr val="bg1"/>
+              </a:solidFill>
+            </a:endParaRPr>
+          </a:p>
+          <a:p>
+            <a:pPr marL="0" indent="0" algn="ctr">
+              <a:buNone/>
+            </a:pPr>
+            <a:r>
+              <a:rPr lang="en-US" sz="6600" dirty="0" smtClean="0">
+                <a:solidFill>
+                  <a:schemeClr val="bg1"/>
+                </a:solidFill>
+              </a:rPr>
+              <a:t>Load EXCEL file &amp; check the data</a:t>
+            </a:r>
+            <a:endParaRPr lang="en-US" sz="6600" dirty="0">
+              <a:solidFill>
+                <a:schemeClr val="bg1"/>
+              </a:solidFill>
+            </a:endParaRPr>
           </a:p>
         </p:txBody>
       </p:sp>
     </p:spTree>
     <p:extLst>
       <p:ext uri="{BB962C8B-B14F-4D97-AF65-F5344CB8AC3E}">
-        <p14:creationId xmlns:p14="http://schemas.microsoft.com/office/powerpoint/2010/main" val="2253054247"/>
+        <p14:creationId xmlns:p14="http://schemas.microsoft.com/office/powerpoint/2010/main" val="173525341"/>
       </p:ext>
     </p:extLst>
   </p:cSld>
   <p:clrMapOvr>
     <a:masterClrMapping/>
   </p:clrMapOvr>
+  <p:timing>
+    <p:tnLst>
+      <p:par>
+        <p:cTn id="1" dur="indefinite" restart="never" nodeType="tmRoot">
+          <p:childTnLst>
+            <p:seq concurrent="1" nextAc="seek">
+              <p:cTn id="2" dur="indefinite" nodeType="mainSeq">
+                <p:childTnLst>
+                  <p:par>
+                    <p:cTn id="3" fill="hold">
+                      <p:stCondLst>
+                        <p:cond delay="indefinite"/>
+                      </p:stCondLst>
+                      <p:childTnLst>
+                        <p:par>
+                          <p:cTn id="4" fill="hold">
+                            <p:stCondLst>
+                              <p:cond delay="0"/>
+                            </p:stCondLst>
+                            <p:childTnLst>
+                              <p:par>
+                                <p:cTn id="5" presetID="10" presetClass="entr" presetSubtype="0" fill="hold" nodeType="clickEffect">
+                                  <p:stCondLst>
+                                    <p:cond delay="0"/>
+                                  </p:stCondLst>
+                                  <p:childTnLst>
+                                    <p:set>
+                                      <p:cBhvr>
+                                        <p:cTn id="6" dur="1" fill="hold">
+                                          <p:stCondLst>
+                                            <p:cond delay="0"/>
+                                          </p:stCondLst>
+                                        </p:cTn>
+                                        <p:tgtEl>
+                                          <p:spTgt spid="6">
+                                            <p:txEl>
+                                              <p:pRg st="0" end="0"/>
+                                            </p:txEl>
+                                          </p:spTgt>
+                                        </p:tgtEl>
+                                        <p:attrNameLst>
+                                          <p:attrName>style.visibility</p:attrName>
+                                        </p:attrNameLst>
+                                      </p:cBhvr>
+                                      <p:to>
+                                        <p:strVal val="visible"/>
+                                      </p:to>
+                                    </p:set>
+                                    <p:animEffect transition="in" filter="fade">
+                                      <p:cBhvr>
+                                        <p:cTn id="7" dur="500"/>
+                                        <p:tgtEl>
+                                          <p:spTgt spid="6">
+                                            <p:txEl>
+                                              <p:pRg st="0" end="0"/>
+                                            </p:txEl>
+                                          </p:spTgt>
+                                        </p:tgtEl>
+                                      </p:cBhvr>
+                                    </p:animEffect>
+                                  </p:childTnLst>
+                                </p:cTn>
+                              </p:par>
+                            </p:childTnLst>
+                          </p:cTn>
+                        </p:par>
+                      </p:childTnLst>
+                    </p:cTn>
+                  </p:par>
+                  <p:par>
+                    <p:cTn id="8" fill="hold">
+                      <p:stCondLst>
+                        <p:cond delay="indefinite"/>
+                      </p:stCondLst>
+                      <p:childTnLst>
+                        <p:par>
+                          <p:cTn id="9" fill="hold">
+                            <p:stCondLst>
+                              <p:cond delay="0"/>
+                            </p:stCondLst>
+                            <p:childTnLst>
+                              <p:par>
+                                <p:cTn id="10" presetID="10" presetClass="entr" presetSubtype="0" fill="hold" nodeType="clickEffect">
+                                  <p:stCondLst>
+                                    <p:cond delay="0"/>
+                                  </p:stCondLst>
+                                  <p:childTnLst>
+                                    <p:set>
+                                      <p:cBhvr>
+                                        <p:cTn id="11" dur="1" fill="hold">
+                                          <p:stCondLst>
+                                            <p:cond delay="0"/>
+                                          </p:stCondLst>
+                                        </p:cTn>
+                                        <p:tgtEl>
+                                          <p:spTgt spid="6">
+                                            <p:txEl>
+                                              <p:pRg st="1" end="1"/>
+                                            </p:txEl>
+                                          </p:spTgt>
+                                        </p:tgtEl>
+                                        <p:attrNameLst>
+                                          <p:attrName>style.visibility</p:attrName>
+                                        </p:attrNameLst>
+                                      </p:cBhvr>
+                                      <p:to>
+                                        <p:strVal val="visible"/>
+                                      </p:to>
+                                    </p:set>
+                                    <p:animEffect transition="in" filter="fade">
+                                      <p:cBhvr>
+                                        <p:cTn id="12" dur="500"/>
+                                        <p:tgtEl>
+                                          <p:spTgt spid="6">
+                                            <p:txEl>
+                                              <p:pRg st="1" end="1"/>
+                                            </p:txEl>
+                                          </p:spTgt>
+                                        </p:tgtEl>
+                                      </p:cBhvr>
+                                    </p:animEffect>
+                                  </p:childTnLst>
+                                </p:cTn>
+                              </p:par>
+                            </p:childTnLst>
+                          </p:cTn>
+                        </p:par>
+                      </p:childTnLst>
+                    </p:cTn>
+                  </p:par>
+                  <p:par>
+                    <p:cTn id="13" fill="hold">
+                      <p:stCondLst>
+                        <p:cond delay="indefinite"/>
+                      </p:stCondLst>
+                      <p:childTnLst>
+                        <p:par>
+                          <p:cTn id="14" fill="hold">
+                            <p:stCondLst>
+                              <p:cond delay="0"/>
+                            </p:stCondLst>
+                            <p:childTnLst>
+                              <p:par>
+                                <p:cTn id="15" presetID="10" presetClass="entr" presetSubtype="0" fill="hold" nodeType="clickEffect">
+                                  <p:stCondLst>
+                                    <p:cond delay="0"/>
+                                  </p:stCondLst>
+                                  <p:childTnLst>
+                                    <p:set>
+                                      <p:cBhvr>
+                                        <p:cTn id="16" dur="1" fill="hold">
+                                          <p:stCondLst>
+                                            <p:cond delay="0"/>
+                                          </p:stCondLst>
+                                        </p:cTn>
+                                        <p:tgtEl>
+                                          <p:spTgt spid="6">
+                                            <p:txEl>
+                                              <p:pRg st="2" end="2"/>
+                                            </p:txEl>
+                                          </p:spTgt>
+                                        </p:tgtEl>
+                                        <p:attrNameLst>
+                                          <p:attrName>style.visibility</p:attrName>
+                                        </p:attrNameLst>
+                                      </p:cBhvr>
+                                      <p:to>
+                                        <p:strVal val="visible"/>
+                                      </p:to>
+                                    </p:set>
+                                    <p:animEffect transition="in" filter="fade">
+                                      <p:cBhvr>
+                                        <p:cTn id="17" dur="500"/>
+                                        <p:tgtEl>
+                                          <p:spTgt spid="6">
+                                            <p:txEl>
+                                              <p:pRg st="2" end="2"/>
+                                            </p:txEl>
+                                          </p:spTgt>
+                                        </p:tgtEl>
+                                      </p:cBhvr>
+                                    </p:animEffect>
+                                  </p:childTnLst>
+                                </p:cTn>
+                              </p:par>
+                            </p:childTnLst>
+                          </p:cTn>
+                        </p:par>
+                      </p:childTnLst>
+                    </p:cTn>
+                  </p:par>
+                  <p:par>
+                    <p:cTn id="18" fill="hold">
+                      <p:stCondLst>
+                        <p:cond delay="indefinite"/>
+                      </p:stCondLst>
+                      <p:childTnLst>
+                        <p:par>
+                          <p:cTn id="19" fill="hold">
+                            <p:stCondLst>
+                              <p:cond delay="0"/>
+                            </p:stCondLst>
+                            <p:childTnLst>
+                              <p:par>
+                                <p:cTn id="20" presetID="10" presetClass="entr" presetSubtype="0" fill="hold" nodeType="clickEffect">
+                                  <p:stCondLst>
+                                    <p:cond delay="0"/>
+                                  </p:stCondLst>
+                                  <p:childTnLst>
+                                    <p:set>
+                                      <p:cBhvr>
+                                        <p:cTn id="21" dur="1" fill="hold">
+                                          <p:stCondLst>
+                                            <p:cond delay="0"/>
+                                          </p:stCondLst>
+                                        </p:cTn>
+                                        <p:tgtEl>
+                                          <p:spTgt spid="6">
+                                            <p:txEl>
+                                              <p:pRg st="3" end="3"/>
+                                            </p:txEl>
+                                          </p:spTgt>
+                                        </p:tgtEl>
+                                        <p:attrNameLst>
+                                          <p:attrName>style.visibility</p:attrName>
+                                        </p:attrNameLst>
+                                      </p:cBhvr>
+                                      <p:to>
+                                        <p:strVal val="visible"/>
+                                      </p:to>
+                                    </p:set>
+                                    <p:animEffect transition="in" filter="fade">
+                                      <p:cBhvr>
+                                        <p:cTn id="22" dur="500"/>
+                                        <p:tgtEl>
+                                          <p:spTgt spid="6">
+                                            <p:txEl>
+                                              <p:pRg st="3" end="3"/>
+                                            </p:txEl>
+                                          </p:spTgt>
+                                        </p:tgtEl>
+                                      </p:cBhvr>
+                                    </p:animEffect>
+                                  </p:childTnLst>
+                                </p:cTn>
+                              </p:par>
+                            </p:childTnLst>
+                          </p:cTn>
+                        </p:par>
+                      </p:childTnLst>
+                    </p:cTn>
+                  </p:par>
+                  <p:par>
+                    <p:cTn id="23" fill="hold">
+                      <p:stCondLst>
+                        <p:cond delay="indefinite"/>
+                      </p:stCondLst>
+                      <p:childTnLst>
+                        <p:par>
+                          <p:cTn id="24" fill="hold">
+                            <p:stCondLst>
+                              <p:cond delay="0"/>
+                            </p:stCondLst>
+                            <p:childTnLst>
+                              <p:par>
+                                <p:cTn id="25" presetID="10" presetClass="entr" presetSubtype="0" fill="hold" nodeType="clickEffect">
+                                  <p:stCondLst>
+                                    <p:cond delay="0"/>
+                                  </p:stCondLst>
+                                  <p:childTnLst>
+                                    <p:set>
+                                      <p:cBhvr>
+                                        <p:cTn id="26" dur="1" fill="hold">
+                                          <p:stCondLst>
+                                            <p:cond delay="0"/>
+                                          </p:stCondLst>
+                                        </p:cTn>
+                                        <p:tgtEl>
+                                          <p:spTgt spid="6">
+                                            <p:txEl>
+                                              <p:pRg st="4" end="4"/>
+                                            </p:txEl>
+                                          </p:spTgt>
+                                        </p:tgtEl>
+                                        <p:attrNameLst>
+                                          <p:attrName>style.visibility</p:attrName>
+                                        </p:attrNameLst>
+                                      </p:cBhvr>
+                                      <p:to>
+                                        <p:strVal val="visible"/>
+                                      </p:to>
+                                    </p:set>
+                                    <p:animEffect transition="in" filter="fade">
+                                      <p:cBhvr>
+                                        <p:cTn id="27" dur="500"/>
+                                        <p:tgtEl>
+                                          <p:spTgt spid="6">
+                                            <p:txEl>
+                                              <p:pRg st="4" end="4"/>
+                                            </p:txEl>
+                                          </p:spTgt>
+                                        </p:tgtEl>
+                                      </p:cBhvr>
+                                    </p:animEffect>
+                                  </p:childTnLst>
+                                </p:cTn>
+                              </p:par>
+                            </p:childTnLst>
+                          </p:cTn>
+                        </p:par>
+                      </p:childTnLst>
+                    </p:cTn>
+                  </p:par>
+                  <p:par>
+                    <p:cTn id="28" fill="hold">
+                      <p:stCondLst>
+                        <p:cond delay="indefinite"/>
+                      </p:stCondLst>
+                      <p:childTnLst>
+                        <p:par>
+                          <p:cTn id="29" fill="hold">
+                            <p:stCondLst>
+                              <p:cond delay="0"/>
+                            </p:stCondLst>
+                            <p:childTnLst>
+                              <p:par>
+                                <p:cTn id="30" presetID="10" presetClass="entr" presetSubtype="0" fill="hold" nodeType="clickEffect">
+                                  <p:stCondLst>
+                                    <p:cond delay="0"/>
+                                  </p:stCondLst>
+                                  <p:childTnLst>
+                                    <p:set>
+                                      <p:cBhvr>
+                                        <p:cTn id="31" dur="1" fill="hold">
+                                          <p:stCondLst>
+                                            <p:cond delay="0"/>
+                                          </p:stCondLst>
+                                        </p:cTn>
+                                        <p:tgtEl>
+                                          <p:spTgt spid="6">
+                                            <p:txEl>
+                                              <p:pRg st="5" end="5"/>
+                                            </p:txEl>
+                                          </p:spTgt>
+                                        </p:tgtEl>
+                                        <p:attrNameLst>
+                                          <p:attrName>style.visibility</p:attrName>
+                                        </p:attrNameLst>
+                                      </p:cBhvr>
+                                      <p:to>
+                                        <p:strVal val="visible"/>
+                                      </p:to>
+                                    </p:set>
+                                    <p:animEffect transition="in" filter="fade">
+                                      <p:cBhvr>
+                                        <p:cTn id="32" dur="500"/>
+                                        <p:tgtEl>
+                                          <p:spTgt spid="6">
+                                            <p:txEl>
+                                              <p:pRg st="5" end="5"/>
+                                            </p:txEl>
+                                          </p:spTgt>
+                                        </p:tgtEl>
+                                      </p:cBhvr>
+                                    </p:animEffect>
+                                  </p:childTnLst>
+                                </p:cTn>
+                              </p:par>
+                            </p:childTnLst>
+                          </p:cTn>
+                        </p:par>
+                      </p:childTnLst>
+                    </p:cTn>
+                  </p:par>
+                  <p:par>
+                    <p:cTn id="33" fill="hold">
+                      <p:stCondLst>
+                        <p:cond delay="indefinite"/>
+                      </p:stCondLst>
+                      <p:childTnLst>
+                        <p:par>
+                          <p:cTn id="34" fill="hold">
+                            <p:stCondLst>
+                              <p:cond delay="0"/>
+                            </p:stCondLst>
+                            <p:childTnLst>
+                              <p:par>
+                                <p:cTn id="35" presetID="10" presetClass="entr" presetSubtype="0" fill="hold" nodeType="clickEffect">
+                                  <p:stCondLst>
+                                    <p:cond delay="0"/>
+                                  </p:stCondLst>
+                                  <p:childTnLst>
+                                    <p:set>
+                                      <p:cBhvr>
+                                        <p:cTn id="36" dur="1" fill="hold">
+                                          <p:stCondLst>
+                                            <p:cond delay="0"/>
+                                          </p:stCondLst>
+                                        </p:cTn>
+                                        <p:tgtEl>
+                                          <p:spTgt spid="6">
+                                            <p:txEl>
+                                              <p:pRg st="6" end="6"/>
+                                            </p:txEl>
+                                          </p:spTgt>
+                                        </p:tgtEl>
+                                        <p:attrNameLst>
+                                          <p:attrName>style.visibility</p:attrName>
+                                        </p:attrNameLst>
+                                      </p:cBhvr>
+                                      <p:to>
+                                        <p:strVal val="visible"/>
+                                      </p:to>
+                                    </p:set>
+                                    <p:animEffect transition="in" filter="fade">
+                                      <p:cBhvr>
+                                        <p:cTn id="37" dur="500"/>
+                                        <p:tgtEl>
+                                          <p:spTgt spid="6">
+                                            <p:txEl>
+                                              <p:pRg st="6" end="6"/>
+                                            </p:txEl>
+                                          </p:spTgt>
+                                        </p:tgtEl>
+                                      </p:cBhvr>
+                                    </p:animEffect>
+                                  </p:childTnLst>
+                                </p:cTn>
+                              </p:par>
+                            </p:childTnLst>
+                          </p:cTn>
+                        </p:par>
+                      </p:childTnLst>
+                    </p:cTn>
+                  </p:par>
+                  <p:par>
+                    <p:cTn id="38" fill="hold">
+                      <p:stCondLst>
+                        <p:cond delay="indefinite"/>
+                      </p:stCondLst>
+                      <p:childTnLst>
+                        <p:par>
+                          <p:cTn id="39" fill="hold">
+                            <p:stCondLst>
+                              <p:cond delay="0"/>
+                            </p:stCondLst>
+                            <p:childTnLst>
+                              <p:par>
+                                <p:cTn id="40" presetID="10" presetClass="entr" presetSubtype="0" fill="hold" nodeType="clickEffect">
+                                  <p:stCondLst>
+                                    <p:cond delay="0"/>
+                                  </p:stCondLst>
+                                  <p:childTnLst>
+                                    <p:set>
+                                      <p:cBhvr>
+                                        <p:cTn id="41" dur="1" fill="hold">
+                                          <p:stCondLst>
+                                            <p:cond delay="0"/>
+                                          </p:stCondLst>
+                                        </p:cTn>
+                                        <p:tgtEl>
+                                          <p:spTgt spid="6">
+                                            <p:txEl>
+                                              <p:pRg st="7" end="7"/>
+                                            </p:txEl>
+                                          </p:spTgt>
+                                        </p:tgtEl>
+                                        <p:attrNameLst>
+                                          <p:attrName>style.visibility</p:attrName>
+                                        </p:attrNameLst>
+                                      </p:cBhvr>
+                                      <p:to>
+                                        <p:strVal val="visible"/>
+                                      </p:to>
+                                    </p:set>
+                                    <p:animEffect transition="in" filter="fade">
+                                      <p:cBhvr>
+                                        <p:cTn id="42" dur="500"/>
+                                        <p:tgtEl>
+                                          <p:spTgt spid="6">
+                                            <p:txEl>
+                                              <p:pRg st="7" end="7"/>
+                                            </p:txEl>
+                                          </p:spTgt>
+                                        </p:tgtEl>
+                                      </p:cBhvr>
+                                    </p:animEffect>
+                                  </p:childTnLst>
+                                </p:cTn>
+                              </p:par>
+                            </p:childTnLst>
+                          </p:cTn>
+                        </p:par>
+                      </p:childTnLst>
+                    </p:cTn>
+                  </p:par>
+                </p:childTnLst>
+              </p:cTn>
+              <p:prevCondLst>
+                <p:cond evt="onPrev" delay="0">
+                  <p:tgtEl>
+                    <p:sldTgt/>
+                  </p:tgtEl>
+                </p:cond>
+              </p:prevCondLst>
+              <p:nextCondLst>
+                <p:cond evt="onNext" delay="0">
+                  <p:tgtEl>
+                    <p:sldTgt/>
+                  </p:tgtEl>
+                </p:cond>
+              </p:nextCondLst>
+            </p:seq>
+          </p:childTnLst>
+        </p:cTn>
+      </p:par>
+    </p:tnLst>
+  </p:timing>
 </p:sld>
 </file>
 
@@ -4061,12 +6218,128 @@
       </p:grpSpPr>
       <p:sp>
         <p:nvSpPr>
-          <p:cNvPr id="2" name="Title 1"/>
-          <p:cNvSpPr>
-            <a:spLocks noGrp="1"/>
-          </p:cNvSpPr>
-          <p:nvPr>
-            <p:ph type="title"/>
+          <p:cNvPr id="5" name="Content Placeholder 4"/>
+          <p:cNvSpPr>
+            <a:spLocks noGrp="1"/>
+          </p:cNvSpPr>
+          <p:nvPr>
+            <p:ph sz="half" idx="2"/>
+          </p:nvPr>
+        </p:nvSpPr>
+        <p:spPr>
+          <a:xfrm>
+            <a:off x="6251029" y="2364829"/>
+            <a:ext cx="5452240" cy="2522482"/>
+          </a:xfrm>
+          <a:solidFill>
+            <a:schemeClr val="accent6">
+              <a:lumMod val="20000"/>
+              <a:lumOff val="80000"/>
+            </a:schemeClr>
+          </a:solidFill>
+        </p:spPr>
+        <p:style>
+          <a:lnRef idx="2">
+            <a:schemeClr val="accent4"/>
+          </a:lnRef>
+          <a:fillRef idx="1">
+            <a:schemeClr val="lt1"/>
+          </a:fillRef>
+          <a:effectRef idx="0">
+            <a:schemeClr val="accent4"/>
+          </a:effectRef>
+          <a:fontRef idx="minor">
+            <a:schemeClr val="dk1"/>
+          </a:fontRef>
+        </p:style>
+        <p:txBody>
+          <a:bodyPr>
+            <a:noAutofit/>
+          </a:bodyPr>
+          <a:lstStyle/>
+          <a:p>
+            <a:pPr marL="0" indent="0">
+              <a:buNone/>
+            </a:pPr>
+            <a:r>
+              <a:rPr lang="en-US" b="1" u="sng" dirty="0" smtClean="0"/>
+              <a:t># </a:t>
+            </a:r>
+            <a:r>
+              <a:rPr lang="en-US" b="1" u="sng" dirty="0"/>
+              <a:t>Replacing </a:t>
+            </a:r>
+            <a:r>
+              <a:rPr lang="en-US" b="1" u="sng" dirty="0" err="1"/>
+              <a:t>NaN</a:t>
+            </a:r>
+            <a:r>
+              <a:rPr lang="en-US" b="1" u="sng" dirty="0"/>
+              <a:t> values</a:t>
+            </a:r>
+          </a:p>
+          <a:p>
+            <a:pPr marL="0" indent="0">
+              <a:buNone/>
+            </a:pPr>
+            <a:r>
+              <a:rPr lang="en-US" dirty="0" err="1"/>
+              <a:t>input_adding_roll</a:t>
+            </a:r>
+            <a:r>
+              <a:rPr lang="en-US" dirty="0"/>
+              <a:t> = dataframe1.iloc[3,10]</a:t>
+            </a:r>
+          </a:p>
+          <a:p>
+            <a:pPr marL="0" indent="0">
+              <a:buNone/>
+            </a:pPr>
+            <a:r>
+              <a:rPr lang="en-US" dirty="0"/>
+              <a:t>print(</a:t>
+            </a:r>
+            <a:r>
+              <a:rPr lang="en-US" dirty="0" err="1"/>
+              <a:t>input_adding_roll</a:t>
+            </a:r>
+            <a:r>
+              <a:rPr lang="en-US" dirty="0"/>
+              <a:t>)</a:t>
+            </a:r>
+          </a:p>
+          <a:p>
+            <a:pPr marL="0" indent="0">
+              <a:buNone/>
+            </a:pPr>
+            <a:r>
+              <a:rPr lang="en-US" dirty="0"/>
+              <a:t>dataframe1.iloc[3,10] = 15</a:t>
+            </a:r>
+          </a:p>
+          <a:p>
+            <a:pPr marL="0" indent="0">
+              <a:buNone/>
+            </a:pPr>
+            <a:r>
+              <a:rPr lang="en-US" dirty="0" smtClean="0"/>
+              <a:t>print(dataframe1.values</a:t>
+            </a:r>
+            <a:r>
+              <a:rPr lang="en-US" dirty="0"/>
+              <a:t>)</a:t>
+            </a:r>
+          </a:p>
+        </p:txBody>
+      </p:sp>
+      <p:sp>
+        <p:nvSpPr>
+          <p:cNvPr id="2" name="Content Placeholder 1"/>
+          <p:cNvSpPr>
+            <a:spLocks noGrp="1"/>
+          </p:cNvSpPr>
+          <p:nvPr>
+            <p:ph sz="half" idx="1"/>
           </p:nvPr>
         </p:nvSpPr>
         <p:spPr/>
@@ -4074,47 +6347,646 @@
           <a:bodyPr/>
           <a:lstStyle/>
           <a:p>
-            <a:r>
-              <a:rPr lang="en-US" dirty="0" smtClean="0"/>
-              <a:t>Bar graph</a:t>
-            </a:r>
-            <a:endParaRPr lang="en-US" dirty="0"/>
-          </a:p>
-        </p:txBody>
-      </p:sp>
-      <p:sp>
-        <p:nvSpPr>
-          <p:cNvPr id="3" name="Content Placeholder 2"/>
-          <p:cNvSpPr>
-            <a:spLocks noGrp="1"/>
-          </p:cNvSpPr>
-          <p:nvPr>
-            <p:ph idx="1"/>
-          </p:nvPr>
-        </p:nvSpPr>
-        <p:spPr/>
-        <p:txBody>
-          <a:bodyPr/>
-          <a:lstStyle/>
-          <a:p>
-            <a:r>
-              <a:rPr lang="en-US" dirty="0" smtClean="0"/>
-              <a:t>30% &amp; 70% marks</a:t>
-            </a:r>
-            <a:endParaRPr lang="en-US" dirty="0"/>
+            <a:endParaRPr lang="en-US"/>
+          </a:p>
+        </p:txBody>
+      </p:sp>
+      <p:sp>
+        <p:nvSpPr>
+          <p:cNvPr id="7" name="Content Placeholder 6"/>
+          <p:cNvSpPr txBox="1">
+            <a:spLocks/>
+          </p:cNvSpPr>
+          <p:nvPr/>
+        </p:nvSpPr>
+        <p:spPr>
+          <a:xfrm>
+            <a:off x="0" y="1"/>
+            <a:ext cx="5113283" cy="6857999"/>
+          </a:xfrm>
+          <a:prstGeom prst="rect">
+            <a:avLst/>
+          </a:prstGeom>
+          <a:solidFill>
+            <a:srgbClr val="7030A0"/>
+          </a:solidFill>
+        </p:spPr>
+        <p:txBody>
+          <a:bodyPr vert="horz" lIns="91440" tIns="45720" rIns="91440" bIns="45720" rtlCol="0">
+            <a:normAutofit/>
+          </a:bodyPr>
+          <a:lstStyle>
+            <a:lvl1pPr marL="228600" indent="-228600" algn="l" defTabSz="914400" rtl="0" eaLnBrk="1" latinLnBrk="0" hangingPunct="1">
+              <a:lnSpc>
+                <a:spcPct val="90000"/>
+              </a:lnSpc>
+              <a:spcBef>
+                <a:spcPts val="1000"/>
+              </a:spcBef>
+              <a:buFont typeface="Arial" panose="020B0604020202020204" pitchFamily="34" charset="0"/>
+              <a:buChar char="•"/>
+              <a:defRPr sz="2800" kern="1200">
+                <a:solidFill>
+                  <a:schemeClr val="tx1"/>
+                </a:solidFill>
+                <a:latin typeface="+mn-lt"/>
+                <a:ea typeface="+mn-ea"/>
+                <a:cs typeface="+mn-cs"/>
+              </a:defRPr>
+            </a:lvl1pPr>
+            <a:lvl2pPr marL="685800" indent="-228600" algn="l" defTabSz="914400" rtl="0" eaLnBrk="1" latinLnBrk="0" hangingPunct="1">
+              <a:lnSpc>
+                <a:spcPct val="90000"/>
+              </a:lnSpc>
+              <a:spcBef>
+                <a:spcPts val="500"/>
+              </a:spcBef>
+              <a:buFont typeface="Arial" panose="020B0604020202020204" pitchFamily="34" charset="0"/>
+              <a:buChar char="•"/>
+              <a:defRPr sz="2400" kern="1200">
+                <a:solidFill>
+                  <a:schemeClr val="tx1"/>
+                </a:solidFill>
+                <a:latin typeface="+mn-lt"/>
+                <a:ea typeface="+mn-ea"/>
+                <a:cs typeface="+mn-cs"/>
+              </a:defRPr>
+            </a:lvl2pPr>
+            <a:lvl3pPr marL="1143000" indent="-228600" algn="l" defTabSz="914400" rtl="0" eaLnBrk="1" latinLnBrk="0" hangingPunct="1">
+              <a:lnSpc>
+                <a:spcPct val="90000"/>
+              </a:lnSpc>
+              <a:spcBef>
+                <a:spcPts val="500"/>
+              </a:spcBef>
+              <a:buFont typeface="Arial" panose="020B0604020202020204" pitchFamily="34" charset="0"/>
+              <a:buChar char="•"/>
+              <a:defRPr sz="2000" kern="1200">
+                <a:solidFill>
+                  <a:schemeClr val="tx1"/>
+                </a:solidFill>
+                <a:latin typeface="+mn-lt"/>
+                <a:ea typeface="+mn-ea"/>
+                <a:cs typeface="+mn-cs"/>
+              </a:defRPr>
+            </a:lvl3pPr>
+            <a:lvl4pPr marL="1600200" indent="-228600" algn="l" defTabSz="914400" rtl="0" eaLnBrk="1" latinLnBrk="0" hangingPunct="1">
+              <a:lnSpc>
+                <a:spcPct val="90000"/>
+              </a:lnSpc>
+              <a:spcBef>
+                <a:spcPts val="500"/>
+              </a:spcBef>
+              <a:buFont typeface="Arial" panose="020B0604020202020204" pitchFamily="34" charset="0"/>
+              <a:buChar char="•"/>
+              <a:defRPr sz="1800" kern="1200">
+                <a:solidFill>
+                  <a:schemeClr val="tx1"/>
+                </a:solidFill>
+                <a:latin typeface="+mn-lt"/>
+                <a:ea typeface="+mn-ea"/>
+                <a:cs typeface="+mn-cs"/>
+              </a:defRPr>
+            </a:lvl4pPr>
+            <a:lvl5pPr marL="2057400" indent="-228600" algn="l" defTabSz="914400" rtl="0" eaLnBrk="1" latinLnBrk="0" hangingPunct="1">
+              <a:lnSpc>
+                <a:spcPct val="90000"/>
+              </a:lnSpc>
+              <a:spcBef>
+                <a:spcPts val="500"/>
+              </a:spcBef>
+              <a:buFont typeface="Arial" panose="020B0604020202020204" pitchFamily="34" charset="0"/>
+              <a:buChar char="•"/>
+              <a:defRPr sz="1800" kern="1200">
+                <a:solidFill>
+                  <a:schemeClr val="tx1"/>
+                </a:solidFill>
+                <a:latin typeface="+mn-lt"/>
+                <a:ea typeface="+mn-ea"/>
+                <a:cs typeface="+mn-cs"/>
+              </a:defRPr>
+            </a:lvl5pPr>
+            <a:lvl6pPr marL="2514600" indent="-228600" algn="l" defTabSz="914400" rtl="0" eaLnBrk="1" latinLnBrk="0" hangingPunct="1">
+              <a:lnSpc>
+                <a:spcPct val="90000"/>
+              </a:lnSpc>
+              <a:spcBef>
+                <a:spcPts val="500"/>
+              </a:spcBef>
+              <a:buFont typeface="Arial" panose="020B0604020202020204" pitchFamily="34" charset="0"/>
+              <a:buChar char="•"/>
+              <a:defRPr sz="1800" kern="1200">
+                <a:solidFill>
+                  <a:schemeClr val="tx1"/>
+                </a:solidFill>
+                <a:latin typeface="+mn-lt"/>
+                <a:ea typeface="+mn-ea"/>
+                <a:cs typeface="+mn-cs"/>
+              </a:defRPr>
+            </a:lvl6pPr>
+            <a:lvl7pPr marL="2971800" indent="-228600" algn="l" defTabSz="914400" rtl="0" eaLnBrk="1" latinLnBrk="0" hangingPunct="1">
+              <a:lnSpc>
+                <a:spcPct val="90000"/>
+              </a:lnSpc>
+              <a:spcBef>
+                <a:spcPts val="500"/>
+              </a:spcBef>
+              <a:buFont typeface="Arial" panose="020B0604020202020204" pitchFamily="34" charset="0"/>
+              <a:buChar char="•"/>
+              <a:defRPr sz="1800" kern="1200">
+                <a:solidFill>
+                  <a:schemeClr val="tx1"/>
+                </a:solidFill>
+                <a:latin typeface="+mn-lt"/>
+                <a:ea typeface="+mn-ea"/>
+                <a:cs typeface="+mn-cs"/>
+              </a:defRPr>
+            </a:lvl7pPr>
+            <a:lvl8pPr marL="3429000" indent="-228600" algn="l" defTabSz="914400" rtl="0" eaLnBrk="1" latinLnBrk="0" hangingPunct="1">
+              <a:lnSpc>
+                <a:spcPct val="90000"/>
+              </a:lnSpc>
+              <a:spcBef>
+                <a:spcPts val="500"/>
+              </a:spcBef>
+              <a:buFont typeface="Arial" panose="020B0604020202020204" pitchFamily="34" charset="0"/>
+              <a:buChar char="•"/>
+              <a:defRPr sz="1800" kern="1200">
+                <a:solidFill>
+                  <a:schemeClr val="tx1"/>
+                </a:solidFill>
+                <a:latin typeface="+mn-lt"/>
+                <a:ea typeface="+mn-ea"/>
+                <a:cs typeface="+mn-cs"/>
+              </a:defRPr>
+            </a:lvl8pPr>
+            <a:lvl9pPr marL="3886200" indent="-228600" algn="l" defTabSz="914400" rtl="0" eaLnBrk="1" latinLnBrk="0" hangingPunct="1">
+              <a:lnSpc>
+                <a:spcPct val="90000"/>
+              </a:lnSpc>
+              <a:spcBef>
+                <a:spcPts val="500"/>
+              </a:spcBef>
+              <a:buFont typeface="Arial" panose="020B0604020202020204" pitchFamily="34" charset="0"/>
+              <a:buChar char="•"/>
+              <a:defRPr sz="1800" kern="1200">
+                <a:solidFill>
+                  <a:schemeClr val="tx1"/>
+                </a:solidFill>
+                <a:latin typeface="+mn-lt"/>
+                <a:ea typeface="+mn-ea"/>
+                <a:cs typeface="+mn-cs"/>
+              </a:defRPr>
+            </a:lvl9pPr>
+          </a:lstStyle>
+          <a:p>
+            <a:pPr marL="0" indent="0" algn="ctr">
+              <a:buFont typeface="Arial" panose="020B0604020202020204" pitchFamily="34" charset="0"/>
+              <a:buNone/>
+            </a:pPr>
+            <a:endParaRPr lang="en-US" sz="6600" dirty="0" smtClean="0">
+              <a:solidFill>
+                <a:schemeClr val="bg1"/>
+              </a:solidFill>
+            </a:endParaRPr>
+          </a:p>
+          <a:p>
+            <a:pPr marL="0" indent="0" algn="ctr">
+              <a:buFont typeface="Arial" panose="020B0604020202020204" pitchFamily="34" charset="0"/>
+              <a:buNone/>
+            </a:pPr>
+            <a:endParaRPr lang="en-US" sz="6600" dirty="0" smtClean="0">
+              <a:solidFill>
+                <a:schemeClr val="bg1"/>
+              </a:solidFill>
+            </a:endParaRPr>
+          </a:p>
+          <a:p>
+            <a:pPr marL="0" indent="0" algn="ctr">
+              <a:buFont typeface="Arial" panose="020B0604020202020204" pitchFamily="34" charset="0"/>
+              <a:buNone/>
+            </a:pPr>
+            <a:r>
+              <a:rPr lang="en-US" sz="6600" dirty="0" smtClean="0">
+                <a:solidFill>
+                  <a:schemeClr val="bg1"/>
+                </a:solidFill>
+              </a:rPr>
+              <a:t>Handling NA values (Data Imputation)</a:t>
+            </a:r>
+            <a:endParaRPr lang="en-US" sz="6600" dirty="0">
+              <a:solidFill>
+                <a:schemeClr val="bg1"/>
+              </a:solidFill>
+            </a:endParaRPr>
           </a:p>
         </p:txBody>
       </p:sp>
     </p:spTree>
     <p:extLst>
       <p:ext uri="{BB962C8B-B14F-4D97-AF65-F5344CB8AC3E}">
-        <p14:creationId xmlns:p14="http://schemas.microsoft.com/office/powerpoint/2010/main" val="3927879808"/>
+        <p14:creationId xmlns:p14="http://schemas.microsoft.com/office/powerpoint/2010/main" val="2802754654"/>
       </p:ext>
     </p:extLst>
   </p:cSld>
   <p:clrMapOvr>
     <a:masterClrMapping/>
   </p:clrMapOvr>
+  <p:timing>
+    <p:tnLst>
+      <p:par>
+        <p:cTn id="1" dur="indefinite" restart="never" nodeType="tmRoot">
+          <p:childTnLst>
+            <p:seq concurrent="1" nextAc="seek">
+              <p:cTn id="2" dur="indefinite" nodeType="mainSeq">
+                <p:childTnLst>
+                  <p:par>
+                    <p:cTn id="3" fill="hold">
+                      <p:stCondLst>
+                        <p:cond delay="indefinite"/>
+                      </p:stCondLst>
+                      <p:childTnLst>
+                        <p:par>
+                          <p:cTn id="4" fill="hold">
+                            <p:stCondLst>
+                              <p:cond delay="0"/>
+                            </p:stCondLst>
+                            <p:childTnLst>
+                              <p:par>
+                                <p:cTn id="5" presetID="10" presetClass="entr" presetSubtype="0" fill="hold" grpId="0" nodeType="clickEffect">
+                                  <p:stCondLst>
+                                    <p:cond delay="0"/>
+                                  </p:stCondLst>
+                                  <p:childTnLst>
+                                    <p:set>
+                                      <p:cBhvr>
+                                        <p:cTn id="6" dur="1" fill="hold">
+                                          <p:stCondLst>
+                                            <p:cond delay="0"/>
+                                          </p:stCondLst>
+                                        </p:cTn>
+                                        <p:tgtEl>
+                                          <p:spTgt spid="5">
+                                            <p:bg/>
+                                          </p:spTgt>
+                                        </p:tgtEl>
+                                        <p:attrNameLst>
+                                          <p:attrName>style.visibility</p:attrName>
+                                        </p:attrNameLst>
+                                      </p:cBhvr>
+                                      <p:to>
+                                        <p:strVal val="visible"/>
+                                      </p:to>
+                                    </p:set>
+                                    <p:animEffect transition="in" filter="fade">
+                                      <p:cBhvr>
+                                        <p:cTn id="7" dur="500"/>
+                                        <p:tgtEl>
+                                          <p:spTgt spid="5">
+                                            <p:bg/>
+                                          </p:spTgt>
+                                        </p:tgtEl>
+                                      </p:cBhvr>
+                                    </p:animEffect>
+                                  </p:childTnLst>
+                                </p:cTn>
+                              </p:par>
+                            </p:childTnLst>
+                          </p:cTn>
+                        </p:par>
+                      </p:childTnLst>
+                    </p:cTn>
+                  </p:par>
+                  <p:par>
+                    <p:cTn id="8" fill="hold">
+                      <p:stCondLst>
+                        <p:cond delay="indefinite"/>
+                      </p:stCondLst>
+                      <p:childTnLst>
+                        <p:par>
+                          <p:cTn id="9" fill="hold">
+                            <p:stCondLst>
+                              <p:cond delay="0"/>
+                            </p:stCondLst>
+                            <p:childTnLst>
+                              <p:par>
+                                <p:cTn id="10" presetID="10" presetClass="entr" presetSubtype="0" fill="hold" grpId="0" nodeType="clickEffect">
+                                  <p:stCondLst>
+                                    <p:cond delay="0"/>
+                                  </p:stCondLst>
+                                  <p:childTnLst>
+                                    <p:set>
+                                      <p:cBhvr>
+                                        <p:cTn id="11" dur="1" fill="hold">
+                                          <p:stCondLst>
+                                            <p:cond delay="0"/>
+                                          </p:stCondLst>
+                                        </p:cTn>
+                                        <p:tgtEl>
+                                          <p:spTgt spid="5">
+                                            <p:txEl>
+                                              <p:pRg st="0" end="0"/>
+                                            </p:txEl>
+                                          </p:spTgt>
+                                        </p:tgtEl>
+                                        <p:attrNameLst>
+                                          <p:attrName>style.visibility</p:attrName>
+                                        </p:attrNameLst>
+                                      </p:cBhvr>
+                                      <p:to>
+                                        <p:strVal val="visible"/>
+                                      </p:to>
+                                    </p:set>
+                                    <p:animEffect transition="in" filter="fade">
+                                      <p:cBhvr>
+                                        <p:cTn id="12" dur="500"/>
+                                        <p:tgtEl>
+                                          <p:spTgt spid="5">
+                                            <p:txEl>
+                                              <p:pRg st="0" end="0"/>
+                                            </p:txEl>
+                                          </p:spTgt>
+                                        </p:tgtEl>
+                                      </p:cBhvr>
+                                    </p:animEffect>
+                                  </p:childTnLst>
+                                </p:cTn>
+                              </p:par>
+                            </p:childTnLst>
+                          </p:cTn>
+                        </p:par>
+                      </p:childTnLst>
+                    </p:cTn>
+                  </p:par>
+                  <p:par>
+                    <p:cTn id="13" fill="hold">
+                      <p:stCondLst>
+                        <p:cond delay="indefinite"/>
+                      </p:stCondLst>
+                      <p:childTnLst>
+                        <p:par>
+                          <p:cTn id="14" fill="hold">
+                            <p:stCondLst>
+                              <p:cond delay="0"/>
+                            </p:stCondLst>
+                            <p:childTnLst>
+                              <p:par>
+                                <p:cTn id="15" presetID="10" presetClass="entr" presetSubtype="0" fill="hold" grpId="0" nodeType="clickEffect">
+                                  <p:stCondLst>
+                                    <p:cond delay="0"/>
+                                  </p:stCondLst>
+                                  <p:childTnLst>
+                                    <p:set>
+                                      <p:cBhvr>
+                                        <p:cTn id="16" dur="1" fill="hold">
+                                          <p:stCondLst>
+                                            <p:cond delay="0"/>
+                                          </p:stCondLst>
+                                        </p:cTn>
+                                        <p:tgtEl>
+                                          <p:spTgt spid="5">
+                                            <p:txEl>
+                                              <p:pRg st="1" end="1"/>
+                                            </p:txEl>
+                                          </p:spTgt>
+                                        </p:tgtEl>
+                                        <p:attrNameLst>
+                                          <p:attrName>style.visibility</p:attrName>
+                                        </p:attrNameLst>
+                                      </p:cBhvr>
+                                      <p:to>
+                                        <p:strVal val="visible"/>
+                                      </p:to>
+                                    </p:set>
+                                    <p:animEffect transition="in" filter="fade">
+                                      <p:cBhvr>
+                                        <p:cTn id="17" dur="500"/>
+                                        <p:tgtEl>
+                                          <p:spTgt spid="5">
+                                            <p:txEl>
+                                              <p:pRg st="1" end="1"/>
+                                            </p:txEl>
+                                          </p:spTgt>
+                                        </p:tgtEl>
+                                      </p:cBhvr>
+                                    </p:animEffect>
+                                  </p:childTnLst>
+                                </p:cTn>
+                              </p:par>
+                            </p:childTnLst>
+                          </p:cTn>
+                        </p:par>
+                      </p:childTnLst>
+                    </p:cTn>
+                  </p:par>
+                  <p:par>
+                    <p:cTn id="18" fill="hold">
+                      <p:stCondLst>
+                        <p:cond delay="indefinite"/>
+                      </p:stCondLst>
+                      <p:childTnLst>
+                        <p:par>
+                          <p:cTn id="19" fill="hold">
+                            <p:stCondLst>
+                              <p:cond delay="0"/>
+                            </p:stCondLst>
+                            <p:childTnLst>
+                              <p:par>
+                                <p:cTn id="20" presetID="10" presetClass="entr" presetSubtype="0" fill="hold" grpId="0" nodeType="clickEffect">
+                                  <p:stCondLst>
+                                    <p:cond delay="0"/>
+                                  </p:stCondLst>
+                                  <p:childTnLst>
+                                    <p:set>
+                                      <p:cBhvr>
+                                        <p:cTn id="21" dur="1" fill="hold">
+                                          <p:stCondLst>
+                                            <p:cond delay="0"/>
+                                          </p:stCondLst>
+                                        </p:cTn>
+                                        <p:tgtEl>
+                                          <p:spTgt spid="5">
+                                            <p:txEl>
+                                              <p:pRg st="2" end="2"/>
+                                            </p:txEl>
+                                          </p:spTgt>
+                                        </p:tgtEl>
+                                        <p:attrNameLst>
+                                          <p:attrName>style.visibility</p:attrName>
+                                        </p:attrNameLst>
+                                      </p:cBhvr>
+                                      <p:to>
+                                        <p:strVal val="visible"/>
+                                      </p:to>
+                                    </p:set>
+                                    <p:animEffect transition="in" filter="fade">
+                                      <p:cBhvr>
+                                        <p:cTn id="22" dur="500"/>
+                                        <p:tgtEl>
+                                          <p:spTgt spid="5">
+                                            <p:txEl>
+                                              <p:pRg st="2" end="2"/>
+                                            </p:txEl>
+                                          </p:spTgt>
+                                        </p:tgtEl>
+                                      </p:cBhvr>
+                                    </p:animEffect>
+                                  </p:childTnLst>
+                                </p:cTn>
+                              </p:par>
+                            </p:childTnLst>
+                          </p:cTn>
+                        </p:par>
+                      </p:childTnLst>
+                    </p:cTn>
+                  </p:par>
+                  <p:par>
+                    <p:cTn id="23" fill="hold">
+                      <p:stCondLst>
+                        <p:cond delay="indefinite"/>
+                      </p:stCondLst>
+                      <p:childTnLst>
+                        <p:par>
+                          <p:cTn id="24" fill="hold">
+                            <p:stCondLst>
+                              <p:cond delay="0"/>
+                            </p:stCondLst>
+                            <p:childTnLst>
+                              <p:par>
+                                <p:cTn id="25" presetID="10" presetClass="entr" presetSubtype="0" fill="hold" grpId="0" nodeType="clickEffect">
+                                  <p:stCondLst>
+                                    <p:cond delay="0"/>
+                                  </p:stCondLst>
+                                  <p:childTnLst>
+                                    <p:set>
+                                      <p:cBhvr>
+                                        <p:cTn id="26" dur="1" fill="hold">
+                                          <p:stCondLst>
+                                            <p:cond delay="0"/>
+                                          </p:stCondLst>
+                                        </p:cTn>
+                                        <p:tgtEl>
+                                          <p:spTgt spid="5">
+                                            <p:txEl>
+                                              <p:pRg st="3" end="3"/>
+                                            </p:txEl>
+                                          </p:spTgt>
+                                        </p:tgtEl>
+                                        <p:attrNameLst>
+                                          <p:attrName>style.visibility</p:attrName>
+                                        </p:attrNameLst>
+                                      </p:cBhvr>
+                                      <p:to>
+                                        <p:strVal val="visible"/>
+                                      </p:to>
+                                    </p:set>
+                                    <p:animEffect transition="in" filter="fade">
+                                      <p:cBhvr>
+                                        <p:cTn id="27" dur="500"/>
+                                        <p:tgtEl>
+                                          <p:spTgt spid="5">
+                                            <p:txEl>
+                                              <p:pRg st="3" end="3"/>
+                                            </p:txEl>
+                                          </p:spTgt>
+                                        </p:tgtEl>
+                                      </p:cBhvr>
+                                    </p:animEffect>
+                                  </p:childTnLst>
+                                </p:cTn>
+                              </p:par>
+                            </p:childTnLst>
+                          </p:cTn>
+                        </p:par>
+                      </p:childTnLst>
+                    </p:cTn>
+                  </p:par>
+                  <p:par>
+                    <p:cTn id="28" fill="hold">
+                      <p:stCondLst>
+                        <p:cond delay="indefinite"/>
+                      </p:stCondLst>
+                      <p:childTnLst>
+                        <p:par>
+                          <p:cTn id="29" fill="hold">
+                            <p:stCondLst>
+                              <p:cond delay="0"/>
+                            </p:stCondLst>
+                            <p:childTnLst>
+                              <p:par>
+                                <p:cTn id="30" presetID="10" presetClass="entr" presetSubtype="0" fill="hold" grpId="0" nodeType="clickEffect">
+                                  <p:stCondLst>
+                                    <p:cond delay="0"/>
+                                  </p:stCondLst>
+                                  <p:childTnLst>
+                                    <p:set>
+                                      <p:cBhvr>
+                                        <p:cTn id="31" dur="1" fill="hold">
+                                          <p:stCondLst>
+                                            <p:cond delay="0"/>
+                                          </p:stCondLst>
+                                        </p:cTn>
+                                        <p:tgtEl>
+                                          <p:spTgt spid="5">
+                                            <p:txEl>
+                                              <p:pRg st="4" end="4"/>
+                                            </p:txEl>
+                                          </p:spTgt>
+                                        </p:tgtEl>
+                                        <p:attrNameLst>
+                                          <p:attrName>style.visibility</p:attrName>
+                                        </p:attrNameLst>
+                                      </p:cBhvr>
+                                      <p:to>
+                                        <p:strVal val="visible"/>
+                                      </p:to>
+                                    </p:set>
+                                    <p:animEffect transition="in" filter="fade">
+                                      <p:cBhvr>
+                                        <p:cTn id="32" dur="500"/>
+                                        <p:tgtEl>
+                                          <p:spTgt spid="5">
+                                            <p:txEl>
+                                              <p:pRg st="4" end="4"/>
+                                            </p:txEl>
+                                          </p:spTgt>
+                                        </p:tgtEl>
+                                      </p:cBhvr>
+                                    </p:animEffect>
+                                  </p:childTnLst>
+                                </p:cTn>
+                              </p:par>
+                            </p:childTnLst>
+                          </p:cTn>
+                        </p:par>
+                      </p:childTnLst>
+                    </p:cTn>
+                  </p:par>
+                </p:childTnLst>
+              </p:cTn>
+              <p:prevCondLst>
+                <p:cond evt="onPrev" delay="0">
+                  <p:tgtEl>
+                    <p:sldTgt/>
+                  </p:tgtEl>
+                </p:cond>
+              </p:prevCondLst>
+              <p:nextCondLst>
+                <p:cond evt="onNext" delay="0">
+                  <p:tgtEl>
+                    <p:sldTgt/>
+                  </p:tgtEl>
+                </p:cond>
+              </p:nextCondLst>
+            </p:seq>
+          </p:childTnLst>
+        </p:cTn>
+      </p:par>
+    </p:tnLst>
+    <p:bldLst>
+      <p:bldP spid="5" grpId="0" uiExpand="1" build="p" animBg="1"/>
+    </p:bldLst>
+  </p:timing>
 </p:sld>
 </file>
 
@@ -4137,56 +7009,427 @@
       </p:grpSpPr>
       <p:sp>
         <p:nvSpPr>
-          <p:cNvPr id="2" name="Title 1"/>
-          <p:cNvSpPr>
-            <a:spLocks noGrp="1"/>
-          </p:cNvSpPr>
-          <p:nvPr>
-            <p:ph type="title"/>
-          </p:nvPr>
-        </p:nvSpPr>
-        <p:spPr/>
-        <p:txBody>
-          <a:bodyPr/>
+          <p:cNvPr id="3" name="Content Placeholder 2"/>
+          <p:cNvSpPr>
+            <a:spLocks noGrp="1"/>
+          </p:cNvSpPr>
+          <p:nvPr>
+            <p:ph sz="half" idx="1"/>
+          </p:nvPr>
+        </p:nvSpPr>
+        <p:spPr>
+          <a:xfrm>
+            <a:off x="520262" y="283779"/>
+            <a:ext cx="5912068" cy="3815255"/>
+          </a:xfrm>
+          <a:solidFill>
+            <a:schemeClr val="accent1">
+              <a:lumMod val="20000"/>
+              <a:lumOff val="80000"/>
+            </a:schemeClr>
+          </a:solidFill>
+        </p:spPr>
+        <p:txBody>
+          <a:bodyPr>
+            <a:noAutofit/>
+          </a:bodyPr>
           <a:lstStyle/>
           <a:p>
+            <a:pPr marL="0" indent="0">
+              <a:buNone/>
+            </a:pPr>
+            <a:r>
+              <a:rPr lang="en-US" sz="2400" b="1" u="sng" dirty="0"/>
+              <a:t># Develop a Scatter plot of Attendance </a:t>
+            </a:r>
+            <a:r>
+              <a:rPr lang="en-US" sz="2400" b="1" u="sng" dirty="0" err="1"/>
+              <a:t>vs</a:t>
+            </a:r>
+            <a:r>
+              <a:rPr lang="en-US" sz="2400" b="1" u="sng" dirty="0"/>
+              <a:t> the mark of final exam</a:t>
+            </a:r>
+          </a:p>
+          <a:p>
+            <a:pPr marL="0" indent="0">
+              <a:buNone/>
+            </a:pPr>
+            <a:r>
+              <a:rPr lang="en-US" sz="2400" dirty="0"/>
+              <a:t>print("-------------Draw a Scatter Plot: Attendance </a:t>
+            </a:r>
+            <a:r>
+              <a:rPr lang="en-US" sz="2400" dirty="0" err="1"/>
+              <a:t>vs</a:t>
+            </a:r>
+            <a:r>
+              <a:rPr lang="en-US" sz="2400" dirty="0"/>
+              <a:t> Total Mark -----------")</a:t>
+            </a:r>
+          </a:p>
+          <a:p>
+            <a:pPr marL="0" indent="0">
+              <a:buNone/>
+            </a:pPr>
+            <a:r>
+              <a:rPr lang="en-US" sz="2400" dirty="0">
+                <a:solidFill>
+                  <a:srgbClr val="FF0000"/>
+                </a:solidFill>
+              </a:rPr>
+              <a:t>x = </a:t>
+            </a:r>
+            <a:r>
+              <a:rPr lang="en-US" sz="2400" dirty="0" err="1">
+                <a:solidFill>
+                  <a:srgbClr val="FF0000"/>
+                </a:solidFill>
+              </a:rPr>
+              <a:t>input_data</a:t>
+            </a:r>
+            <a:r>
+              <a:rPr lang="en-US" sz="2400" dirty="0">
+                <a:solidFill>
+                  <a:srgbClr val="FF0000"/>
+                </a:solidFill>
+              </a:rPr>
+              <a:t>[:,7] </a:t>
+            </a:r>
+            <a:r>
+              <a:rPr lang="en-US" sz="2400" dirty="0"/>
+              <a:t># independent variable</a:t>
+            </a:r>
+          </a:p>
+          <a:p>
+            <a:pPr marL="0" indent="0">
+              <a:buNone/>
+            </a:pPr>
+            <a:r>
+              <a:rPr lang="en-US" sz="2400" dirty="0">
+                <a:solidFill>
+                  <a:srgbClr val="FF0000"/>
+                </a:solidFill>
+              </a:rPr>
+              <a:t>y = </a:t>
+            </a:r>
+            <a:r>
+              <a:rPr lang="en-US" sz="2400" dirty="0" err="1">
+                <a:solidFill>
+                  <a:srgbClr val="FF0000"/>
+                </a:solidFill>
+              </a:rPr>
+              <a:t>input_data</a:t>
+            </a:r>
+            <a:r>
+              <a:rPr lang="en-US" sz="2400" dirty="0">
+                <a:solidFill>
+                  <a:srgbClr val="FF0000"/>
+                </a:solidFill>
+              </a:rPr>
+              <a:t>[:,12] </a:t>
+            </a:r>
+            <a:r>
+              <a:rPr lang="en-US" sz="2400" dirty="0"/>
+              <a:t># dependent variable</a:t>
+            </a:r>
+          </a:p>
+          <a:p>
+            <a:pPr marL="0" indent="0">
+              <a:buNone/>
+            </a:pPr>
+            <a:r>
+              <a:rPr lang="en-US" sz="2400" dirty="0" err="1">
+                <a:solidFill>
+                  <a:srgbClr val="FF0000"/>
+                </a:solidFill>
+              </a:rPr>
+              <a:t>plt.scatter</a:t>
+            </a:r>
+            <a:r>
+              <a:rPr lang="en-US" sz="2400" dirty="0">
+                <a:solidFill>
+                  <a:srgbClr val="FF0000"/>
+                </a:solidFill>
+              </a:rPr>
+              <a:t>(</a:t>
+            </a:r>
+            <a:r>
+              <a:rPr lang="en-US" sz="2400" dirty="0" err="1">
+                <a:solidFill>
+                  <a:srgbClr val="FF0000"/>
+                </a:solidFill>
+              </a:rPr>
+              <a:t>x,y</a:t>
+            </a:r>
+            <a:r>
+              <a:rPr lang="en-US" sz="2400" dirty="0">
+                <a:solidFill>
+                  <a:srgbClr val="FF0000"/>
+                </a:solidFill>
+              </a:rPr>
+              <a:t>) </a:t>
+            </a:r>
+            <a:r>
+              <a:rPr lang="en-US" sz="2400" dirty="0"/>
+              <a:t># Scatter plot for Attendance </a:t>
+            </a:r>
+            <a:r>
+              <a:rPr lang="en-US" sz="2400" dirty="0" err="1"/>
+              <a:t>vs</a:t>
+            </a:r>
+            <a:r>
+              <a:rPr lang="en-US" sz="2400" dirty="0"/>
+              <a:t> Final exam mark</a:t>
+            </a:r>
+          </a:p>
+          <a:p>
+            <a:pPr marL="0" indent="0">
+              <a:buNone/>
+            </a:pPr>
+            <a:r>
+              <a:rPr lang="en-US" sz="2400" dirty="0" err="1">
+                <a:solidFill>
+                  <a:srgbClr val="FF0000"/>
+                </a:solidFill>
+              </a:rPr>
+              <a:t>plt.show</a:t>
+            </a:r>
+            <a:r>
+              <a:rPr lang="en-US" sz="2400" dirty="0">
+                <a:solidFill>
+                  <a:srgbClr val="FF0000"/>
+                </a:solidFill>
+              </a:rPr>
+              <a:t>() </a:t>
+            </a:r>
+          </a:p>
+        </p:txBody>
+      </p:sp>
+      <p:sp>
+        <p:nvSpPr>
+          <p:cNvPr id="4" name="Content Placeholder 3"/>
+          <p:cNvSpPr>
+            <a:spLocks noGrp="1"/>
+          </p:cNvSpPr>
+          <p:nvPr>
+            <p:ph sz="half" idx="2"/>
+          </p:nvPr>
+        </p:nvSpPr>
+        <p:spPr>
+          <a:xfrm>
+            <a:off x="3841530" y="4430111"/>
+            <a:ext cx="5181600" cy="1324358"/>
+          </a:xfrm>
+          <a:solidFill>
+            <a:schemeClr val="bg1">
+              <a:lumMod val="95000"/>
+            </a:schemeClr>
+          </a:solidFill>
+        </p:spPr>
+        <p:txBody>
+          <a:bodyPr>
+            <a:normAutofit/>
+          </a:bodyPr>
+          <a:lstStyle/>
+          <a:p>
+            <a:pPr marL="0" indent="0">
+              <a:buNone/>
+            </a:pPr>
+            <a:r>
+              <a:rPr lang="en-US" sz="3600" dirty="0" smtClean="0"/>
+              <a:t>dataframe1.boxplot</a:t>
+            </a:r>
+            <a:r>
+              <a:rPr lang="en-US" sz="3600" dirty="0"/>
+              <a:t>()</a:t>
+            </a:r>
+          </a:p>
+          <a:p>
+            <a:pPr marL="0" indent="0">
+              <a:buNone/>
+            </a:pPr>
+            <a:r>
+              <a:rPr lang="en-US" sz="3600" dirty="0"/>
+              <a:t>dataframe1.hist</a:t>
+            </a:r>
+            <a:r>
+              <a:rPr lang="en-US" sz="3600" dirty="0" smtClean="0"/>
+              <a:t>()</a:t>
+            </a:r>
+            <a:endParaRPr lang="en-US" sz="3600" dirty="0"/>
+          </a:p>
+        </p:txBody>
+      </p:sp>
+      <p:sp>
+        <p:nvSpPr>
+          <p:cNvPr id="5" name="Rectangle 4"/>
+          <p:cNvSpPr/>
+          <p:nvPr/>
+        </p:nvSpPr>
+        <p:spPr>
+          <a:xfrm>
+            <a:off x="6432330" y="283779"/>
+            <a:ext cx="5759670" cy="3785652"/>
+          </a:xfrm>
+          <a:prstGeom prst="rect">
+            <a:avLst/>
+          </a:prstGeom>
+          <a:solidFill>
+            <a:schemeClr val="accent4">
+              <a:lumMod val="20000"/>
+              <a:lumOff val="80000"/>
+            </a:schemeClr>
+          </a:solidFill>
+        </p:spPr>
+        <p:txBody>
+          <a:bodyPr wrap="square">
+            <a:spAutoFit/>
+          </a:bodyPr>
+          <a:lstStyle/>
+          <a:p>
+            <a:r>
+              <a:rPr lang="en-US" u="sng" dirty="0"/>
+              <a:t># Develop a Scatter plot of class test </a:t>
+            </a:r>
+            <a:r>
+              <a:rPr lang="en-US" u="sng" dirty="0" err="1"/>
+              <a:t>vs</a:t>
+            </a:r>
+            <a:r>
+              <a:rPr lang="en-US" u="sng" dirty="0"/>
+              <a:t> the mark of final exam</a:t>
+            </a:r>
+          </a:p>
+          <a:p>
+            <a:r>
+              <a:rPr lang="en-US" dirty="0"/>
+              <a:t>print</a:t>
+            </a:r>
             <a:r>
               <a:rPr lang="en-US" dirty="0" smtClean="0"/>
-              <a:t>Scatter Plot</a:t>
-            </a:r>
-            <a:endParaRPr lang="en-US" dirty="0"/>
-          </a:p>
-        </p:txBody>
-      </p:sp>
-      <p:sp>
-        <p:nvSpPr>
-          <p:cNvPr id="3" name="Content Placeholder 2"/>
-          <p:cNvSpPr>
-            <a:spLocks noGrp="1"/>
-          </p:cNvSpPr>
-          <p:nvPr>
-            <p:ph idx="1"/>
-          </p:nvPr>
-        </p:nvSpPr>
-        <p:spPr/>
-        <p:txBody>
-          <a:bodyPr/>
-          <a:lstStyle/>
-          <a:p>
-            <a:endParaRPr lang="en-US"/>
+              <a:t>("Draw </a:t>
+            </a:r>
+            <a:r>
+              <a:rPr lang="en-US" dirty="0"/>
+              <a:t>a Scatter Plot: Class Test </a:t>
+            </a:r>
+            <a:r>
+              <a:rPr lang="en-US" dirty="0" err="1"/>
+              <a:t>vs</a:t>
+            </a:r>
+            <a:r>
+              <a:rPr lang="en-US" dirty="0"/>
+              <a:t> Total Mark </a:t>
+            </a:r>
+            <a:r>
+              <a:rPr lang="en-US" dirty="0" smtClean="0"/>
+              <a:t>-----------")</a:t>
+            </a:r>
+          </a:p>
+          <a:p>
+            <a:r>
+              <a:rPr lang="en-US" sz="2400" dirty="0" err="1" smtClean="0"/>
+              <a:t>x_ct</a:t>
+            </a:r>
+            <a:r>
+              <a:rPr lang="en-US" sz="2400" dirty="0" smtClean="0"/>
+              <a:t> </a:t>
+            </a:r>
+            <a:r>
+              <a:rPr lang="en-US" sz="2400" dirty="0"/>
+              <a:t>= </a:t>
+            </a:r>
+            <a:r>
+              <a:rPr lang="en-US" sz="2400" dirty="0" err="1"/>
+              <a:t>input_data</a:t>
+            </a:r>
+            <a:r>
+              <a:rPr lang="en-US" sz="2400" dirty="0"/>
+              <a:t>[:,6] # independent variable</a:t>
+            </a:r>
+          </a:p>
+          <a:p>
+            <a:r>
+              <a:rPr lang="en-US" sz="2400" dirty="0" err="1"/>
+              <a:t>y_final_exam</a:t>
+            </a:r>
+            <a:r>
+              <a:rPr lang="en-US" sz="2400" dirty="0"/>
+              <a:t> = </a:t>
+            </a:r>
+            <a:r>
+              <a:rPr lang="en-US" sz="2400" dirty="0" err="1"/>
+              <a:t>input_data</a:t>
+            </a:r>
+            <a:r>
+              <a:rPr lang="en-US" sz="2400" dirty="0"/>
+              <a:t>[:,12] # dependent variable</a:t>
+            </a:r>
+          </a:p>
+          <a:p>
+            <a:r>
+              <a:rPr lang="en-US" sz="2400" dirty="0" err="1"/>
+              <a:t>plt.scatter</a:t>
+            </a:r>
+            <a:r>
+              <a:rPr lang="en-US" sz="2400" dirty="0"/>
+              <a:t>(</a:t>
+            </a:r>
+            <a:r>
+              <a:rPr lang="en-US" sz="2400" dirty="0" err="1"/>
+              <a:t>x_ct</a:t>
+            </a:r>
+            <a:r>
+              <a:rPr lang="en-US" sz="2400" dirty="0"/>
+              <a:t>, </a:t>
+            </a:r>
+            <a:r>
+              <a:rPr lang="en-US" sz="2400" dirty="0" err="1"/>
+              <a:t>y_final_exam</a:t>
+            </a:r>
+            <a:r>
+              <a:rPr lang="en-US" sz="2400" dirty="0"/>
+              <a:t>) # Scatter plot for Attendance </a:t>
+            </a:r>
+            <a:r>
+              <a:rPr lang="en-US" sz="2400" dirty="0" err="1"/>
+              <a:t>vs</a:t>
+            </a:r>
+            <a:r>
+              <a:rPr lang="en-US" sz="2400" dirty="0"/>
+              <a:t> Final exam mark</a:t>
+            </a:r>
+          </a:p>
+          <a:p>
+            <a:r>
+              <a:rPr lang="en-US" sz="2400" dirty="0" err="1"/>
+              <a:t>plt.show</a:t>
+            </a:r>
+            <a:r>
+              <a:rPr lang="en-US" sz="2400" dirty="0"/>
+              <a:t>() </a:t>
+            </a:r>
           </a:p>
         </p:txBody>
       </p:sp>
     </p:spTree>
     <p:extLst>
       <p:ext uri="{BB962C8B-B14F-4D97-AF65-F5344CB8AC3E}">
-        <p14:creationId xmlns:p14="http://schemas.microsoft.com/office/powerpoint/2010/main" val="3969692461"/>
+        <p14:creationId xmlns:p14="http://schemas.microsoft.com/office/powerpoint/2010/main" val="1777102035"/>
       </p:ext>
     </p:extLst>
   </p:cSld>
   <p:clrMapOvr>
     <a:masterClrMapping/>
   </p:clrMapOvr>
+  <p:timing>
+    <p:tnLst>
+      <p:par>
+        <p:cTn id="1" dur="indefinite" restart="never" nodeType="tmRoot"/>
+      </p:par>
+    </p:tnLst>
+  </p:timing>
 </p:sld>
 </file>
 
@@ -4209,71 +7452,853 @@
       </p:grpSpPr>
       <p:sp>
         <p:nvSpPr>
-          <p:cNvPr id="2" name="Title 1"/>
-          <p:cNvSpPr>
-            <a:spLocks noGrp="1"/>
-          </p:cNvSpPr>
-          <p:nvPr>
-            <p:ph type="title"/>
-          </p:nvPr>
-        </p:nvSpPr>
-        <p:spPr/>
+          <p:cNvPr id="3" name="Content Placeholder 2"/>
+          <p:cNvSpPr>
+            <a:spLocks noGrp="1"/>
+          </p:cNvSpPr>
+          <p:nvPr>
+            <p:ph sz="half" idx="1"/>
+          </p:nvPr>
+        </p:nvSpPr>
+        <p:spPr>
+          <a:xfrm>
+            <a:off x="520261" y="283779"/>
+            <a:ext cx="6747641" cy="5580993"/>
+          </a:xfrm>
+          <a:solidFill>
+            <a:schemeClr val="accent1">
+              <a:lumMod val="20000"/>
+              <a:lumOff val="80000"/>
+            </a:schemeClr>
+          </a:solidFill>
+        </p:spPr>
+        <p:txBody>
+          <a:bodyPr>
+            <a:noAutofit/>
+          </a:bodyPr>
+          <a:lstStyle/>
+          <a:p>
+            <a:pPr marL="0" indent="0">
+              <a:buNone/>
+            </a:pPr>
+            <a:r>
+              <a:rPr lang="en-US" b="1" u="sng" dirty="0"/>
+              <a:t># Develop a Scatter plot of Attendance </a:t>
+            </a:r>
+            <a:r>
+              <a:rPr lang="en-US" b="1" u="sng" dirty="0" err="1"/>
+              <a:t>vs</a:t>
+            </a:r>
+            <a:r>
+              <a:rPr lang="en-US" b="1" u="sng" dirty="0"/>
+              <a:t> the mark of final exam</a:t>
+            </a:r>
+          </a:p>
+          <a:p>
+            <a:pPr marL="0" indent="0">
+              <a:buNone/>
+            </a:pPr>
+            <a:r>
+              <a:rPr lang="en-US" dirty="0"/>
+              <a:t>print("-------------Draw a Scatter Plot: Attendance </a:t>
+            </a:r>
+            <a:r>
+              <a:rPr lang="en-US" dirty="0" err="1"/>
+              <a:t>vs</a:t>
+            </a:r>
+            <a:r>
+              <a:rPr lang="en-US" dirty="0"/>
+              <a:t> Total Mark -----------")</a:t>
+            </a:r>
+          </a:p>
+          <a:p>
+            <a:pPr marL="0" indent="0">
+              <a:buNone/>
+            </a:pPr>
+            <a:r>
+              <a:rPr lang="en-US" dirty="0">
+                <a:solidFill>
+                  <a:srgbClr val="FF0000"/>
+                </a:solidFill>
+              </a:rPr>
+              <a:t>x = </a:t>
+            </a:r>
+            <a:r>
+              <a:rPr lang="en-US" dirty="0" err="1">
+                <a:solidFill>
+                  <a:srgbClr val="FF0000"/>
+                </a:solidFill>
+              </a:rPr>
+              <a:t>input_data</a:t>
+            </a:r>
+            <a:r>
+              <a:rPr lang="en-US" dirty="0">
+                <a:solidFill>
+                  <a:srgbClr val="FF0000"/>
+                </a:solidFill>
+              </a:rPr>
+              <a:t>[:,7] </a:t>
+            </a:r>
+            <a:r>
+              <a:rPr lang="en-US" dirty="0"/>
+              <a:t># independent variable</a:t>
+            </a:r>
+          </a:p>
+          <a:p>
+            <a:pPr marL="0" indent="0">
+              <a:buNone/>
+            </a:pPr>
+            <a:r>
+              <a:rPr lang="en-US" dirty="0">
+                <a:solidFill>
+                  <a:srgbClr val="FF0000"/>
+                </a:solidFill>
+              </a:rPr>
+              <a:t>y = </a:t>
+            </a:r>
+            <a:r>
+              <a:rPr lang="en-US" dirty="0" err="1">
+                <a:solidFill>
+                  <a:srgbClr val="FF0000"/>
+                </a:solidFill>
+              </a:rPr>
+              <a:t>input_data</a:t>
+            </a:r>
+            <a:r>
+              <a:rPr lang="en-US" dirty="0">
+                <a:solidFill>
+                  <a:srgbClr val="FF0000"/>
+                </a:solidFill>
+              </a:rPr>
+              <a:t>[:,12] </a:t>
+            </a:r>
+            <a:r>
+              <a:rPr lang="en-US" dirty="0"/>
+              <a:t># dependent variable</a:t>
+            </a:r>
+          </a:p>
+          <a:p>
+            <a:pPr marL="0" indent="0">
+              <a:buNone/>
+            </a:pPr>
+            <a:r>
+              <a:rPr lang="en-US" dirty="0" err="1">
+                <a:solidFill>
+                  <a:srgbClr val="FF0000"/>
+                </a:solidFill>
+              </a:rPr>
+              <a:t>plt.scatter</a:t>
+            </a:r>
+            <a:r>
+              <a:rPr lang="en-US" dirty="0">
+                <a:solidFill>
+                  <a:srgbClr val="FF0000"/>
+                </a:solidFill>
+              </a:rPr>
+              <a:t>(</a:t>
+            </a:r>
+            <a:r>
+              <a:rPr lang="en-US" dirty="0" err="1">
+                <a:solidFill>
+                  <a:srgbClr val="FF0000"/>
+                </a:solidFill>
+              </a:rPr>
+              <a:t>x,y</a:t>
+            </a:r>
+            <a:r>
+              <a:rPr lang="en-US" dirty="0">
+                <a:solidFill>
+                  <a:srgbClr val="FF0000"/>
+                </a:solidFill>
+              </a:rPr>
+              <a:t>) </a:t>
+            </a:r>
+            <a:r>
+              <a:rPr lang="en-US" dirty="0"/>
+              <a:t># Scatter plot for Attendance </a:t>
+            </a:r>
+            <a:r>
+              <a:rPr lang="en-US" dirty="0" err="1"/>
+              <a:t>vs</a:t>
+            </a:r>
+            <a:r>
+              <a:rPr lang="en-US" dirty="0"/>
+              <a:t> Final exam mark</a:t>
+            </a:r>
+          </a:p>
+          <a:p>
+            <a:pPr marL="0" indent="0">
+              <a:buNone/>
+            </a:pPr>
+            <a:r>
+              <a:rPr lang="en-US" dirty="0" err="1">
+                <a:solidFill>
+                  <a:srgbClr val="FF0000"/>
+                </a:solidFill>
+              </a:rPr>
+              <a:t>plt.show</a:t>
+            </a:r>
+            <a:r>
+              <a:rPr lang="en-US" dirty="0">
+                <a:solidFill>
+                  <a:srgbClr val="FF0000"/>
+                </a:solidFill>
+              </a:rPr>
+              <a:t>() </a:t>
+            </a:r>
+          </a:p>
+        </p:txBody>
+      </p:sp>
+      <p:sp>
+        <p:nvSpPr>
+          <p:cNvPr id="2" name="Content Placeholder 1"/>
+          <p:cNvSpPr>
+            <a:spLocks noGrp="1"/>
+          </p:cNvSpPr>
+          <p:nvPr>
+            <p:ph sz="half" idx="2"/>
+          </p:nvPr>
+        </p:nvSpPr>
+        <p:spPr>
+          <a:xfrm>
+            <a:off x="7882758" y="1825625"/>
+            <a:ext cx="3471041" cy="4351338"/>
+          </a:xfrm>
+        </p:spPr>
         <p:txBody>
           <a:bodyPr/>
           <a:lstStyle/>
           <a:p>
-            <a:r>
-              <a:rPr lang="en-US" dirty="0" smtClean="0"/>
-              <a:t>Box Plot</a:t>
-            </a:r>
-            <a:endParaRPr lang="en-US" dirty="0"/>
-          </a:p>
-        </p:txBody>
-      </p:sp>
-      <p:sp>
-        <p:nvSpPr>
-          <p:cNvPr id="3" name="Content Placeholder 2"/>
-          <p:cNvSpPr>
-            <a:spLocks noGrp="1"/>
-          </p:cNvSpPr>
-          <p:nvPr>
-            <p:ph idx="1"/>
-          </p:nvPr>
-        </p:nvSpPr>
-        <p:spPr/>
-        <p:txBody>
-          <a:bodyPr/>
-          <a:lstStyle/>
-          <a:p>
-            <a:r>
-              <a:rPr lang="en-US" dirty="0">
-                <a:hlinkClick r:id="rId2"/>
+            <a:endParaRPr lang="en-US"/>
+          </a:p>
+        </p:txBody>
+      </p:sp>
+      <p:sp>
+        <p:nvSpPr>
+          <p:cNvPr id="6" name="Content Placeholder 6"/>
+          <p:cNvSpPr txBox="1">
+            <a:spLocks/>
+          </p:cNvSpPr>
+          <p:nvPr/>
+        </p:nvSpPr>
+        <p:spPr>
+          <a:xfrm>
+            <a:off x="7267902" y="1"/>
+            <a:ext cx="4907017" cy="6857999"/>
+          </a:xfrm>
+          <a:prstGeom prst="rect">
+            <a:avLst/>
+          </a:prstGeom>
+          <a:solidFill>
+            <a:srgbClr val="7030A0"/>
+          </a:solidFill>
+        </p:spPr>
+        <p:txBody>
+          <a:bodyPr vert="horz" lIns="91440" tIns="45720" rIns="91440" bIns="45720" rtlCol="0">
+            <a:normAutofit/>
+          </a:bodyPr>
+          <a:lstStyle>
+            <a:lvl1pPr marL="228600" indent="-228600" algn="l" defTabSz="914400" rtl="0" eaLnBrk="1" latinLnBrk="0" hangingPunct="1">
+              <a:lnSpc>
+                <a:spcPct val="90000"/>
+              </a:lnSpc>
+              <a:spcBef>
+                <a:spcPts val="1000"/>
+              </a:spcBef>
+              <a:buFont typeface="Arial" panose="020B0604020202020204" pitchFamily="34" charset="0"/>
+              <a:buChar char="•"/>
+              <a:defRPr sz="2800" kern="1200">
+                <a:solidFill>
+                  <a:schemeClr val="tx1"/>
+                </a:solidFill>
+                <a:latin typeface="+mn-lt"/>
+                <a:ea typeface="+mn-ea"/>
+                <a:cs typeface="+mn-cs"/>
+              </a:defRPr>
+            </a:lvl1pPr>
+            <a:lvl2pPr marL="685800" indent="-228600" algn="l" defTabSz="914400" rtl="0" eaLnBrk="1" latinLnBrk="0" hangingPunct="1">
+              <a:lnSpc>
+                <a:spcPct val="90000"/>
+              </a:lnSpc>
+              <a:spcBef>
+                <a:spcPts val="500"/>
+              </a:spcBef>
+              <a:buFont typeface="Arial" panose="020B0604020202020204" pitchFamily="34" charset="0"/>
+              <a:buChar char="•"/>
+              <a:defRPr sz="2400" kern="1200">
+                <a:solidFill>
+                  <a:schemeClr val="tx1"/>
+                </a:solidFill>
+                <a:latin typeface="+mn-lt"/>
+                <a:ea typeface="+mn-ea"/>
+                <a:cs typeface="+mn-cs"/>
+              </a:defRPr>
+            </a:lvl2pPr>
+            <a:lvl3pPr marL="1143000" indent="-228600" algn="l" defTabSz="914400" rtl="0" eaLnBrk="1" latinLnBrk="0" hangingPunct="1">
+              <a:lnSpc>
+                <a:spcPct val="90000"/>
+              </a:lnSpc>
+              <a:spcBef>
+                <a:spcPts val="500"/>
+              </a:spcBef>
+              <a:buFont typeface="Arial" panose="020B0604020202020204" pitchFamily="34" charset="0"/>
+              <a:buChar char="•"/>
+              <a:defRPr sz="2000" kern="1200">
+                <a:solidFill>
+                  <a:schemeClr val="tx1"/>
+                </a:solidFill>
+                <a:latin typeface="+mn-lt"/>
+                <a:ea typeface="+mn-ea"/>
+                <a:cs typeface="+mn-cs"/>
+              </a:defRPr>
+            </a:lvl3pPr>
+            <a:lvl4pPr marL="1600200" indent="-228600" algn="l" defTabSz="914400" rtl="0" eaLnBrk="1" latinLnBrk="0" hangingPunct="1">
+              <a:lnSpc>
+                <a:spcPct val="90000"/>
+              </a:lnSpc>
+              <a:spcBef>
+                <a:spcPts val="500"/>
+              </a:spcBef>
+              <a:buFont typeface="Arial" panose="020B0604020202020204" pitchFamily="34" charset="0"/>
+              <a:buChar char="•"/>
+              <a:defRPr sz="1800" kern="1200">
+                <a:solidFill>
+                  <a:schemeClr val="tx1"/>
+                </a:solidFill>
+                <a:latin typeface="+mn-lt"/>
+                <a:ea typeface="+mn-ea"/>
+                <a:cs typeface="+mn-cs"/>
+              </a:defRPr>
+            </a:lvl4pPr>
+            <a:lvl5pPr marL="2057400" indent="-228600" algn="l" defTabSz="914400" rtl="0" eaLnBrk="1" latinLnBrk="0" hangingPunct="1">
+              <a:lnSpc>
+                <a:spcPct val="90000"/>
+              </a:lnSpc>
+              <a:spcBef>
+                <a:spcPts val="500"/>
+              </a:spcBef>
+              <a:buFont typeface="Arial" panose="020B0604020202020204" pitchFamily="34" charset="0"/>
+              <a:buChar char="•"/>
+              <a:defRPr sz="1800" kern="1200">
+                <a:solidFill>
+                  <a:schemeClr val="tx1"/>
+                </a:solidFill>
+                <a:latin typeface="+mn-lt"/>
+                <a:ea typeface="+mn-ea"/>
+                <a:cs typeface="+mn-cs"/>
+              </a:defRPr>
+            </a:lvl5pPr>
+            <a:lvl6pPr marL="2514600" indent="-228600" algn="l" defTabSz="914400" rtl="0" eaLnBrk="1" latinLnBrk="0" hangingPunct="1">
+              <a:lnSpc>
+                <a:spcPct val="90000"/>
+              </a:lnSpc>
+              <a:spcBef>
+                <a:spcPts val="500"/>
+              </a:spcBef>
+              <a:buFont typeface="Arial" panose="020B0604020202020204" pitchFamily="34" charset="0"/>
+              <a:buChar char="•"/>
+              <a:defRPr sz="1800" kern="1200">
+                <a:solidFill>
+                  <a:schemeClr val="tx1"/>
+                </a:solidFill>
+                <a:latin typeface="+mn-lt"/>
+                <a:ea typeface="+mn-ea"/>
+                <a:cs typeface="+mn-cs"/>
+              </a:defRPr>
+            </a:lvl6pPr>
+            <a:lvl7pPr marL="2971800" indent="-228600" algn="l" defTabSz="914400" rtl="0" eaLnBrk="1" latinLnBrk="0" hangingPunct="1">
+              <a:lnSpc>
+                <a:spcPct val="90000"/>
+              </a:lnSpc>
+              <a:spcBef>
+                <a:spcPts val="500"/>
+              </a:spcBef>
+              <a:buFont typeface="Arial" panose="020B0604020202020204" pitchFamily="34" charset="0"/>
+              <a:buChar char="•"/>
+              <a:defRPr sz="1800" kern="1200">
+                <a:solidFill>
+                  <a:schemeClr val="tx1"/>
+                </a:solidFill>
+                <a:latin typeface="+mn-lt"/>
+                <a:ea typeface="+mn-ea"/>
+                <a:cs typeface="+mn-cs"/>
+              </a:defRPr>
+            </a:lvl7pPr>
+            <a:lvl8pPr marL="3429000" indent="-228600" algn="l" defTabSz="914400" rtl="0" eaLnBrk="1" latinLnBrk="0" hangingPunct="1">
+              <a:lnSpc>
+                <a:spcPct val="90000"/>
+              </a:lnSpc>
+              <a:spcBef>
+                <a:spcPts val="500"/>
+              </a:spcBef>
+              <a:buFont typeface="Arial" panose="020B0604020202020204" pitchFamily="34" charset="0"/>
+              <a:buChar char="•"/>
+              <a:defRPr sz="1800" kern="1200">
+                <a:solidFill>
+                  <a:schemeClr val="tx1"/>
+                </a:solidFill>
+                <a:latin typeface="+mn-lt"/>
+                <a:ea typeface="+mn-ea"/>
+                <a:cs typeface="+mn-cs"/>
+              </a:defRPr>
+            </a:lvl8pPr>
+            <a:lvl9pPr marL="3886200" indent="-228600" algn="l" defTabSz="914400" rtl="0" eaLnBrk="1" latinLnBrk="0" hangingPunct="1">
+              <a:lnSpc>
+                <a:spcPct val="90000"/>
+              </a:lnSpc>
+              <a:spcBef>
+                <a:spcPts val="500"/>
+              </a:spcBef>
+              <a:buFont typeface="Arial" panose="020B0604020202020204" pitchFamily="34" charset="0"/>
+              <a:buChar char="•"/>
+              <a:defRPr sz="1800" kern="1200">
+                <a:solidFill>
+                  <a:schemeClr val="tx1"/>
+                </a:solidFill>
+                <a:latin typeface="+mn-lt"/>
+                <a:ea typeface="+mn-ea"/>
+                <a:cs typeface="+mn-cs"/>
+              </a:defRPr>
+            </a:lvl9pPr>
+          </a:lstStyle>
+          <a:p>
+            <a:pPr marL="0" indent="0" algn="ctr">
+              <a:buFont typeface="Arial" panose="020B0604020202020204" pitchFamily="34" charset="0"/>
+              <a:buNone/>
+            </a:pPr>
+            <a:endParaRPr lang="en-US" sz="8800" dirty="0">
+              <a:solidFill>
+                <a:schemeClr val="bg1"/>
+              </a:solidFill>
+            </a:endParaRPr>
+          </a:p>
+          <a:p>
+            <a:pPr marL="0" indent="0" algn="ctr">
+              <a:buFont typeface="Arial" panose="020B0604020202020204" pitchFamily="34" charset="0"/>
+              <a:buNone/>
+            </a:pPr>
+            <a:r>
+              <a:rPr lang="en-US" sz="8800" dirty="0" smtClean="0">
+                <a:solidFill>
+                  <a:schemeClr val="bg1"/>
+                </a:solidFill>
               </a:rPr>
-              <a:t>https://matplotlib.org/api/_</a:t>
-            </a:r>
-            <a:r>
-              <a:rPr lang="en-US" dirty="0" smtClean="0">
-                <a:hlinkClick r:id="rId2"/>
-              </a:rPr>
-              <a:t>as_gen/matplotlib.pyplot.boxplot.html</a:t>
-            </a:r>
-            <a:endParaRPr lang="en-US" dirty="0" smtClean="0"/>
-          </a:p>
-          <a:p>
-            <a:endParaRPr lang="en-US" dirty="0"/>
+              <a:t>Draw a Scatter Plot</a:t>
+            </a:r>
+            <a:endParaRPr lang="en-US" sz="8800" dirty="0">
+              <a:solidFill>
+                <a:schemeClr val="bg1"/>
+              </a:solidFill>
+            </a:endParaRPr>
           </a:p>
         </p:txBody>
       </p:sp>
     </p:spTree>
     <p:extLst>
       <p:ext uri="{BB962C8B-B14F-4D97-AF65-F5344CB8AC3E}">
-        <p14:creationId xmlns:p14="http://schemas.microsoft.com/office/powerpoint/2010/main" val="4109822290"/>
+        <p14:creationId xmlns:p14="http://schemas.microsoft.com/office/powerpoint/2010/main" val="921027976"/>
       </p:ext>
     </p:extLst>
   </p:cSld>
   <p:clrMapOvr>
     <a:masterClrMapping/>
   </p:clrMapOvr>
+  <p:timing>
+    <p:tnLst>
+      <p:par>
+        <p:cTn id="1" dur="indefinite" restart="never" nodeType="tmRoot">
+          <p:childTnLst>
+            <p:seq concurrent="1" nextAc="seek">
+              <p:cTn id="2" dur="indefinite" nodeType="mainSeq">
+                <p:childTnLst>
+                  <p:par>
+                    <p:cTn id="3" fill="hold">
+                      <p:stCondLst>
+                        <p:cond delay="indefinite"/>
+                      </p:stCondLst>
+                      <p:childTnLst>
+                        <p:par>
+                          <p:cTn id="4" fill="hold">
+                            <p:stCondLst>
+                              <p:cond delay="0"/>
+                            </p:stCondLst>
+                            <p:childTnLst>
+                              <p:par>
+                                <p:cTn id="5" presetID="10" presetClass="entr" presetSubtype="0" fill="hold" nodeType="clickEffect">
+                                  <p:stCondLst>
+                                    <p:cond delay="0"/>
+                                  </p:stCondLst>
+                                  <p:childTnLst>
+                                    <p:set>
+                                      <p:cBhvr>
+                                        <p:cTn id="6" dur="1" fill="hold">
+                                          <p:stCondLst>
+                                            <p:cond delay="0"/>
+                                          </p:stCondLst>
+                                        </p:cTn>
+                                        <p:tgtEl>
+                                          <p:spTgt spid="3">
+                                            <p:txEl>
+                                              <p:pRg st="0" end="0"/>
+                                            </p:txEl>
+                                          </p:spTgt>
+                                        </p:tgtEl>
+                                        <p:attrNameLst>
+                                          <p:attrName>style.visibility</p:attrName>
+                                        </p:attrNameLst>
+                                      </p:cBhvr>
+                                      <p:to>
+                                        <p:strVal val="visible"/>
+                                      </p:to>
+                                    </p:set>
+                                    <p:animEffect transition="in" filter="fade">
+                                      <p:cBhvr>
+                                        <p:cTn id="7" dur="500"/>
+                                        <p:tgtEl>
+                                          <p:spTgt spid="3">
+                                            <p:txEl>
+                                              <p:pRg st="0" end="0"/>
+                                            </p:txEl>
+                                          </p:spTgt>
+                                        </p:tgtEl>
+                                      </p:cBhvr>
+                                    </p:animEffect>
+                                  </p:childTnLst>
+                                </p:cTn>
+                              </p:par>
+                            </p:childTnLst>
+                          </p:cTn>
+                        </p:par>
+                      </p:childTnLst>
+                    </p:cTn>
+                  </p:par>
+                  <p:par>
+                    <p:cTn id="8" fill="hold">
+                      <p:stCondLst>
+                        <p:cond delay="indefinite"/>
+                      </p:stCondLst>
+                      <p:childTnLst>
+                        <p:par>
+                          <p:cTn id="9" fill="hold">
+                            <p:stCondLst>
+                              <p:cond delay="0"/>
+                            </p:stCondLst>
+                            <p:childTnLst>
+                              <p:par>
+                                <p:cTn id="10" presetID="10" presetClass="entr" presetSubtype="0" fill="hold" nodeType="clickEffect">
+                                  <p:stCondLst>
+                                    <p:cond delay="0"/>
+                                  </p:stCondLst>
+                                  <p:childTnLst>
+                                    <p:set>
+                                      <p:cBhvr>
+                                        <p:cTn id="11" dur="1" fill="hold">
+                                          <p:stCondLst>
+                                            <p:cond delay="0"/>
+                                          </p:stCondLst>
+                                        </p:cTn>
+                                        <p:tgtEl>
+                                          <p:spTgt spid="3">
+                                            <p:txEl>
+                                              <p:pRg st="1" end="1"/>
+                                            </p:txEl>
+                                          </p:spTgt>
+                                        </p:tgtEl>
+                                        <p:attrNameLst>
+                                          <p:attrName>style.visibility</p:attrName>
+                                        </p:attrNameLst>
+                                      </p:cBhvr>
+                                      <p:to>
+                                        <p:strVal val="visible"/>
+                                      </p:to>
+                                    </p:set>
+                                    <p:animEffect transition="in" filter="fade">
+                                      <p:cBhvr>
+                                        <p:cTn id="12" dur="500"/>
+                                        <p:tgtEl>
+                                          <p:spTgt spid="3">
+                                            <p:txEl>
+                                              <p:pRg st="1" end="1"/>
+                                            </p:txEl>
+                                          </p:spTgt>
+                                        </p:tgtEl>
+                                      </p:cBhvr>
+                                    </p:animEffect>
+                                  </p:childTnLst>
+                                </p:cTn>
+                              </p:par>
+                            </p:childTnLst>
+                          </p:cTn>
+                        </p:par>
+                      </p:childTnLst>
+                    </p:cTn>
+                  </p:par>
+                  <p:par>
+                    <p:cTn id="13" fill="hold">
+                      <p:stCondLst>
+                        <p:cond delay="indefinite"/>
+                      </p:stCondLst>
+                      <p:childTnLst>
+                        <p:par>
+                          <p:cTn id="14" fill="hold">
+                            <p:stCondLst>
+                              <p:cond delay="0"/>
+                            </p:stCondLst>
+                            <p:childTnLst>
+                              <p:par>
+                                <p:cTn id="15" presetID="10" presetClass="entr" presetSubtype="0" fill="hold" nodeType="clickEffect">
+                                  <p:stCondLst>
+                                    <p:cond delay="0"/>
+                                  </p:stCondLst>
+                                  <p:childTnLst>
+                                    <p:set>
+                                      <p:cBhvr>
+                                        <p:cTn id="16" dur="1" fill="hold">
+                                          <p:stCondLst>
+                                            <p:cond delay="0"/>
+                                          </p:stCondLst>
+                                        </p:cTn>
+                                        <p:tgtEl>
+                                          <p:spTgt spid="3">
+                                            <p:txEl>
+                                              <p:pRg st="2" end="2"/>
+                                            </p:txEl>
+                                          </p:spTgt>
+                                        </p:tgtEl>
+                                        <p:attrNameLst>
+                                          <p:attrName>style.visibility</p:attrName>
+                                        </p:attrNameLst>
+                                      </p:cBhvr>
+                                      <p:to>
+                                        <p:strVal val="visible"/>
+                                      </p:to>
+                                    </p:set>
+                                    <p:animEffect transition="in" filter="fade">
+                                      <p:cBhvr>
+                                        <p:cTn id="17" dur="500"/>
+                                        <p:tgtEl>
+                                          <p:spTgt spid="3">
+                                            <p:txEl>
+                                              <p:pRg st="2" end="2"/>
+                                            </p:txEl>
+                                          </p:spTgt>
+                                        </p:tgtEl>
+                                      </p:cBhvr>
+                                    </p:animEffect>
+                                  </p:childTnLst>
+                                </p:cTn>
+                              </p:par>
+                            </p:childTnLst>
+                          </p:cTn>
+                        </p:par>
+                      </p:childTnLst>
+                    </p:cTn>
+                  </p:par>
+                  <p:par>
+                    <p:cTn id="18" fill="hold">
+                      <p:stCondLst>
+                        <p:cond delay="indefinite"/>
+                      </p:stCondLst>
+                      <p:childTnLst>
+                        <p:par>
+                          <p:cTn id="19" fill="hold">
+                            <p:stCondLst>
+                              <p:cond delay="0"/>
+                            </p:stCondLst>
+                            <p:childTnLst>
+                              <p:par>
+                                <p:cTn id="20" presetID="10" presetClass="entr" presetSubtype="0" fill="hold" nodeType="clickEffect">
+                                  <p:stCondLst>
+                                    <p:cond delay="0"/>
+                                  </p:stCondLst>
+                                  <p:childTnLst>
+                                    <p:set>
+                                      <p:cBhvr>
+                                        <p:cTn id="21" dur="1" fill="hold">
+                                          <p:stCondLst>
+                                            <p:cond delay="0"/>
+                                          </p:stCondLst>
+                                        </p:cTn>
+                                        <p:tgtEl>
+                                          <p:spTgt spid="3">
+                                            <p:txEl>
+                                              <p:pRg st="3" end="3"/>
+                                            </p:txEl>
+                                          </p:spTgt>
+                                        </p:tgtEl>
+                                        <p:attrNameLst>
+                                          <p:attrName>style.visibility</p:attrName>
+                                        </p:attrNameLst>
+                                      </p:cBhvr>
+                                      <p:to>
+                                        <p:strVal val="visible"/>
+                                      </p:to>
+                                    </p:set>
+                                    <p:animEffect transition="in" filter="fade">
+                                      <p:cBhvr>
+                                        <p:cTn id="22" dur="500"/>
+                                        <p:tgtEl>
+                                          <p:spTgt spid="3">
+                                            <p:txEl>
+                                              <p:pRg st="3" end="3"/>
+                                            </p:txEl>
+                                          </p:spTgt>
+                                        </p:tgtEl>
+                                      </p:cBhvr>
+                                    </p:animEffect>
+                                  </p:childTnLst>
+                                </p:cTn>
+                              </p:par>
+                            </p:childTnLst>
+                          </p:cTn>
+                        </p:par>
+                      </p:childTnLst>
+                    </p:cTn>
+                  </p:par>
+                  <p:par>
+                    <p:cTn id="23" fill="hold">
+                      <p:stCondLst>
+                        <p:cond delay="indefinite"/>
+                      </p:stCondLst>
+                      <p:childTnLst>
+                        <p:par>
+                          <p:cTn id="24" fill="hold">
+                            <p:stCondLst>
+                              <p:cond delay="0"/>
+                            </p:stCondLst>
+                            <p:childTnLst>
+                              <p:par>
+                                <p:cTn id="25" presetID="10" presetClass="entr" presetSubtype="0" fill="hold" nodeType="clickEffect">
+                                  <p:stCondLst>
+                                    <p:cond delay="0"/>
+                                  </p:stCondLst>
+                                  <p:childTnLst>
+                                    <p:set>
+                                      <p:cBhvr>
+                                        <p:cTn id="26" dur="1" fill="hold">
+                                          <p:stCondLst>
+                                            <p:cond delay="0"/>
+                                          </p:stCondLst>
+                                        </p:cTn>
+                                        <p:tgtEl>
+                                          <p:spTgt spid="3">
+                                            <p:txEl>
+                                              <p:pRg st="4" end="4"/>
+                                            </p:txEl>
+                                          </p:spTgt>
+                                        </p:tgtEl>
+                                        <p:attrNameLst>
+                                          <p:attrName>style.visibility</p:attrName>
+                                        </p:attrNameLst>
+                                      </p:cBhvr>
+                                      <p:to>
+                                        <p:strVal val="visible"/>
+                                      </p:to>
+                                    </p:set>
+                                    <p:animEffect transition="in" filter="fade">
+                                      <p:cBhvr>
+                                        <p:cTn id="27" dur="500"/>
+                                        <p:tgtEl>
+                                          <p:spTgt spid="3">
+                                            <p:txEl>
+                                              <p:pRg st="4" end="4"/>
+                                            </p:txEl>
+                                          </p:spTgt>
+                                        </p:tgtEl>
+                                      </p:cBhvr>
+                                    </p:animEffect>
+                                  </p:childTnLst>
+                                </p:cTn>
+                              </p:par>
+                            </p:childTnLst>
+                          </p:cTn>
+                        </p:par>
+                      </p:childTnLst>
+                    </p:cTn>
+                  </p:par>
+                  <p:par>
+                    <p:cTn id="28" fill="hold">
+                      <p:stCondLst>
+                        <p:cond delay="indefinite"/>
+                      </p:stCondLst>
+                      <p:childTnLst>
+                        <p:par>
+                          <p:cTn id="29" fill="hold">
+                            <p:stCondLst>
+                              <p:cond delay="0"/>
+                            </p:stCondLst>
+                            <p:childTnLst>
+                              <p:par>
+                                <p:cTn id="30" presetID="10" presetClass="entr" presetSubtype="0" fill="hold" nodeType="clickEffect">
+                                  <p:stCondLst>
+                                    <p:cond delay="0"/>
+                                  </p:stCondLst>
+                                  <p:childTnLst>
+                                    <p:set>
+                                      <p:cBhvr>
+                                        <p:cTn id="31" dur="1" fill="hold">
+                                          <p:stCondLst>
+                                            <p:cond delay="0"/>
+                                          </p:stCondLst>
+                                        </p:cTn>
+                                        <p:tgtEl>
+                                          <p:spTgt spid="3">
+                                            <p:txEl>
+                                              <p:pRg st="5" end="5"/>
+                                            </p:txEl>
+                                          </p:spTgt>
+                                        </p:tgtEl>
+                                        <p:attrNameLst>
+                                          <p:attrName>style.visibility</p:attrName>
+                                        </p:attrNameLst>
+                                      </p:cBhvr>
+                                      <p:to>
+                                        <p:strVal val="visible"/>
+                                      </p:to>
+                                    </p:set>
+                                    <p:animEffect transition="in" filter="fade">
+                                      <p:cBhvr>
+                                        <p:cTn id="32" dur="500"/>
+                                        <p:tgtEl>
+                                          <p:spTgt spid="3">
+                                            <p:txEl>
+                                              <p:pRg st="5" end="5"/>
+                                            </p:txEl>
+                                          </p:spTgt>
+                                        </p:tgtEl>
+                                      </p:cBhvr>
+                                    </p:animEffect>
+                                  </p:childTnLst>
+                                </p:cTn>
+                              </p:par>
+                            </p:childTnLst>
+                          </p:cTn>
+                        </p:par>
+                      </p:childTnLst>
+                    </p:cTn>
+                  </p:par>
+                </p:childTnLst>
+              </p:cTn>
+              <p:prevCondLst>
+                <p:cond evt="onPrev" delay="0">
+                  <p:tgtEl>
+                    <p:sldTgt/>
+                  </p:tgtEl>
+                </p:cond>
+              </p:prevCondLst>
+              <p:nextCondLst>
+                <p:cond evt="onNext" delay="0">
+                  <p:tgtEl>
+                    <p:sldTgt/>
+                  </p:tgtEl>
+                </p:cond>
+              </p:nextCondLst>
+            </p:seq>
+          </p:childTnLst>
+        </p:cTn>
+      </p:par>
+    </p:tnLst>
+  </p:timing>
 </p:sld>
 </file>
 
@@ -4366,6 +8391,1098 @@
     <p:extLst>
       <p:ext uri="{BB962C8B-B14F-4D97-AF65-F5344CB8AC3E}">
         <p14:creationId xmlns:p14="http://schemas.microsoft.com/office/powerpoint/2010/main" val="1130553487"/>
+      </p:ext>
+    </p:extLst>
+  </p:cSld>
+  <p:clrMapOvr>
+    <a:masterClrMapping/>
+  </p:clrMapOvr>
+</p:sld>
+</file>
+
+<file path=ppt/slides/slide20.xml><?xml version="1.0" encoding="utf-8"?>
+<p:sld xmlns:a="http://schemas.openxmlformats.org/drawingml/2006/main" xmlns:r="http://schemas.openxmlformats.org/officeDocument/2006/relationships" xmlns:p="http://schemas.openxmlformats.org/presentationml/2006/main">
+  <p:cSld>
+    <p:spTree>
+      <p:nvGrpSpPr>
+        <p:cNvPr id="1" name=""/>
+        <p:cNvGrpSpPr/>
+        <p:nvPr/>
+      </p:nvGrpSpPr>
+      <p:grpSpPr>
+        <a:xfrm>
+          <a:off x="0" y="0"/>
+          <a:ext cx="0" cy="0"/>
+          <a:chOff x="0" y="0"/>
+          <a:chExt cx="0" cy="0"/>
+        </a:xfrm>
+      </p:grpSpPr>
+      <p:sp>
+        <p:nvSpPr>
+          <p:cNvPr id="4" name="Content Placeholder 3"/>
+          <p:cNvSpPr>
+            <a:spLocks noGrp="1"/>
+          </p:cNvSpPr>
+          <p:nvPr>
+            <p:ph sz="half" idx="2"/>
+          </p:nvPr>
+        </p:nvSpPr>
+        <p:spPr>
+          <a:xfrm>
+            <a:off x="838200" y="2766821"/>
+            <a:ext cx="5181600" cy="1324358"/>
+          </a:xfrm>
+          <a:solidFill>
+            <a:schemeClr val="bg1">
+              <a:lumMod val="95000"/>
+            </a:schemeClr>
+          </a:solidFill>
+        </p:spPr>
+        <p:txBody>
+          <a:bodyPr>
+            <a:normAutofit/>
+          </a:bodyPr>
+          <a:lstStyle/>
+          <a:p>
+            <a:pPr marL="0" indent="0">
+              <a:buNone/>
+            </a:pPr>
+            <a:r>
+              <a:rPr lang="en-US" sz="3600" dirty="0" smtClean="0"/>
+              <a:t>dataframe1.boxplot</a:t>
+            </a:r>
+            <a:r>
+              <a:rPr lang="en-US" sz="3600" dirty="0"/>
+              <a:t>()</a:t>
+            </a:r>
+          </a:p>
+          <a:p>
+            <a:pPr marL="0" indent="0">
+              <a:buNone/>
+            </a:pPr>
+            <a:r>
+              <a:rPr lang="en-US" sz="3600" dirty="0"/>
+              <a:t>dataframe1.hist</a:t>
+            </a:r>
+            <a:r>
+              <a:rPr lang="en-US" sz="3600" dirty="0" smtClean="0"/>
+              <a:t>()</a:t>
+            </a:r>
+            <a:endParaRPr lang="en-US" sz="3600" dirty="0"/>
+          </a:p>
+        </p:txBody>
+      </p:sp>
+      <p:sp>
+        <p:nvSpPr>
+          <p:cNvPr id="6" name="Content Placeholder 6"/>
+          <p:cNvSpPr txBox="1">
+            <a:spLocks/>
+          </p:cNvSpPr>
+          <p:nvPr/>
+        </p:nvSpPr>
+        <p:spPr>
+          <a:xfrm>
+            <a:off x="7078717" y="1"/>
+            <a:ext cx="5113283" cy="6857999"/>
+          </a:xfrm>
+          <a:prstGeom prst="rect">
+            <a:avLst/>
+          </a:prstGeom>
+          <a:solidFill>
+            <a:srgbClr val="7030A0"/>
+          </a:solidFill>
+        </p:spPr>
+        <p:txBody>
+          <a:bodyPr vert="horz" lIns="91440" tIns="45720" rIns="91440" bIns="45720" rtlCol="0">
+            <a:normAutofit/>
+          </a:bodyPr>
+          <a:lstStyle>
+            <a:lvl1pPr marL="228600" indent="-228600" algn="l" defTabSz="914400" rtl="0" eaLnBrk="1" latinLnBrk="0" hangingPunct="1">
+              <a:lnSpc>
+                <a:spcPct val="90000"/>
+              </a:lnSpc>
+              <a:spcBef>
+                <a:spcPts val="1000"/>
+              </a:spcBef>
+              <a:buFont typeface="Arial" panose="020B0604020202020204" pitchFamily="34" charset="0"/>
+              <a:buChar char="•"/>
+              <a:defRPr sz="2800" kern="1200">
+                <a:solidFill>
+                  <a:schemeClr val="tx1"/>
+                </a:solidFill>
+                <a:latin typeface="+mn-lt"/>
+                <a:ea typeface="+mn-ea"/>
+                <a:cs typeface="+mn-cs"/>
+              </a:defRPr>
+            </a:lvl1pPr>
+            <a:lvl2pPr marL="685800" indent="-228600" algn="l" defTabSz="914400" rtl="0" eaLnBrk="1" latinLnBrk="0" hangingPunct="1">
+              <a:lnSpc>
+                <a:spcPct val="90000"/>
+              </a:lnSpc>
+              <a:spcBef>
+                <a:spcPts val="500"/>
+              </a:spcBef>
+              <a:buFont typeface="Arial" panose="020B0604020202020204" pitchFamily="34" charset="0"/>
+              <a:buChar char="•"/>
+              <a:defRPr sz="2400" kern="1200">
+                <a:solidFill>
+                  <a:schemeClr val="tx1"/>
+                </a:solidFill>
+                <a:latin typeface="+mn-lt"/>
+                <a:ea typeface="+mn-ea"/>
+                <a:cs typeface="+mn-cs"/>
+              </a:defRPr>
+            </a:lvl2pPr>
+            <a:lvl3pPr marL="1143000" indent="-228600" algn="l" defTabSz="914400" rtl="0" eaLnBrk="1" latinLnBrk="0" hangingPunct="1">
+              <a:lnSpc>
+                <a:spcPct val="90000"/>
+              </a:lnSpc>
+              <a:spcBef>
+                <a:spcPts val="500"/>
+              </a:spcBef>
+              <a:buFont typeface="Arial" panose="020B0604020202020204" pitchFamily="34" charset="0"/>
+              <a:buChar char="•"/>
+              <a:defRPr sz="2000" kern="1200">
+                <a:solidFill>
+                  <a:schemeClr val="tx1"/>
+                </a:solidFill>
+                <a:latin typeface="+mn-lt"/>
+                <a:ea typeface="+mn-ea"/>
+                <a:cs typeface="+mn-cs"/>
+              </a:defRPr>
+            </a:lvl3pPr>
+            <a:lvl4pPr marL="1600200" indent="-228600" algn="l" defTabSz="914400" rtl="0" eaLnBrk="1" latinLnBrk="0" hangingPunct="1">
+              <a:lnSpc>
+                <a:spcPct val="90000"/>
+              </a:lnSpc>
+              <a:spcBef>
+                <a:spcPts val="500"/>
+              </a:spcBef>
+              <a:buFont typeface="Arial" panose="020B0604020202020204" pitchFamily="34" charset="0"/>
+              <a:buChar char="•"/>
+              <a:defRPr sz="1800" kern="1200">
+                <a:solidFill>
+                  <a:schemeClr val="tx1"/>
+                </a:solidFill>
+                <a:latin typeface="+mn-lt"/>
+                <a:ea typeface="+mn-ea"/>
+                <a:cs typeface="+mn-cs"/>
+              </a:defRPr>
+            </a:lvl4pPr>
+            <a:lvl5pPr marL="2057400" indent="-228600" algn="l" defTabSz="914400" rtl="0" eaLnBrk="1" latinLnBrk="0" hangingPunct="1">
+              <a:lnSpc>
+                <a:spcPct val="90000"/>
+              </a:lnSpc>
+              <a:spcBef>
+                <a:spcPts val="500"/>
+              </a:spcBef>
+              <a:buFont typeface="Arial" panose="020B0604020202020204" pitchFamily="34" charset="0"/>
+              <a:buChar char="•"/>
+              <a:defRPr sz="1800" kern="1200">
+                <a:solidFill>
+                  <a:schemeClr val="tx1"/>
+                </a:solidFill>
+                <a:latin typeface="+mn-lt"/>
+                <a:ea typeface="+mn-ea"/>
+                <a:cs typeface="+mn-cs"/>
+              </a:defRPr>
+            </a:lvl5pPr>
+            <a:lvl6pPr marL="2514600" indent="-228600" algn="l" defTabSz="914400" rtl="0" eaLnBrk="1" latinLnBrk="0" hangingPunct="1">
+              <a:lnSpc>
+                <a:spcPct val="90000"/>
+              </a:lnSpc>
+              <a:spcBef>
+                <a:spcPts val="500"/>
+              </a:spcBef>
+              <a:buFont typeface="Arial" panose="020B0604020202020204" pitchFamily="34" charset="0"/>
+              <a:buChar char="•"/>
+              <a:defRPr sz="1800" kern="1200">
+                <a:solidFill>
+                  <a:schemeClr val="tx1"/>
+                </a:solidFill>
+                <a:latin typeface="+mn-lt"/>
+                <a:ea typeface="+mn-ea"/>
+                <a:cs typeface="+mn-cs"/>
+              </a:defRPr>
+            </a:lvl6pPr>
+            <a:lvl7pPr marL="2971800" indent="-228600" algn="l" defTabSz="914400" rtl="0" eaLnBrk="1" latinLnBrk="0" hangingPunct="1">
+              <a:lnSpc>
+                <a:spcPct val="90000"/>
+              </a:lnSpc>
+              <a:spcBef>
+                <a:spcPts val="500"/>
+              </a:spcBef>
+              <a:buFont typeface="Arial" panose="020B0604020202020204" pitchFamily="34" charset="0"/>
+              <a:buChar char="•"/>
+              <a:defRPr sz="1800" kern="1200">
+                <a:solidFill>
+                  <a:schemeClr val="tx1"/>
+                </a:solidFill>
+                <a:latin typeface="+mn-lt"/>
+                <a:ea typeface="+mn-ea"/>
+                <a:cs typeface="+mn-cs"/>
+              </a:defRPr>
+            </a:lvl7pPr>
+            <a:lvl8pPr marL="3429000" indent="-228600" algn="l" defTabSz="914400" rtl="0" eaLnBrk="1" latinLnBrk="0" hangingPunct="1">
+              <a:lnSpc>
+                <a:spcPct val="90000"/>
+              </a:lnSpc>
+              <a:spcBef>
+                <a:spcPts val="500"/>
+              </a:spcBef>
+              <a:buFont typeface="Arial" panose="020B0604020202020204" pitchFamily="34" charset="0"/>
+              <a:buChar char="•"/>
+              <a:defRPr sz="1800" kern="1200">
+                <a:solidFill>
+                  <a:schemeClr val="tx1"/>
+                </a:solidFill>
+                <a:latin typeface="+mn-lt"/>
+                <a:ea typeface="+mn-ea"/>
+                <a:cs typeface="+mn-cs"/>
+              </a:defRPr>
+            </a:lvl8pPr>
+            <a:lvl9pPr marL="3886200" indent="-228600" algn="l" defTabSz="914400" rtl="0" eaLnBrk="1" latinLnBrk="0" hangingPunct="1">
+              <a:lnSpc>
+                <a:spcPct val="90000"/>
+              </a:lnSpc>
+              <a:spcBef>
+                <a:spcPts val="500"/>
+              </a:spcBef>
+              <a:buFont typeface="Arial" panose="020B0604020202020204" pitchFamily="34" charset="0"/>
+              <a:buChar char="•"/>
+              <a:defRPr sz="1800" kern="1200">
+                <a:solidFill>
+                  <a:schemeClr val="tx1"/>
+                </a:solidFill>
+                <a:latin typeface="+mn-lt"/>
+                <a:ea typeface="+mn-ea"/>
+                <a:cs typeface="+mn-cs"/>
+              </a:defRPr>
+            </a:lvl9pPr>
+          </a:lstStyle>
+          <a:p>
+            <a:pPr marL="0" indent="0" algn="ctr">
+              <a:buFont typeface="Arial" panose="020B0604020202020204" pitchFamily="34" charset="0"/>
+              <a:buNone/>
+            </a:pPr>
+            <a:endParaRPr lang="en-US" sz="6600" dirty="0" smtClean="0">
+              <a:solidFill>
+                <a:schemeClr val="bg1"/>
+              </a:solidFill>
+            </a:endParaRPr>
+          </a:p>
+          <a:p>
+            <a:pPr marL="0" indent="0" algn="ctr">
+              <a:buFont typeface="Arial" panose="020B0604020202020204" pitchFamily="34" charset="0"/>
+              <a:buNone/>
+            </a:pPr>
+            <a:endParaRPr lang="en-US" sz="6600" dirty="0">
+              <a:solidFill>
+                <a:schemeClr val="bg1"/>
+              </a:solidFill>
+            </a:endParaRPr>
+          </a:p>
+          <a:p>
+            <a:pPr marL="0" indent="0" algn="ctr">
+              <a:buFont typeface="Arial" panose="020B0604020202020204" pitchFamily="34" charset="0"/>
+              <a:buNone/>
+            </a:pPr>
+            <a:r>
+              <a:rPr lang="en-US" sz="6600" dirty="0" smtClean="0">
+                <a:solidFill>
+                  <a:schemeClr val="bg1"/>
+                </a:solidFill>
+              </a:rPr>
+              <a:t>Box Plot</a:t>
+            </a:r>
+          </a:p>
+          <a:p>
+            <a:pPr marL="0" indent="0" algn="ctr">
+              <a:buFont typeface="Arial" panose="020B0604020202020204" pitchFamily="34" charset="0"/>
+              <a:buNone/>
+            </a:pPr>
+            <a:r>
+              <a:rPr lang="en-US" sz="6600" dirty="0" smtClean="0">
+                <a:solidFill>
+                  <a:schemeClr val="bg1"/>
+                </a:solidFill>
+              </a:rPr>
+              <a:t>Histogram</a:t>
+            </a:r>
+            <a:endParaRPr lang="en-US" sz="6600" dirty="0">
+              <a:solidFill>
+                <a:schemeClr val="bg1"/>
+              </a:solidFill>
+            </a:endParaRPr>
+          </a:p>
+        </p:txBody>
+      </p:sp>
+    </p:spTree>
+    <p:extLst>
+      <p:ext uri="{BB962C8B-B14F-4D97-AF65-F5344CB8AC3E}">
+        <p14:creationId xmlns:p14="http://schemas.microsoft.com/office/powerpoint/2010/main" val="2950334635"/>
+      </p:ext>
+    </p:extLst>
+  </p:cSld>
+  <p:clrMapOvr>
+    <a:masterClrMapping/>
+  </p:clrMapOvr>
+  <p:timing>
+    <p:tnLst>
+      <p:par>
+        <p:cTn id="1" dur="indefinite" restart="never" nodeType="tmRoot">
+          <p:childTnLst>
+            <p:seq concurrent="1" nextAc="seek">
+              <p:cTn id="2" dur="indefinite" nodeType="mainSeq">
+                <p:childTnLst>
+                  <p:par>
+                    <p:cTn id="3" fill="hold">
+                      <p:stCondLst>
+                        <p:cond delay="indefinite"/>
+                      </p:stCondLst>
+                      <p:childTnLst>
+                        <p:par>
+                          <p:cTn id="4" fill="hold">
+                            <p:stCondLst>
+                              <p:cond delay="0"/>
+                            </p:stCondLst>
+                            <p:childTnLst>
+                              <p:par>
+                                <p:cTn id="5" presetID="10" presetClass="entr" presetSubtype="0" fill="hold" nodeType="clickEffect">
+                                  <p:stCondLst>
+                                    <p:cond delay="0"/>
+                                  </p:stCondLst>
+                                  <p:childTnLst>
+                                    <p:set>
+                                      <p:cBhvr>
+                                        <p:cTn id="6" dur="1" fill="hold">
+                                          <p:stCondLst>
+                                            <p:cond delay="0"/>
+                                          </p:stCondLst>
+                                        </p:cTn>
+                                        <p:tgtEl>
+                                          <p:spTgt spid="4">
+                                            <p:txEl>
+                                              <p:pRg st="0" end="0"/>
+                                            </p:txEl>
+                                          </p:spTgt>
+                                        </p:tgtEl>
+                                        <p:attrNameLst>
+                                          <p:attrName>style.visibility</p:attrName>
+                                        </p:attrNameLst>
+                                      </p:cBhvr>
+                                      <p:to>
+                                        <p:strVal val="visible"/>
+                                      </p:to>
+                                    </p:set>
+                                    <p:animEffect transition="in" filter="fade">
+                                      <p:cBhvr>
+                                        <p:cTn id="7" dur="500"/>
+                                        <p:tgtEl>
+                                          <p:spTgt spid="4">
+                                            <p:txEl>
+                                              <p:pRg st="0" end="0"/>
+                                            </p:txEl>
+                                          </p:spTgt>
+                                        </p:tgtEl>
+                                      </p:cBhvr>
+                                    </p:animEffect>
+                                  </p:childTnLst>
+                                </p:cTn>
+                              </p:par>
+                            </p:childTnLst>
+                          </p:cTn>
+                        </p:par>
+                      </p:childTnLst>
+                    </p:cTn>
+                  </p:par>
+                  <p:par>
+                    <p:cTn id="8" fill="hold">
+                      <p:stCondLst>
+                        <p:cond delay="indefinite"/>
+                      </p:stCondLst>
+                      <p:childTnLst>
+                        <p:par>
+                          <p:cTn id="9" fill="hold">
+                            <p:stCondLst>
+                              <p:cond delay="0"/>
+                            </p:stCondLst>
+                            <p:childTnLst>
+                              <p:par>
+                                <p:cTn id="10" presetID="10" presetClass="entr" presetSubtype="0" fill="hold" nodeType="clickEffect">
+                                  <p:stCondLst>
+                                    <p:cond delay="0"/>
+                                  </p:stCondLst>
+                                  <p:childTnLst>
+                                    <p:set>
+                                      <p:cBhvr>
+                                        <p:cTn id="11" dur="1" fill="hold">
+                                          <p:stCondLst>
+                                            <p:cond delay="0"/>
+                                          </p:stCondLst>
+                                        </p:cTn>
+                                        <p:tgtEl>
+                                          <p:spTgt spid="4">
+                                            <p:txEl>
+                                              <p:pRg st="1" end="1"/>
+                                            </p:txEl>
+                                          </p:spTgt>
+                                        </p:tgtEl>
+                                        <p:attrNameLst>
+                                          <p:attrName>style.visibility</p:attrName>
+                                        </p:attrNameLst>
+                                      </p:cBhvr>
+                                      <p:to>
+                                        <p:strVal val="visible"/>
+                                      </p:to>
+                                    </p:set>
+                                    <p:animEffect transition="in" filter="fade">
+                                      <p:cBhvr>
+                                        <p:cTn id="12" dur="500"/>
+                                        <p:tgtEl>
+                                          <p:spTgt spid="4">
+                                            <p:txEl>
+                                              <p:pRg st="1" end="1"/>
+                                            </p:txEl>
+                                          </p:spTgt>
+                                        </p:tgtEl>
+                                      </p:cBhvr>
+                                    </p:animEffect>
+                                  </p:childTnLst>
+                                </p:cTn>
+                              </p:par>
+                            </p:childTnLst>
+                          </p:cTn>
+                        </p:par>
+                      </p:childTnLst>
+                    </p:cTn>
+                  </p:par>
+                </p:childTnLst>
+              </p:cTn>
+              <p:prevCondLst>
+                <p:cond evt="onPrev" delay="0">
+                  <p:tgtEl>
+                    <p:sldTgt/>
+                  </p:tgtEl>
+                </p:cond>
+              </p:prevCondLst>
+              <p:nextCondLst>
+                <p:cond evt="onNext" delay="0">
+                  <p:tgtEl>
+                    <p:sldTgt/>
+                  </p:tgtEl>
+                </p:cond>
+              </p:nextCondLst>
+            </p:seq>
+          </p:childTnLst>
+        </p:cTn>
+      </p:par>
+    </p:tnLst>
+  </p:timing>
+</p:sld>
+</file>
+
+<file path=ppt/slides/slide21.xml><?xml version="1.0" encoding="utf-8"?>
+<p:sld xmlns:a="http://schemas.openxmlformats.org/drawingml/2006/main" xmlns:r="http://schemas.openxmlformats.org/officeDocument/2006/relationships" xmlns:p="http://schemas.openxmlformats.org/presentationml/2006/main">
+  <p:cSld>
+    <p:spTree>
+      <p:nvGrpSpPr>
+        <p:cNvPr id="1" name=""/>
+        <p:cNvGrpSpPr/>
+        <p:nvPr/>
+      </p:nvGrpSpPr>
+      <p:grpSpPr>
+        <a:xfrm>
+          <a:off x="0" y="0"/>
+          <a:ext cx="0" cy="0"/>
+          <a:chOff x="0" y="0"/>
+          <a:chExt cx="0" cy="0"/>
+        </a:xfrm>
+      </p:grpSpPr>
+      <p:sp>
+        <p:nvSpPr>
+          <p:cNvPr id="2" name="Title 1"/>
+          <p:cNvSpPr>
+            <a:spLocks noGrp="1"/>
+          </p:cNvSpPr>
+          <p:nvPr>
+            <p:ph type="title"/>
+          </p:nvPr>
+        </p:nvSpPr>
+        <p:spPr/>
+        <p:txBody>
+          <a:bodyPr/>
+          <a:lstStyle/>
+          <a:p>
+            <a:r>
+              <a:rPr lang="en-US" dirty="0" smtClean="0"/>
+              <a:t>Data Visualization tools</a:t>
+            </a:r>
+            <a:endParaRPr lang="en-US" dirty="0"/>
+          </a:p>
+        </p:txBody>
+      </p:sp>
+      <p:sp>
+        <p:nvSpPr>
+          <p:cNvPr id="3" name="Content Placeholder 2"/>
+          <p:cNvSpPr>
+            <a:spLocks noGrp="1"/>
+          </p:cNvSpPr>
+          <p:nvPr>
+            <p:ph idx="1"/>
+          </p:nvPr>
+        </p:nvSpPr>
+        <p:spPr/>
+        <p:txBody>
+          <a:bodyPr>
+            <a:normAutofit lnSpcReduction="10000"/>
+          </a:bodyPr>
+          <a:lstStyle/>
+          <a:p>
+            <a:r>
+              <a:rPr lang="en-US" dirty="0" smtClean="0"/>
+              <a:t>Scatter Plot</a:t>
+            </a:r>
+          </a:p>
+          <a:p>
+            <a:r>
+              <a:rPr lang="en-US" dirty="0" smtClean="0"/>
+              <a:t>Box Plot</a:t>
+            </a:r>
+          </a:p>
+          <a:p>
+            <a:r>
+              <a:rPr lang="en-US" dirty="0" smtClean="0"/>
+              <a:t>Time series analysis</a:t>
+            </a:r>
+          </a:p>
+          <a:p>
+            <a:r>
+              <a:rPr lang="en-US" dirty="0" smtClean="0"/>
+              <a:t>Bar graph</a:t>
+            </a:r>
+          </a:p>
+          <a:p>
+            <a:r>
+              <a:rPr lang="en-US" dirty="0" smtClean="0"/>
+              <a:t>Histogram</a:t>
+            </a:r>
+          </a:p>
+          <a:p>
+            <a:r>
+              <a:rPr lang="en-US" dirty="0" smtClean="0"/>
+              <a:t>Pie chart</a:t>
+            </a:r>
+          </a:p>
+          <a:p>
+            <a:r>
+              <a:rPr lang="en-US" dirty="0" smtClean="0"/>
+              <a:t>Line graph</a:t>
+            </a:r>
+          </a:p>
+          <a:p>
+            <a:r>
+              <a:rPr lang="en-US" dirty="0" smtClean="0"/>
+              <a:t>Dot plot</a:t>
+            </a:r>
+          </a:p>
+          <a:p>
+            <a:r>
+              <a:rPr lang="en-US" dirty="0" smtClean="0"/>
+              <a:t>Stem &amp; Leaf</a:t>
+            </a:r>
+          </a:p>
+        </p:txBody>
+      </p:sp>
+    </p:spTree>
+    <p:extLst>
+      <p:ext uri="{BB962C8B-B14F-4D97-AF65-F5344CB8AC3E}">
+        <p14:creationId xmlns:p14="http://schemas.microsoft.com/office/powerpoint/2010/main" val="2095210750"/>
+      </p:ext>
+    </p:extLst>
+  </p:cSld>
+  <p:clrMapOvr>
+    <a:masterClrMapping/>
+  </p:clrMapOvr>
+</p:sld>
+</file>
+
+<file path=ppt/slides/slide22.xml><?xml version="1.0" encoding="utf-8"?>
+<p:sld xmlns:a="http://schemas.openxmlformats.org/drawingml/2006/main" xmlns:r="http://schemas.openxmlformats.org/officeDocument/2006/relationships" xmlns:p="http://schemas.openxmlformats.org/presentationml/2006/main">
+  <p:cSld>
+    <p:spTree>
+      <p:nvGrpSpPr>
+        <p:cNvPr id="1" name=""/>
+        <p:cNvGrpSpPr/>
+        <p:nvPr/>
+      </p:nvGrpSpPr>
+      <p:grpSpPr>
+        <a:xfrm>
+          <a:off x="0" y="0"/>
+          <a:ext cx="0" cy="0"/>
+          <a:chOff x="0" y="0"/>
+          <a:chExt cx="0" cy="0"/>
+        </a:xfrm>
+      </p:grpSpPr>
+      <p:sp>
+        <p:nvSpPr>
+          <p:cNvPr id="2" name="Title 1"/>
+          <p:cNvSpPr>
+            <a:spLocks noGrp="1"/>
+          </p:cNvSpPr>
+          <p:nvPr>
+            <p:ph type="title"/>
+          </p:nvPr>
+        </p:nvSpPr>
+        <p:spPr/>
+        <p:txBody>
+          <a:bodyPr/>
+          <a:lstStyle/>
+          <a:p>
+            <a:r>
+              <a:rPr lang="en-US" dirty="0" smtClean="0"/>
+              <a:t>Scatter plot</a:t>
+            </a:r>
+            <a:endParaRPr lang="en-US" dirty="0"/>
+          </a:p>
+        </p:txBody>
+      </p:sp>
+      <p:sp>
+        <p:nvSpPr>
+          <p:cNvPr id="3" name="Content Placeholder 2"/>
+          <p:cNvSpPr>
+            <a:spLocks noGrp="1"/>
+          </p:cNvSpPr>
+          <p:nvPr>
+            <p:ph idx="1"/>
+          </p:nvPr>
+        </p:nvSpPr>
+        <p:spPr/>
+        <p:txBody>
+          <a:bodyPr/>
+          <a:lstStyle/>
+          <a:p>
+            <a:r>
+              <a:rPr lang="en-US" dirty="0" smtClean="0"/>
+              <a:t>When we need to find the relationship between two variables, we may draw scatter plot</a:t>
+            </a:r>
+          </a:p>
+          <a:p>
+            <a:r>
+              <a:rPr lang="en-US" dirty="0" smtClean="0"/>
+              <a:t>Finding whether the variables are correlated (positive, negative or no correlation)</a:t>
+            </a:r>
+          </a:p>
+          <a:p>
+            <a:pPr marL="0" indent="0">
+              <a:buNone/>
+            </a:pPr>
+            <a:endParaRPr lang="en-US" dirty="0"/>
+          </a:p>
+        </p:txBody>
+      </p:sp>
+    </p:spTree>
+    <p:extLst>
+      <p:ext uri="{BB962C8B-B14F-4D97-AF65-F5344CB8AC3E}">
+        <p14:creationId xmlns:p14="http://schemas.microsoft.com/office/powerpoint/2010/main" val="3863708423"/>
+      </p:ext>
+    </p:extLst>
+  </p:cSld>
+  <p:clrMapOvr>
+    <a:masterClrMapping/>
+  </p:clrMapOvr>
+</p:sld>
+</file>
+
+<file path=ppt/slides/slide23.xml><?xml version="1.0" encoding="utf-8"?>
+<p:sld xmlns:a="http://schemas.openxmlformats.org/drawingml/2006/main" xmlns:r="http://schemas.openxmlformats.org/officeDocument/2006/relationships" xmlns:p="http://schemas.openxmlformats.org/presentationml/2006/main">
+  <p:cSld>
+    <p:spTree>
+      <p:nvGrpSpPr>
+        <p:cNvPr id="1" name=""/>
+        <p:cNvGrpSpPr/>
+        <p:nvPr/>
+      </p:nvGrpSpPr>
+      <p:grpSpPr>
+        <a:xfrm>
+          <a:off x="0" y="0"/>
+          <a:ext cx="0" cy="0"/>
+          <a:chOff x="0" y="0"/>
+          <a:chExt cx="0" cy="0"/>
+        </a:xfrm>
+      </p:grpSpPr>
+      <p:sp>
+        <p:nvSpPr>
+          <p:cNvPr id="2" name="Title 1"/>
+          <p:cNvSpPr>
+            <a:spLocks noGrp="1"/>
+          </p:cNvSpPr>
+          <p:nvPr>
+            <p:ph type="title"/>
+          </p:nvPr>
+        </p:nvSpPr>
+        <p:spPr/>
+        <p:txBody>
+          <a:bodyPr/>
+          <a:lstStyle/>
+          <a:p>
+            <a:r>
+              <a:rPr lang="en-US" dirty="0" smtClean="0"/>
+              <a:t>Histogram</a:t>
+            </a:r>
+            <a:endParaRPr lang="en-US" dirty="0"/>
+          </a:p>
+        </p:txBody>
+      </p:sp>
+      <p:sp>
+        <p:nvSpPr>
+          <p:cNvPr id="3" name="Content Placeholder 2"/>
+          <p:cNvSpPr>
+            <a:spLocks noGrp="1"/>
+          </p:cNvSpPr>
+          <p:nvPr>
+            <p:ph idx="1"/>
+          </p:nvPr>
+        </p:nvSpPr>
+        <p:spPr/>
+        <p:txBody>
+          <a:bodyPr/>
+          <a:lstStyle/>
+          <a:p>
+            <a:r>
+              <a:rPr lang="en-US" dirty="0">
+                <a:hlinkClick r:id="rId2"/>
+              </a:rPr>
+              <a:t>https://</a:t>
+            </a:r>
+            <a:r>
+              <a:rPr lang="en-US" dirty="0" smtClean="0">
+                <a:hlinkClick r:id="rId2"/>
+              </a:rPr>
+              <a:t>matplotlib.org/gallery/statistics/hist.html</a:t>
+            </a:r>
+            <a:endParaRPr lang="en-US" dirty="0" smtClean="0"/>
+          </a:p>
+          <a:p>
+            <a:endParaRPr lang="en-US" dirty="0"/>
+          </a:p>
+        </p:txBody>
+      </p:sp>
+    </p:spTree>
+    <p:extLst>
+      <p:ext uri="{BB962C8B-B14F-4D97-AF65-F5344CB8AC3E}">
+        <p14:creationId xmlns:p14="http://schemas.microsoft.com/office/powerpoint/2010/main" val="2060832861"/>
+      </p:ext>
+    </p:extLst>
+  </p:cSld>
+  <p:clrMapOvr>
+    <a:masterClrMapping/>
+  </p:clrMapOvr>
+</p:sld>
+</file>
+
+<file path=ppt/slides/slide24.xml><?xml version="1.0" encoding="utf-8"?>
+<p:sld xmlns:a="http://schemas.openxmlformats.org/drawingml/2006/main" xmlns:r="http://schemas.openxmlformats.org/officeDocument/2006/relationships" xmlns:p="http://schemas.openxmlformats.org/presentationml/2006/main">
+  <p:cSld>
+    <p:spTree>
+      <p:nvGrpSpPr>
+        <p:cNvPr id="1" name=""/>
+        <p:cNvGrpSpPr/>
+        <p:nvPr/>
+      </p:nvGrpSpPr>
+      <p:grpSpPr>
+        <a:xfrm>
+          <a:off x="0" y="0"/>
+          <a:ext cx="0" cy="0"/>
+          <a:chOff x="0" y="0"/>
+          <a:chExt cx="0" cy="0"/>
+        </a:xfrm>
+      </p:grpSpPr>
+      <p:sp>
+        <p:nvSpPr>
+          <p:cNvPr id="2" name="Title 1"/>
+          <p:cNvSpPr>
+            <a:spLocks noGrp="1"/>
+          </p:cNvSpPr>
+          <p:nvPr>
+            <p:ph type="title"/>
+          </p:nvPr>
+        </p:nvSpPr>
+        <p:spPr/>
+        <p:txBody>
+          <a:bodyPr/>
+          <a:lstStyle/>
+          <a:p>
+            <a:r>
+              <a:rPr lang="en-US" dirty="0" smtClean="0"/>
+              <a:t>Box Plot</a:t>
+            </a:r>
+            <a:endParaRPr lang="en-US" dirty="0"/>
+          </a:p>
+        </p:txBody>
+      </p:sp>
+      <p:sp>
+        <p:nvSpPr>
+          <p:cNvPr id="3" name="Content Placeholder 2"/>
+          <p:cNvSpPr>
+            <a:spLocks noGrp="1"/>
+          </p:cNvSpPr>
+          <p:nvPr>
+            <p:ph idx="1"/>
+          </p:nvPr>
+        </p:nvSpPr>
+        <p:spPr/>
+        <p:txBody>
+          <a:bodyPr/>
+          <a:lstStyle/>
+          <a:p>
+            <a:r>
+              <a:rPr lang="en-US" dirty="0" smtClean="0"/>
+              <a:t>Determining the percentiles</a:t>
+            </a:r>
+            <a:endParaRPr lang="en-US" dirty="0"/>
+          </a:p>
+        </p:txBody>
+      </p:sp>
+    </p:spTree>
+    <p:extLst>
+      <p:ext uri="{BB962C8B-B14F-4D97-AF65-F5344CB8AC3E}">
+        <p14:creationId xmlns:p14="http://schemas.microsoft.com/office/powerpoint/2010/main" val="2253054247"/>
+      </p:ext>
+    </p:extLst>
+  </p:cSld>
+  <p:clrMapOvr>
+    <a:masterClrMapping/>
+  </p:clrMapOvr>
+</p:sld>
+</file>
+
+<file path=ppt/slides/slide25.xml><?xml version="1.0" encoding="utf-8"?>
+<p:sld xmlns:a="http://schemas.openxmlformats.org/drawingml/2006/main" xmlns:r="http://schemas.openxmlformats.org/officeDocument/2006/relationships" xmlns:p="http://schemas.openxmlformats.org/presentationml/2006/main">
+  <p:cSld>
+    <p:spTree>
+      <p:nvGrpSpPr>
+        <p:cNvPr id="1" name=""/>
+        <p:cNvGrpSpPr/>
+        <p:nvPr/>
+      </p:nvGrpSpPr>
+      <p:grpSpPr>
+        <a:xfrm>
+          <a:off x="0" y="0"/>
+          <a:ext cx="0" cy="0"/>
+          <a:chOff x="0" y="0"/>
+          <a:chExt cx="0" cy="0"/>
+        </a:xfrm>
+      </p:grpSpPr>
+      <p:sp>
+        <p:nvSpPr>
+          <p:cNvPr id="2" name="Title 1"/>
+          <p:cNvSpPr>
+            <a:spLocks noGrp="1"/>
+          </p:cNvSpPr>
+          <p:nvPr>
+            <p:ph type="title"/>
+          </p:nvPr>
+        </p:nvSpPr>
+        <p:spPr/>
+        <p:txBody>
+          <a:bodyPr/>
+          <a:lstStyle/>
+          <a:p>
+            <a:r>
+              <a:rPr lang="en-US" dirty="0" smtClean="0"/>
+              <a:t>Bar graph</a:t>
+            </a:r>
+            <a:endParaRPr lang="en-US" dirty="0"/>
+          </a:p>
+        </p:txBody>
+      </p:sp>
+      <p:sp>
+        <p:nvSpPr>
+          <p:cNvPr id="3" name="Content Placeholder 2"/>
+          <p:cNvSpPr>
+            <a:spLocks noGrp="1"/>
+          </p:cNvSpPr>
+          <p:nvPr>
+            <p:ph idx="1"/>
+          </p:nvPr>
+        </p:nvSpPr>
+        <p:spPr/>
+        <p:txBody>
+          <a:bodyPr/>
+          <a:lstStyle/>
+          <a:p>
+            <a:r>
+              <a:rPr lang="en-US" dirty="0" smtClean="0"/>
+              <a:t>30% &amp; 70% marks</a:t>
+            </a:r>
+            <a:endParaRPr lang="en-US" dirty="0"/>
+          </a:p>
+        </p:txBody>
+      </p:sp>
+    </p:spTree>
+    <p:extLst>
+      <p:ext uri="{BB962C8B-B14F-4D97-AF65-F5344CB8AC3E}">
+        <p14:creationId xmlns:p14="http://schemas.microsoft.com/office/powerpoint/2010/main" val="3927879808"/>
+      </p:ext>
+    </p:extLst>
+  </p:cSld>
+  <p:clrMapOvr>
+    <a:masterClrMapping/>
+  </p:clrMapOvr>
+</p:sld>
+</file>
+
+<file path=ppt/slides/slide26.xml><?xml version="1.0" encoding="utf-8"?>
+<p:sld xmlns:a="http://schemas.openxmlformats.org/drawingml/2006/main" xmlns:r="http://schemas.openxmlformats.org/officeDocument/2006/relationships" xmlns:p="http://schemas.openxmlformats.org/presentationml/2006/main">
+  <p:cSld>
+    <p:spTree>
+      <p:nvGrpSpPr>
+        <p:cNvPr id="1" name=""/>
+        <p:cNvGrpSpPr/>
+        <p:nvPr/>
+      </p:nvGrpSpPr>
+      <p:grpSpPr>
+        <a:xfrm>
+          <a:off x="0" y="0"/>
+          <a:ext cx="0" cy="0"/>
+          <a:chOff x="0" y="0"/>
+          <a:chExt cx="0" cy="0"/>
+        </a:xfrm>
+      </p:grpSpPr>
+      <p:sp>
+        <p:nvSpPr>
+          <p:cNvPr id="2" name="Title 1"/>
+          <p:cNvSpPr>
+            <a:spLocks noGrp="1"/>
+          </p:cNvSpPr>
+          <p:nvPr>
+            <p:ph type="title"/>
+          </p:nvPr>
+        </p:nvSpPr>
+        <p:spPr/>
+        <p:txBody>
+          <a:bodyPr/>
+          <a:lstStyle/>
+          <a:p>
+            <a:r>
+              <a:rPr lang="en-US" dirty="0" smtClean="0"/>
+              <a:t>Scatter Plot</a:t>
+            </a:r>
+            <a:endParaRPr lang="en-US" dirty="0"/>
+          </a:p>
+        </p:txBody>
+      </p:sp>
+      <p:sp>
+        <p:nvSpPr>
+          <p:cNvPr id="3" name="Content Placeholder 2"/>
+          <p:cNvSpPr>
+            <a:spLocks noGrp="1"/>
+          </p:cNvSpPr>
+          <p:nvPr>
+            <p:ph idx="1"/>
+          </p:nvPr>
+        </p:nvSpPr>
+        <p:spPr/>
+        <p:txBody>
+          <a:bodyPr/>
+          <a:lstStyle/>
+          <a:p>
+            <a:endParaRPr lang="en-US"/>
+          </a:p>
+        </p:txBody>
+      </p:sp>
+    </p:spTree>
+    <p:extLst>
+      <p:ext uri="{BB962C8B-B14F-4D97-AF65-F5344CB8AC3E}">
+        <p14:creationId xmlns:p14="http://schemas.microsoft.com/office/powerpoint/2010/main" val="3969692461"/>
+      </p:ext>
+    </p:extLst>
+  </p:cSld>
+  <p:clrMapOvr>
+    <a:masterClrMapping/>
+  </p:clrMapOvr>
+</p:sld>
+</file>
+
+<file path=ppt/slides/slide27.xml><?xml version="1.0" encoding="utf-8"?>
+<p:sld xmlns:a="http://schemas.openxmlformats.org/drawingml/2006/main" xmlns:r="http://schemas.openxmlformats.org/officeDocument/2006/relationships" xmlns:p="http://schemas.openxmlformats.org/presentationml/2006/main">
+  <p:cSld>
+    <p:spTree>
+      <p:nvGrpSpPr>
+        <p:cNvPr id="1" name=""/>
+        <p:cNvGrpSpPr/>
+        <p:nvPr/>
+      </p:nvGrpSpPr>
+      <p:grpSpPr>
+        <a:xfrm>
+          <a:off x="0" y="0"/>
+          <a:ext cx="0" cy="0"/>
+          <a:chOff x="0" y="0"/>
+          <a:chExt cx="0" cy="0"/>
+        </a:xfrm>
+      </p:grpSpPr>
+      <p:sp>
+        <p:nvSpPr>
+          <p:cNvPr id="2" name="Title 1"/>
+          <p:cNvSpPr>
+            <a:spLocks noGrp="1"/>
+          </p:cNvSpPr>
+          <p:nvPr>
+            <p:ph type="title"/>
+          </p:nvPr>
+        </p:nvSpPr>
+        <p:spPr/>
+        <p:txBody>
+          <a:bodyPr/>
+          <a:lstStyle/>
+          <a:p>
+            <a:r>
+              <a:rPr lang="en-US" dirty="0" smtClean="0"/>
+              <a:t>Box Plot</a:t>
+            </a:r>
+            <a:endParaRPr lang="en-US" dirty="0"/>
+          </a:p>
+        </p:txBody>
+      </p:sp>
+      <p:sp>
+        <p:nvSpPr>
+          <p:cNvPr id="3" name="Content Placeholder 2"/>
+          <p:cNvSpPr>
+            <a:spLocks noGrp="1"/>
+          </p:cNvSpPr>
+          <p:nvPr>
+            <p:ph idx="1"/>
+          </p:nvPr>
+        </p:nvSpPr>
+        <p:spPr/>
+        <p:txBody>
+          <a:bodyPr/>
+          <a:lstStyle/>
+          <a:p>
+            <a:r>
+              <a:rPr lang="en-US" dirty="0">
+                <a:hlinkClick r:id="rId2"/>
+              </a:rPr>
+              <a:t>https://matplotlib.org/api/_</a:t>
+            </a:r>
+            <a:r>
+              <a:rPr lang="en-US" dirty="0" smtClean="0">
+                <a:hlinkClick r:id="rId2"/>
+              </a:rPr>
+              <a:t>as_gen/matplotlib.pyplot.boxplot.html</a:t>
+            </a:r>
+            <a:endParaRPr lang="en-US" dirty="0" smtClean="0"/>
+          </a:p>
+          <a:p>
+            <a:endParaRPr lang="en-US" dirty="0"/>
+          </a:p>
+        </p:txBody>
+      </p:sp>
+    </p:spTree>
+    <p:extLst>
+      <p:ext uri="{BB962C8B-B14F-4D97-AF65-F5344CB8AC3E}">
+        <p14:creationId xmlns:p14="http://schemas.microsoft.com/office/powerpoint/2010/main" val="4109822290"/>
       </p:ext>
     </p:extLst>
   </p:cSld>
@@ -4449,11 +9566,7 @@
           <a:p>
             <a:r>
               <a:rPr lang="en-US" dirty="0" smtClean="0"/>
-              <a:t>Login to </a:t>
-            </a:r>
-            <a:r>
-              <a:rPr lang="en-US" dirty="0" smtClean="0"/>
-              <a:t>your </a:t>
+              <a:t>Login to your </a:t>
             </a:r>
             <a:r>
               <a:rPr lang="en-US" dirty="0" err="1" smtClean="0"/>

--- a/Projects & Dataset/Presentation on Python projects in Applied Statistics.pptx
+++ b/Projects & Dataset/Presentation on Python projects in Applied Statistics.pptx
@@ -4454,6 +4454,13 @@
   <p:clrMapOvr>
     <a:masterClrMapping/>
   </p:clrMapOvr>
+  <p:timing>
+    <p:tnLst>
+      <p:par>
+        <p:cTn id="1" dur="indefinite" restart="never" nodeType="tmRoot"/>
+      </p:par>
+    </p:tnLst>
+  </p:timing>
 </p:sld>
 </file>
 
@@ -4486,33 +4493,51 @@
         </p:nvSpPr>
         <p:spPr/>
         <p:txBody>
+          <a:bodyPr>
+            <a:noAutofit/>
+          </a:bodyPr>
+          <a:lstStyle/>
+          <a:p>
+            <a:pPr algn="ctr"/>
+            <a:r>
+              <a:rPr lang="en-US" sz="7200" dirty="0" smtClean="0">
+                <a:solidFill>
+                  <a:srgbClr val="7030A0"/>
+                </a:solidFill>
+              </a:rPr>
+              <a:t>Exploratory Data Analysis (EDA) </a:t>
+            </a:r>
+            <a:r>
+              <a:rPr lang="en-US" sz="5400" dirty="0" smtClean="0"/>
+              <a:t/>
+            </a:r>
+            <a:br>
+              <a:rPr lang="en-US" sz="5400" dirty="0" smtClean="0"/>
+            </a:br>
+            <a:r>
+              <a:rPr lang="en-US" sz="4400" dirty="0"/>
+              <a:t>Explanation of Python code </a:t>
+            </a:r>
+            <a:endParaRPr lang="en-US" dirty="0"/>
+          </a:p>
+        </p:txBody>
+      </p:sp>
+      <p:sp>
+        <p:nvSpPr>
+          <p:cNvPr id="4" name="Text Placeholder 3"/>
+          <p:cNvSpPr>
+            <a:spLocks noGrp="1"/>
+          </p:cNvSpPr>
+          <p:nvPr>
+            <p:ph type="body" idx="1"/>
+          </p:nvPr>
+        </p:nvSpPr>
+        <p:spPr/>
+        <p:txBody>
           <a:bodyPr/>
           <a:lstStyle/>
           <a:p>
-            <a:r>
-              <a:rPr lang="en-US" dirty="0" smtClean="0"/>
-              <a:t>EDA – Python code Explanation</a:t>
-            </a:r>
             <a:endParaRPr lang="en-US" dirty="0"/>
-          </a:p>
-        </p:txBody>
-      </p:sp>
-      <p:sp>
-        <p:nvSpPr>
-          <p:cNvPr id="4" name="Text Placeholder 3"/>
-          <p:cNvSpPr>
-            <a:spLocks noGrp="1"/>
-          </p:cNvSpPr>
-          <p:nvPr>
-            <p:ph type="body" idx="1"/>
-          </p:nvPr>
-        </p:nvSpPr>
-        <p:spPr/>
-        <p:txBody>
-          <a:bodyPr/>
-          <a:lstStyle/>
-          <a:p>
-            <a:endParaRPr lang="en-US"/>
           </a:p>
         </p:txBody>
       </p:sp>
@@ -7883,7 +7908,7 @@
                   <a:schemeClr val="bg1"/>
                 </a:solidFill>
               </a:rPr>
-              <a:t>Draw a Scatter Plot</a:t>
+              <a:t>Scatter Plot</a:t>
             </a:r>
             <a:endParaRPr lang="en-US" sz="8800" dirty="0">
               <a:solidFill>
@@ -7893,6 +7918,30 @@
           </a:p>
         </p:txBody>
       </p:sp>
+      <p:pic>
+        <p:nvPicPr>
+          <p:cNvPr id="8" name="Picture 7"/>
+          <p:cNvPicPr>
+            <a:picLocks noChangeAspect="1"/>
+          </p:cNvPicPr>
+          <p:nvPr/>
+        </p:nvPicPr>
+        <p:blipFill>
+          <a:blip r:embed="rId2"/>
+          <a:stretch>
+            <a:fillRect/>
+          </a:stretch>
+        </p:blipFill>
+        <p:spPr>
+          <a:xfrm>
+            <a:off x="2684957" y="4120862"/>
+            <a:ext cx="3542857" cy="2400000"/>
+          </a:xfrm>
+          <a:prstGeom prst="rect">
+            <a:avLst/>
+          </a:prstGeom>
+        </p:spPr>
+      </p:pic>
     </p:spTree>
     <p:extLst>
       <p:ext uri="{BB962C8B-B14F-4D97-AF65-F5344CB8AC3E}">
@@ -8277,6 +8326,59 @@
                       </p:childTnLst>
                     </p:cTn>
                   </p:par>
+                  <p:par>
+                    <p:cTn id="33" fill="hold">
+                      <p:stCondLst>
+                        <p:cond delay="indefinite"/>
+                      </p:stCondLst>
+                      <p:childTnLst>
+                        <p:par>
+                          <p:cTn id="34" fill="hold">
+                            <p:stCondLst>
+                              <p:cond delay="0"/>
+                            </p:stCondLst>
+                            <p:childTnLst>
+                              <p:par>
+                                <p:cTn id="35" presetID="10" presetClass="entr" presetSubtype="0" fill="hold" nodeType="clickEffect">
+                                  <p:stCondLst>
+                                    <p:cond delay="0"/>
+                                  </p:stCondLst>
+                                  <p:childTnLst>
+                                    <p:set>
+                                      <p:cBhvr>
+                                        <p:cTn id="36" dur="1" fill="hold">
+                                          <p:stCondLst>
+                                            <p:cond delay="0"/>
+                                          </p:stCondLst>
+                                        </p:cTn>
+                                        <p:tgtEl>
+                                          <p:spTgt spid="8"/>
+                                        </p:tgtEl>
+                                        <p:attrNameLst>
+                                          <p:attrName>style.visibility</p:attrName>
+                                        </p:attrNameLst>
+                                      </p:cBhvr>
+                                      <p:to>
+                                        <p:strVal val="visible"/>
+                                      </p:to>
+                                    </p:set>
+                                    <p:animEffect transition="in" filter="fade">
+                                      <p:cBhvr>
+                                        <p:cTn id="37" dur="500"/>
+                                        <p:tgtEl>
+                                          <p:spTgt spid="8"/>
+                                        </p:tgtEl>
+                                      </p:cBhvr>
+                                    </p:animEffect>
+                                  </p:childTnLst>
+                                </p:cTn>
+                              </p:par>
+                            </p:childTnLst>
+                          </p:cTn>
+                        </p:par>
+                      </p:childTnLst>
+                    </p:cTn>
+                  </p:par>
                 </p:childTnLst>
               </p:cTn>
               <p:prevCondLst>
@@ -8429,7 +8531,7 @@
         </p:nvSpPr>
         <p:spPr>
           <a:xfrm>
-            <a:off x="838200" y="2766821"/>
+            <a:off x="1203435" y="2766821"/>
             <a:ext cx="5181600" cy="1324358"/>
           </a:xfrm>
           <a:solidFill>
@@ -8702,6 +8804,25 @@
               <a:buNone/>
             </a:pPr>
             <a:r>
+              <a:rPr lang="en-US" sz="6600" dirty="0">
+                <a:solidFill>
+                  <a:schemeClr val="bg1"/>
+                </a:solidFill>
+              </a:rPr>
+              <a:t>&amp;</a:t>
+            </a:r>
+            <a:endParaRPr lang="en-US" sz="6600" dirty="0" smtClean="0">
+              <a:solidFill>
+                <a:schemeClr val="bg1"/>
+              </a:solidFill>
+            </a:endParaRPr>
+          </a:p>
+          <a:p>
+            <a:pPr marL="0" indent="0" algn="ctr">
+              <a:buFont typeface="Arial" panose="020B0604020202020204" pitchFamily="34" charset="0"/>
+              <a:buNone/>
+            </a:pPr>
+            <a:r>
               <a:rPr lang="en-US" sz="6600" dirty="0" smtClean="0">
                 <a:solidFill>
                   <a:schemeClr val="bg1"/>
@@ -8717,6 +8838,66 @@
           </a:p>
         </p:txBody>
       </p:sp>
+      <p:pic>
+        <p:nvPicPr>
+          <p:cNvPr id="7" name="Picture 6"/>
+          <p:cNvPicPr>
+            <a:picLocks noChangeAspect="1"/>
+          </p:cNvPicPr>
+          <p:nvPr/>
+        </p:nvPicPr>
+        <p:blipFill>
+          <a:blip r:embed="rId2">
+            <a:extLst>
+              <a:ext uri="{28A0092B-C50C-407E-A947-70E740481C1C}">
+                <a14:useLocalDpi xmlns:a14="http://schemas.microsoft.com/office/drawing/2010/main" val="0"/>
+              </a:ext>
+            </a:extLst>
+          </a:blip>
+          <a:stretch>
+            <a:fillRect/>
+          </a:stretch>
+        </p:blipFill>
+        <p:spPr>
+          <a:xfrm>
+            <a:off x="1784131" y="149012"/>
+            <a:ext cx="4020207" cy="2617809"/>
+          </a:xfrm>
+          <a:prstGeom prst="rect">
+            <a:avLst/>
+          </a:prstGeom>
+        </p:spPr>
+      </p:pic>
+      <p:pic>
+        <p:nvPicPr>
+          <p:cNvPr id="8" name="Picture 7"/>
+          <p:cNvPicPr>
+            <a:picLocks noChangeAspect="1"/>
+          </p:cNvPicPr>
+          <p:nvPr/>
+        </p:nvPicPr>
+        <p:blipFill>
+          <a:blip r:embed="rId3">
+            <a:extLst>
+              <a:ext uri="{28A0092B-C50C-407E-A947-70E740481C1C}">
+                <a14:useLocalDpi xmlns:a14="http://schemas.microsoft.com/office/drawing/2010/main" val="0"/>
+              </a:ext>
+            </a:extLst>
+          </a:blip>
+          <a:stretch>
+            <a:fillRect/>
+          </a:stretch>
+        </p:blipFill>
+        <p:spPr>
+          <a:xfrm>
+            <a:off x="1784131" y="4085214"/>
+            <a:ext cx="4033143" cy="2772786"/>
+          </a:xfrm>
+          <a:prstGeom prst="rect">
+            <a:avLst/>
+          </a:prstGeom>
+        </p:spPr>
+      </p:pic>
     </p:spTree>
     <p:extLst>
       <p:ext uri="{BB962C8B-B14F-4D97-AF65-F5344CB8AC3E}">
@@ -8822,6 +9003,147 @@
                                           </p:stCondLst>
                                         </p:cTn>
                                         <p:tgtEl>
+                                          <p:spTgt spid="7"/>
+                                        </p:tgtEl>
+                                        <p:attrNameLst>
+                                          <p:attrName>style.visibility</p:attrName>
+                                        </p:attrNameLst>
+                                      </p:cBhvr>
+                                      <p:to>
+                                        <p:strVal val="visible"/>
+                                      </p:to>
+                                    </p:set>
+                                    <p:animEffect transition="in" filter="fade">
+                                      <p:cBhvr>
+                                        <p:cTn id="12" dur="500"/>
+                                        <p:tgtEl>
+                                          <p:spTgt spid="7"/>
+                                        </p:tgtEl>
+                                      </p:cBhvr>
+                                    </p:animEffect>
+                                  </p:childTnLst>
+                                </p:cTn>
+                              </p:par>
+                            </p:childTnLst>
+                          </p:cTn>
+                        </p:par>
+                      </p:childTnLst>
+                    </p:cTn>
+                  </p:par>
+                  <p:par>
+                    <p:cTn id="13" fill="hold">
+                      <p:stCondLst>
+                        <p:cond delay="indefinite"/>
+                      </p:stCondLst>
+                      <p:childTnLst>
+                        <p:par>
+                          <p:cTn id="14" fill="hold">
+                            <p:stCondLst>
+                              <p:cond delay="0"/>
+                            </p:stCondLst>
+                            <p:childTnLst>
+                              <p:par>
+                                <p:cTn id="15" presetID="9" presetClass="emph" presetSubtype="0" grpId="0" nodeType="clickEffect">
+                                  <p:stCondLst>
+                                    <p:cond delay="0"/>
+                                  </p:stCondLst>
+                                  <p:childTnLst>
+                                    <p:set>
+                                      <p:cBhvr rctx="PPT">
+                                        <p:cTn id="16" dur="indefinite"/>
+                                        <p:tgtEl>
+                                          <p:spTgt spid="4">
+                                            <p:txEl>
+                                              <p:pRg st="0" end="0"/>
+                                            </p:txEl>
+                                          </p:spTgt>
+                                        </p:tgtEl>
+                                        <p:attrNameLst>
+                                          <p:attrName>style.opacity</p:attrName>
+                                        </p:attrNameLst>
+                                      </p:cBhvr>
+                                      <p:to>
+                                        <p:strVal val="0.25"/>
+                                      </p:to>
+                                    </p:set>
+                                    <p:animEffect filter="image" prLst="opacity: 0.25">
+                                      <p:cBhvr rctx="IE">
+                                        <p:cTn id="17" dur="indefinite"/>
+                                        <p:tgtEl>
+                                          <p:spTgt spid="4">
+                                            <p:txEl>
+                                              <p:pRg st="0" end="0"/>
+                                            </p:txEl>
+                                          </p:spTgt>
+                                        </p:tgtEl>
+                                      </p:cBhvr>
+                                    </p:animEffect>
+                                  </p:childTnLst>
+                                </p:cTn>
+                              </p:par>
+                              <p:par>
+                                <p:cTn id="18" presetID="9" presetClass="emph" presetSubtype="0" nodeType="withEffect">
+                                  <p:stCondLst>
+                                    <p:cond delay="0"/>
+                                  </p:stCondLst>
+                                  <p:childTnLst>
+                                    <p:set>
+                                      <p:cBhvr rctx="PPT">
+                                        <p:cTn id="19" dur="indefinite"/>
+                                        <p:tgtEl>
+                                          <p:spTgt spid="7"/>
+                                        </p:tgtEl>
+                                        <p:attrNameLst>
+                                          <p:attrName>style.opacity</p:attrName>
+                                        </p:attrNameLst>
+                                      </p:cBhvr>
+                                      <p:to>
+                                        <p:strVal val="0.25"/>
+                                      </p:to>
+                                    </p:set>
+                                    <p:animEffect filter="image" prLst="opacity: 0.25">
+                                      <p:cBhvr rctx="IE">
+                                        <p:cTn id="20" dur="indefinite"/>
+                                        <p:tgtEl>
+                                          <p:spTgt spid="7"/>
+                                        </p:tgtEl>
+                                      </p:cBhvr>
+                                    </p:animEffect>
+                                  </p:childTnLst>
+                                </p:cTn>
+                              </p:par>
+                            </p:childTnLst>
+                          </p:cTn>
+                        </p:par>
+                      </p:childTnLst>
+                    </p:cTn>
+                  </p:par>
+                  <p:par>
+                    <p:cTn id="21" fill="hold">
+                      <p:stCondLst>
+                        <p:cond delay="indefinite"/>
+                      </p:stCondLst>
+                      <p:childTnLst>
+                        <p:par>
+                          <p:cTn id="22" fill="hold">
+                            <p:stCondLst>
+                              <p:cond delay="0"/>
+                            </p:stCondLst>
+                            <p:childTnLst>
+                              <p:par>
+                                <p:cTn id="23" presetID="10" presetClass="entr" presetSubtype="0" fill="hold" nodeType="clickEffect">
+                                  <p:stCondLst>
+                                    <p:cond delay="0"/>
+                                  </p:stCondLst>
+                                  <p:childTnLst>
+                                    <p:set>
+                                      <p:cBhvr>
+                                        <p:cTn id="24" dur="1" fill="hold">
+                                          <p:stCondLst>
+                                            <p:cond delay="0"/>
+                                          </p:stCondLst>
+                                        </p:cTn>
+                                        <p:tgtEl>
                                           <p:spTgt spid="4">
                                             <p:txEl>
                                               <p:pRg st="1" end="1"/>
@@ -8838,13 +9160,66 @@
                                     </p:set>
                                     <p:animEffect transition="in" filter="fade">
                                       <p:cBhvr>
-                                        <p:cTn id="12" dur="500"/>
+                                        <p:cTn id="25" dur="500"/>
                                         <p:tgtEl>
                                           <p:spTgt spid="4">
                                             <p:txEl>
                                               <p:pRg st="1" end="1"/>
                                             </p:txEl>
                                           </p:spTgt>
+                                        </p:tgtEl>
+                                      </p:cBhvr>
+                                    </p:animEffect>
+                                  </p:childTnLst>
+                                </p:cTn>
+                              </p:par>
+                            </p:childTnLst>
+                          </p:cTn>
+                        </p:par>
+                      </p:childTnLst>
+                    </p:cTn>
+                  </p:par>
+                  <p:par>
+                    <p:cTn id="26" fill="hold">
+                      <p:stCondLst>
+                        <p:cond delay="indefinite"/>
+                      </p:stCondLst>
+                      <p:childTnLst>
+                        <p:par>
+                          <p:cTn id="27" fill="hold">
+                            <p:stCondLst>
+                              <p:cond delay="0"/>
+                            </p:stCondLst>
+                            <p:childTnLst>
+                              <p:par>
+                                <p:cTn id="28" presetID="10" presetClass="entr" presetSubtype="0" fill="hold" nodeType="clickEffect">
+                                  <p:stCondLst>
+                                    <p:cond delay="0"/>
+                                  </p:stCondLst>
+                                  <p:childTnLst>
+                                    <p:set>
+                                      <p:cBhvr>
+                                        <p:cTn id="29" dur="1" fill="hold">
+                                          <p:stCondLst>
+                                            <p:cond delay="0"/>
+                                          </p:stCondLst>
+                                        </p:cTn>
+                                        <p:tgtEl>
+                                          <p:spTgt spid="8"/>
+                                        </p:tgtEl>
+                                        <p:attrNameLst>
+                                          <p:attrName>style.visibility</p:attrName>
+                                        </p:attrNameLst>
+                                      </p:cBhvr>
+                                      <p:to>
+                                        <p:strVal val="visible"/>
+                                      </p:to>
+                                    </p:set>
+                                    <p:animEffect transition="in" filter="fade">
+                                      <p:cBhvr>
+                                        <p:cTn id="30" dur="500"/>
+                                        <p:tgtEl>
+                                          <p:spTgt spid="8"/>
                                         </p:tgtEl>
                                       </p:cBhvr>
                                     </p:animEffect>
@@ -8878,6 +9253,9 @@
         </p:cTn>
       </p:par>
     </p:tnLst>
+    <p:bldLst>
+      <p:bldP spid="4" grpId="0" uiExpand="1" build="p"/>
+    </p:bldLst>
   </p:timing>
 </p:sld>
 </file>
@@ -9004,6 +9382,13 @@
   <p:clrMapOvr>
     <a:masterClrMapping/>
   </p:clrMapOvr>
+  <p:timing>
+    <p:tnLst>
+      <p:par>
+        <p:cTn id="1" dur="indefinite" restart="never" nodeType="tmRoot"/>
+      </p:par>
+    </p:tnLst>
+  </p:timing>
 </p:sld>
 </file>
 

--- a/Projects & Dataset/Presentation on Python projects in Applied Statistics.pptx
+++ b/Projects & Dataset/Presentation on Python projects in Applied Statistics.pptx
@@ -316,7 +316,7 @@
           <a:p>
             <a:fld id="{0800E26F-1607-4B19-B33C-3A6267442803}" type="datetimeFigureOut">
               <a:rPr lang="en-US" smtClean="0"/>
-              <a:t>7/31/2018</a:t>
+              <a:t>8/4/2018</a:t>
             </a:fld>
             <a:endParaRPr lang="en-US"/>
           </a:p>
@@ -486,7 +486,7 @@
           <a:p>
             <a:fld id="{0800E26F-1607-4B19-B33C-3A6267442803}" type="datetimeFigureOut">
               <a:rPr lang="en-US" smtClean="0"/>
-              <a:t>7/31/2018</a:t>
+              <a:t>8/4/2018</a:t>
             </a:fld>
             <a:endParaRPr lang="en-US"/>
           </a:p>
@@ -666,7 +666,7 @@
           <a:p>
             <a:fld id="{0800E26F-1607-4B19-B33C-3A6267442803}" type="datetimeFigureOut">
               <a:rPr lang="en-US" smtClean="0"/>
-              <a:t>7/31/2018</a:t>
+              <a:t>8/4/2018</a:t>
             </a:fld>
             <a:endParaRPr lang="en-US"/>
           </a:p>
@@ -836,7 +836,7 @@
           <a:p>
             <a:fld id="{0800E26F-1607-4B19-B33C-3A6267442803}" type="datetimeFigureOut">
               <a:rPr lang="en-US" smtClean="0"/>
-              <a:t>7/31/2018</a:t>
+              <a:t>8/4/2018</a:t>
             </a:fld>
             <a:endParaRPr lang="en-US"/>
           </a:p>
@@ -1082,7 +1082,7 @@
           <a:p>
             <a:fld id="{0800E26F-1607-4B19-B33C-3A6267442803}" type="datetimeFigureOut">
               <a:rPr lang="en-US" smtClean="0"/>
-              <a:t>7/31/2018</a:t>
+              <a:t>8/4/2018</a:t>
             </a:fld>
             <a:endParaRPr lang="en-US"/>
           </a:p>
@@ -1314,7 +1314,7 @@
           <a:p>
             <a:fld id="{0800E26F-1607-4B19-B33C-3A6267442803}" type="datetimeFigureOut">
               <a:rPr lang="en-US" smtClean="0"/>
-              <a:t>7/31/2018</a:t>
+              <a:t>8/4/2018</a:t>
             </a:fld>
             <a:endParaRPr lang="en-US"/>
           </a:p>
@@ -1681,7 +1681,7 @@
           <a:p>
             <a:fld id="{0800E26F-1607-4B19-B33C-3A6267442803}" type="datetimeFigureOut">
               <a:rPr lang="en-US" smtClean="0"/>
-              <a:t>7/31/2018</a:t>
+              <a:t>8/4/2018</a:t>
             </a:fld>
             <a:endParaRPr lang="en-US"/>
           </a:p>
@@ -1799,7 +1799,7 @@
           <a:p>
             <a:fld id="{0800E26F-1607-4B19-B33C-3A6267442803}" type="datetimeFigureOut">
               <a:rPr lang="en-US" smtClean="0"/>
-              <a:t>7/31/2018</a:t>
+              <a:t>8/4/2018</a:t>
             </a:fld>
             <a:endParaRPr lang="en-US"/>
           </a:p>
@@ -1894,7 +1894,7 @@
           <a:p>
             <a:fld id="{0800E26F-1607-4B19-B33C-3A6267442803}" type="datetimeFigureOut">
               <a:rPr lang="en-US" smtClean="0"/>
-              <a:t>7/31/2018</a:t>
+              <a:t>8/4/2018</a:t>
             </a:fld>
             <a:endParaRPr lang="en-US"/>
           </a:p>
@@ -2171,7 +2171,7 @@
           <a:p>
             <a:fld id="{0800E26F-1607-4B19-B33C-3A6267442803}" type="datetimeFigureOut">
               <a:rPr lang="en-US" smtClean="0"/>
-              <a:t>7/31/2018</a:t>
+              <a:t>8/4/2018</a:t>
             </a:fld>
             <a:endParaRPr lang="en-US"/>
           </a:p>
@@ -2424,7 +2424,7 @@
           <a:p>
             <a:fld id="{0800E26F-1607-4B19-B33C-3A6267442803}" type="datetimeFigureOut">
               <a:rPr lang="en-US" smtClean="0"/>
-              <a:t>7/31/2018</a:t>
+              <a:t>8/4/2018</a:t>
             </a:fld>
             <a:endParaRPr lang="en-US"/>
           </a:p>
@@ -2653,7 +2653,7 @@
           <a:p>
             <a:fld id="{0800E26F-1607-4B19-B33C-3A6267442803}" type="datetimeFigureOut">
               <a:rPr lang="en-US" smtClean="0"/>
-              <a:t>7/31/2018</a:t>
+              <a:t>8/4/2018</a:t>
             </a:fld>
             <a:endParaRPr lang="en-US"/>
           </a:p>
@@ -6254,7 +6254,7 @@
         <p:spPr>
           <a:xfrm>
             <a:off x="6251029" y="2364829"/>
-            <a:ext cx="5452240" cy="2522482"/>
+            <a:ext cx="5452240" cy="3026978"/>
           </a:xfrm>
           <a:solidFill>
             <a:schemeClr val="accent6">

--- a/Projects & Dataset/Presentation on Python projects in Applied Statistics.pptx
+++ b/Projects & Dataset/Presentation on Python projects in Applied Statistics.pptx
@@ -32,6 +32,8 @@
     <p:sldId id="273" r:id="rId26"/>
     <p:sldId id="264" r:id="rId27"/>
     <p:sldId id="265" r:id="rId28"/>
+    <p:sldId id="283" r:id="rId29"/>
+    <p:sldId id="284" r:id="rId30"/>
   </p:sldIdLst>
   <p:sldSz cx="12192000" cy="6858000"/>
   <p:notesSz cx="6858000" cy="9144000"/>
@@ -174,6 +176,8 @@
             <p14:sldId id="273"/>
             <p14:sldId id="264"/>
             <p14:sldId id="265"/>
+            <p14:sldId id="283"/>
+            <p14:sldId id="284"/>
           </p14:sldIdLst>
         </p14:section>
       </p14:sectionLst>
@@ -316,7 +320,7 @@
           <a:p>
             <a:fld id="{0800E26F-1607-4B19-B33C-3A6267442803}" type="datetimeFigureOut">
               <a:rPr lang="en-US" smtClean="0"/>
-              <a:t>8/4/2018</a:t>
+              <a:t>9/15/2018</a:t>
             </a:fld>
             <a:endParaRPr lang="en-US"/>
           </a:p>
@@ -486,7 +490,7 @@
           <a:p>
             <a:fld id="{0800E26F-1607-4B19-B33C-3A6267442803}" type="datetimeFigureOut">
               <a:rPr lang="en-US" smtClean="0"/>
-              <a:t>8/4/2018</a:t>
+              <a:t>9/15/2018</a:t>
             </a:fld>
             <a:endParaRPr lang="en-US"/>
           </a:p>
@@ -666,7 +670,7 @@
           <a:p>
             <a:fld id="{0800E26F-1607-4B19-B33C-3A6267442803}" type="datetimeFigureOut">
               <a:rPr lang="en-US" smtClean="0"/>
-              <a:t>8/4/2018</a:t>
+              <a:t>9/15/2018</a:t>
             </a:fld>
             <a:endParaRPr lang="en-US"/>
           </a:p>
@@ -836,7 +840,7 @@
           <a:p>
             <a:fld id="{0800E26F-1607-4B19-B33C-3A6267442803}" type="datetimeFigureOut">
               <a:rPr lang="en-US" smtClean="0"/>
-              <a:t>8/4/2018</a:t>
+              <a:t>9/15/2018</a:t>
             </a:fld>
             <a:endParaRPr lang="en-US"/>
           </a:p>
@@ -1082,7 +1086,7 @@
           <a:p>
             <a:fld id="{0800E26F-1607-4B19-B33C-3A6267442803}" type="datetimeFigureOut">
               <a:rPr lang="en-US" smtClean="0"/>
-              <a:t>8/4/2018</a:t>
+              <a:t>9/15/2018</a:t>
             </a:fld>
             <a:endParaRPr lang="en-US"/>
           </a:p>
@@ -1314,7 +1318,7 @@
           <a:p>
             <a:fld id="{0800E26F-1607-4B19-B33C-3A6267442803}" type="datetimeFigureOut">
               <a:rPr lang="en-US" smtClean="0"/>
-              <a:t>8/4/2018</a:t>
+              <a:t>9/15/2018</a:t>
             </a:fld>
             <a:endParaRPr lang="en-US"/>
           </a:p>
@@ -1681,7 +1685,7 @@
           <a:p>
             <a:fld id="{0800E26F-1607-4B19-B33C-3A6267442803}" type="datetimeFigureOut">
               <a:rPr lang="en-US" smtClean="0"/>
-              <a:t>8/4/2018</a:t>
+              <a:t>9/15/2018</a:t>
             </a:fld>
             <a:endParaRPr lang="en-US"/>
           </a:p>
@@ -1799,7 +1803,7 @@
           <a:p>
             <a:fld id="{0800E26F-1607-4B19-B33C-3A6267442803}" type="datetimeFigureOut">
               <a:rPr lang="en-US" smtClean="0"/>
-              <a:t>8/4/2018</a:t>
+              <a:t>9/15/2018</a:t>
             </a:fld>
             <a:endParaRPr lang="en-US"/>
           </a:p>
@@ -1894,7 +1898,7 @@
           <a:p>
             <a:fld id="{0800E26F-1607-4B19-B33C-3A6267442803}" type="datetimeFigureOut">
               <a:rPr lang="en-US" smtClean="0"/>
-              <a:t>8/4/2018</a:t>
+              <a:t>9/15/2018</a:t>
             </a:fld>
             <a:endParaRPr lang="en-US"/>
           </a:p>
@@ -2171,7 +2175,7 @@
           <a:p>
             <a:fld id="{0800E26F-1607-4B19-B33C-3A6267442803}" type="datetimeFigureOut">
               <a:rPr lang="en-US" smtClean="0"/>
-              <a:t>8/4/2018</a:t>
+              <a:t>9/15/2018</a:t>
             </a:fld>
             <a:endParaRPr lang="en-US"/>
           </a:p>
@@ -2424,7 +2428,7 @@
           <a:p>
             <a:fld id="{0800E26F-1607-4B19-B33C-3A6267442803}" type="datetimeFigureOut">
               <a:rPr lang="en-US" smtClean="0"/>
-              <a:t>8/4/2018</a:t>
+              <a:t>9/15/2018</a:t>
             </a:fld>
             <a:endParaRPr lang="en-US"/>
           </a:p>
@@ -2653,7 +2657,7 @@
           <a:p>
             <a:fld id="{0800E26F-1607-4B19-B33C-3A6267442803}" type="datetimeFigureOut">
               <a:rPr lang="en-US" smtClean="0"/>
-              <a:t>8/4/2018</a:t>
+              <a:t>9/15/2018</a:t>
             </a:fld>
             <a:endParaRPr lang="en-US"/>
           </a:p>
@@ -9877,6 +9881,486 @@
 </p:sld>
 </file>
 
+<file path=ppt/slides/slide28.xml><?xml version="1.0" encoding="utf-8"?>
+<p:sld xmlns:a="http://schemas.openxmlformats.org/drawingml/2006/main" xmlns:r="http://schemas.openxmlformats.org/officeDocument/2006/relationships" xmlns:p="http://schemas.openxmlformats.org/presentationml/2006/main">
+  <p:cSld>
+    <p:spTree>
+      <p:nvGrpSpPr>
+        <p:cNvPr id="1" name=""/>
+        <p:cNvGrpSpPr/>
+        <p:nvPr/>
+      </p:nvGrpSpPr>
+      <p:grpSpPr>
+        <a:xfrm>
+          <a:off x="0" y="0"/>
+          <a:ext cx="0" cy="0"/>
+          <a:chOff x="0" y="0"/>
+          <a:chExt cx="0" cy="0"/>
+        </a:xfrm>
+      </p:grpSpPr>
+      <p:sp>
+        <p:nvSpPr>
+          <p:cNvPr id="2" name="Title 1"/>
+          <p:cNvSpPr>
+            <a:spLocks noGrp="1"/>
+          </p:cNvSpPr>
+          <p:nvPr>
+            <p:ph type="title"/>
+          </p:nvPr>
+        </p:nvSpPr>
+        <p:spPr/>
+        <p:txBody>
+          <a:bodyPr/>
+          <a:lstStyle/>
+          <a:p>
+            <a:endParaRPr lang="en-US"/>
+          </a:p>
+        </p:txBody>
+      </p:sp>
+      <p:sp>
+        <p:nvSpPr>
+          <p:cNvPr id="3" name="Content Placeholder 2"/>
+          <p:cNvSpPr>
+            <a:spLocks noGrp="1"/>
+          </p:cNvSpPr>
+          <p:nvPr>
+            <p:ph idx="1"/>
+          </p:nvPr>
+        </p:nvSpPr>
+        <p:spPr/>
+        <p:txBody>
+          <a:bodyPr/>
+          <a:lstStyle/>
+          <a:p>
+            <a:endParaRPr lang="en-US"/>
+          </a:p>
+        </p:txBody>
+      </p:sp>
+    </p:spTree>
+    <p:extLst>
+      <p:ext uri="{BB962C8B-B14F-4D97-AF65-F5344CB8AC3E}">
+        <p14:creationId xmlns:p14="http://schemas.microsoft.com/office/powerpoint/2010/main" val="3448392109"/>
+      </p:ext>
+    </p:extLst>
+  </p:cSld>
+  <p:clrMapOvr>
+    <a:masterClrMapping/>
+  </p:clrMapOvr>
+</p:sld>
+</file>
+
+<file path=ppt/slides/slide29.xml><?xml version="1.0" encoding="utf-8"?>
+<p:sld xmlns:a="http://schemas.openxmlformats.org/drawingml/2006/main" xmlns:r="http://schemas.openxmlformats.org/officeDocument/2006/relationships" xmlns:p="http://schemas.openxmlformats.org/presentationml/2006/main">
+  <p:cSld>
+    <p:spTree>
+      <p:nvGrpSpPr>
+        <p:cNvPr id="1" name=""/>
+        <p:cNvGrpSpPr/>
+        <p:nvPr/>
+      </p:nvGrpSpPr>
+      <p:grpSpPr>
+        <a:xfrm>
+          <a:off x="0" y="0"/>
+          <a:ext cx="0" cy="0"/>
+          <a:chOff x="0" y="0"/>
+          <a:chExt cx="0" cy="0"/>
+        </a:xfrm>
+      </p:grpSpPr>
+      <p:sp>
+        <p:nvSpPr>
+          <p:cNvPr id="2" name="Title 1"/>
+          <p:cNvSpPr>
+            <a:spLocks noGrp="1"/>
+          </p:cNvSpPr>
+          <p:nvPr>
+            <p:ph type="title"/>
+          </p:nvPr>
+        </p:nvSpPr>
+        <p:spPr/>
+        <p:txBody>
+          <a:bodyPr/>
+          <a:lstStyle/>
+          <a:p>
+            <a:r>
+              <a:rPr lang="en-US" dirty="0" smtClean="0"/>
+              <a:t>Line graphs</a:t>
+            </a:r>
+            <a:endParaRPr lang="en-US" dirty="0"/>
+          </a:p>
+        </p:txBody>
+      </p:sp>
+      <mc:AlternateContent xmlns:mc="http://schemas.openxmlformats.org/markup-compatibility/2006">
+        <mc:Choice xmlns:a14="http://schemas.microsoft.com/office/drawing/2010/main" Requires="a14">
+          <p:sp>
+            <p:nvSpPr>
+              <p:cNvPr id="3" name="Content Placeholder 2"/>
+              <p:cNvSpPr>
+                <a:spLocks noGrp="1"/>
+              </p:cNvSpPr>
+              <p:nvPr>
+                <p:ph idx="1"/>
+              </p:nvPr>
+            </p:nvSpPr>
+            <p:spPr/>
+            <p:txBody>
+              <a:bodyPr/>
+              <a:lstStyle/>
+              <a:p>
+                <a:pPr marL="0" indent="0">
+                  <a:spcAft>
+                    <a:spcPts val="1200"/>
+                  </a:spcAft>
+                  <a:buNone/>
+                </a:pPr>
+                <a:r>
+                  <a:rPr lang="en-US" dirty="0" smtClean="0"/>
+                  <a:t>Assuming the following data, draw the line graphs</a:t>
+                </a:r>
+              </a:p>
+              <a:p>
+                <a:pPr marL="0" indent="0" algn="ctr">
+                  <a:buNone/>
+                </a:pPr>
+                <a14:m>
+                  <m:oMath xmlns:m="http://schemas.openxmlformats.org/officeDocument/2006/math">
+                    <m:m>
+                      <m:mPr>
+                        <m:mcs>
+                          <m:mc>
+                            <m:mcPr>
+                              <m:count m:val="3"/>
+                              <m:mcJc m:val="center"/>
+                            </m:mcPr>
+                          </m:mc>
+                        </m:mcs>
+                        <m:ctrlPr>
+                          <a:rPr lang="en-US" b="0" i="1" smtClean="0">
+                            <a:solidFill>
+                              <a:srgbClr val="7030A0"/>
+                            </a:solidFill>
+                            <a:latin typeface="Cambria Math" panose="02040503050406030204" pitchFamily="18" charset="0"/>
+                          </a:rPr>
+                        </m:ctrlPr>
+                      </m:mPr>
+                      <m:mr>
+                        <m:e>
+                          <m:r>
+                            <m:rPr>
+                              <m:brk m:alnAt="7"/>
+                            </m:rPr>
+                            <a:rPr lang="en-US" b="0" i="1" smtClean="0">
+                              <a:solidFill>
+                                <a:srgbClr val="7030A0"/>
+                              </a:solidFill>
+                              <a:latin typeface="Cambria Math" panose="02040503050406030204" pitchFamily="18" charset="0"/>
+                            </a:rPr>
+                            <m:t>𝐷𝑎𝑡𝑒</m:t>
+                          </m:r>
+                        </m:e>
+                        <m:e>
+                          <m:r>
+                            <a:rPr lang="en-US" b="0" i="1" smtClean="0">
+                              <a:solidFill>
+                                <a:srgbClr val="7030A0"/>
+                              </a:solidFill>
+                              <a:latin typeface="Cambria Math" panose="02040503050406030204" pitchFamily="18" charset="0"/>
+                            </a:rPr>
+                            <m:t>𝑃𝑒𝑟𝑠𝑜𝑛</m:t>
+                          </m:r>
+                          <m:r>
+                            <a:rPr lang="en-US" b="0" i="1" smtClean="0">
+                              <a:solidFill>
+                                <a:srgbClr val="7030A0"/>
+                              </a:solidFill>
+                              <a:latin typeface="Cambria Math" panose="02040503050406030204" pitchFamily="18" charset="0"/>
+                            </a:rPr>
+                            <m:t> 1</m:t>
+                          </m:r>
+                        </m:e>
+                        <m:e>
+                          <m:r>
+                            <a:rPr lang="en-US" b="0" i="1" smtClean="0">
+                              <a:solidFill>
+                                <a:srgbClr val="7030A0"/>
+                              </a:solidFill>
+                              <a:latin typeface="Cambria Math" panose="02040503050406030204" pitchFamily="18" charset="0"/>
+                            </a:rPr>
+                            <m:t>𝑃𝑒𝑟𝑠𝑜𝑛</m:t>
+                          </m:r>
+                          <m:r>
+                            <a:rPr lang="en-US" b="0" i="1" smtClean="0">
+                              <a:solidFill>
+                                <a:srgbClr val="7030A0"/>
+                              </a:solidFill>
+                              <a:latin typeface="Cambria Math" panose="02040503050406030204" pitchFamily="18" charset="0"/>
+                            </a:rPr>
+                            <m:t> 2</m:t>
+                          </m:r>
+                        </m:e>
+                      </m:mr>
+                      <m:mr>
+                        <m:e>
+                          <m:r>
+                            <m:rPr>
+                              <m:brk m:alnAt="7"/>
+                            </m:rPr>
+                            <a:rPr lang="en-US" b="0" i="1" smtClean="0">
+                              <a:solidFill>
+                                <a:srgbClr val="7030A0"/>
+                              </a:solidFill>
+                              <a:latin typeface="Cambria Math" panose="02040503050406030204" pitchFamily="18" charset="0"/>
+                            </a:rPr>
+                            <m:t>1</m:t>
+                          </m:r>
+                        </m:e>
+                        <m:e>
+                          <m:r>
+                            <a:rPr lang="en-US" b="0" i="1" smtClean="0">
+                              <a:solidFill>
+                                <a:srgbClr val="7030A0"/>
+                              </a:solidFill>
+                              <a:latin typeface="Cambria Math" panose="02040503050406030204" pitchFamily="18" charset="0"/>
+                            </a:rPr>
+                            <m:t>10</m:t>
+                          </m:r>
+                        </m:e>
+                        <m:e>
+                          <m:r>
+                            <a:rPr lang="en-US" b="0" i="1" smtClean="0">
+                              <a:solidFill>
+                                <a:srgbClr val="7030A0"/>
+                              </a:solidFill>
+                              <a:latin typeface="Cambria Math" panose="02040503050406030204" pitchFamily="18" charset="0"/>
+                            </a:rPr>
+                            <m:t>2</m:t>
+                          </m:r>
+                        </m:e>
+                      </m:mr>
+                      <m:mr>
+                        <m:e>
+                          <m:r>
+                            <a:rPr lang="en-US" b="0" i="1" smtClean="0">
+                              <a:solidFill>
+                                <a:srgbClr val="7030A0"/>
+                              </a:solidFill>
+                              <a:latin typeface="Cambria Math" panose="02040503050406030204" pitchFamily="18" charset="0"/>
+                            </a:rPr>
+                            <m:t>2</m:t>
+                          </m:r>
+                        </m:e>
+                        <m:e>
+                          <m:r>
+                            <a:rPr lang="en-US" b="0" i="1" smtClean="0">
+                              <a:solidFill>
+                                <a:srgbClr val="7030A0"/>
+                              </a:solidFill>
+                              <a:latin typeface="Cambria Math" panose="02040503050406030204" pitchFamily="18" charset="0"/>
+                            </a:rPr>
+                            <m:t>13</m:t>
+                          </m:r>
+                        </m:e>
+                        <m:e>
+                          <m:r>
+                            <a:rPr lang="en-US" b="0" i="1" smtClean="0">
+                              <a:solidFill>
+                                <a:srgbClr val="7030A0"/>
+                              </a:solidFill>
+                              <a:latin typeface="Cambria Math" panose="02040503050406030204" pitchFamily="18" charset="0"/>
+                            </a:rPr>
+                            <m:t>4</m:t>
+                          </m:r>
+                        </m:e>
+                      </m:mr>
+                      <m:mr>
+                        <m:e>
+                          <m:r>
+                            <a:rPr lang="en-US" b="0" i="1" smtClean="0">
+                              <a:solidFill>
+                                <a:srgbClr val="7030A0"/>
+                              </a:solidFill>
+                              <a:latin typeface="Cambria Math" panose="02040503050406030204" pitchFamily="18" charset="0"/>
+                            </a:rPr>
+                            <m:t>3</m:t>
+                          </m:r>
+                        </m:e>
+                        <m:e>
+                          <m:r>
+                            <a:rPr lang="en-US" b="0" i="1" smtClean="0">
+                              <a:solidFill>
+                                <a:srgbClr val="7030A0"/>
+                              </a:solidFill>
+                              <a:latin typeface="Cambria Math" panose="02040503050406030204" pitchFamily="18" charset="0"/>
+                            </a:rPr>
+                            <m:t>12</m:t>
+                          </m:r>
+                        </m:e>
+                        <m:e>
+                          <m:r>
+                            <a:rPr lang="en-US" b="0" i="1" smtClean="0">
+                              <a:solidFill>
+                                <a:srgbClr val="7030A0"/>
+                              </a:solidFill>
+                              <a:latin typeface="Cambria Math" panose="02040503050406030204" pitchFamily="18" charset="0"/>
+                            </a:rPr>
+                            <m:t>8</m:t>
+                          </m:r>
+                        </m:e>
+                      </m:mr>
+                      <m:mr>
+                        <m:e>
+                          <m:r>
+                            <a:rPr lang="en-US" b="0" i="1" smtClean="0">
+                              <a:solidFill>
+                                <a:srgbClr val="7030A0"/>
+                              </a:solidFill>
+                              <a:latin typeface="Cambria Math" panose="02040503050406030204" pitchFamily="18" charset="0"/>
+                            </a:rPr>
+                            <m:t>4</m:t>
+                          </m:r>
+                        </m:e>
+                        <m:e>
+                          <m:r>
+                            <a:rPr lang="en-US" b="0" i="1" smtClean="0">
+                              <a:solidFill>
+                                <a:srgbClr val="7030A0"/>
+                              </a:solidFill>
+                              <a:latin typeface="Cambria Math" panose="02040503050406030204" pitchFamily="18" charset="0"/>
+                            </a:rPr>
+                            <m:t>9</m:t>
+                          </m:r>
+                        </m:e>
+                        <m:e>
+                          <m:r>
+                            <a:rPr lang="en-US" b="0" i="1" smtClean="0">
+                              <a:solidFill>
+                                <a:srgbClr val="7030A0"/>
+                              </a:solidFill>
+                              <a:latin typeface="Cambria Math" panose="02040503050406030204" pitchFamily="18" charset="0"/>
+                            </a:rPr>
+                            <m:t>14</m:t>
+                          </m:r>
+                        </m:e>
+                      </m:mr>
+                      <m:mr>
+                        <m:e>
+                          <m:r>
+                            <a:rPr lang="en-US" b="0" i="1" smtClean="0">
+                              <a:solidFill>
+                                <a:srgbClr val="7030A0"/>
+                              </a:solidFill>
+                              <a:latin typeface="Cambria Math" panose="02040503050406030204" pitchFamily="18" charset="0"/>
+                            </a:rPr>
+                            <m:t>5</m:t>
+                          </m:r>
+                        </m:e>
+                        <m:e>
+                          <m:r>
+                            <a:rPr lang="en-US" b="0" i="1" smtClean="0">
+                              <a:solidFill>
+                                <a:srgbClr val="7030A0"/>
+                              </a:solidFill>
+                              <a:latin typeface="Cambria Math" panose="02040503050406030204" pitchFamily="18" charset="0"/>
+                            </a:rPr>
+                            <m:t>10.5</m:t>
+                          </m:r>
+                        </m:e>
+                        <m:e>
+                          <m:r>
+                            <a:rPr lang="en-US" b="0" i="1" smtClean="0">
+                              <a:solidFill>
+                                <a:srgbClr val="7030A0"/>
+                              </a:solidFill>
+                              <a:latin typeface="Cambria Math" panose="02040503050406030204" pitchFamily="18" charset="0"/>
+                            </a:rPr>
+                            <m:t>20</m:t>
+                          </m:r>
+                        </m:e>
+                      </m:mr>
+                    </m:m>
+                  </m:oMath>
+                </a14:m>
+                <a:r>
+                  <a:rPr lang="en-US" dirty="0" smtClean="0">
+                    <a:solidFill>
+                      <a:srgbClr val="7030A0"/>
+                    </a:solidFill>
+                  </a:rPr>
+                  <a:t> </a:t>
+                </a:r>
+              </a:p>
+              <a:p>
+                <a:pPr marL="0" indent="0">
+                  <a:buNone/>
+                </a:pPr>
+                <a:endParaRPr lang="en-US" smtClean="0"/>
+              </a:p>
+              <a:p>
+                <a:pPr marL="0" indent="0">
+                  <a:buNone/>
+                </a:pPr>
+                <a:r>
+                  <a:rPr lang="en-US" smtClean="0"/>
+                  <a:t>https</a:t>
+                </a:r>
+                <a:r>
+                  <a:rPr lang="en-US" dirty="0"/>
+                  <a:t>://</a:t>
+                </a:r>
+                <a:r>
+                  <a:rPr lang="en-US" dirty="0" smtClean="0"/>
+                  <a:t>www.kaggle.com/tanmoyie/display-two-line-graphs</a:t>
+                </a:r>
+              </a:p>
+            </p:txBody>
+          </p:sp>
+        </mc:Choice>
+        <mc:Fallback>
+          <p:sp>
+            <p:nvSpPr>
+              <p:cNvPr id="3" name="Content Placeholder 2"/>
+              <p:cNvSpPr>
+                <a:spLocks noGrp="1" noRot="1" noChangeAspect="1" noMove="1" noResize="1" noEditPoints="1" noAdjustHandles="1" noChangeArrowheads="1" noChangeShapeType="1" noTextEdit="1"/>
+              </p:cNvSpPr>
+              <p:nvPr>
+                <p:ph idx="1"/>
+              </p:nvPr>
+            </p:nvSpPr>
+            <p:spPr>
+              <a:blipFill rotWithShape="0">
+                <a:blip r:embed="rId2"/>
+                <a:stretch>
+                  <a:fillRect l="-1217" t="-2381"/>
+                </a:stretch>
+              </a:blipFill>
+            </p:spPr>
+            <p:txBody>
+              <a:bodyPr/>
+              <a:lstStyle/>
+              <a:p>
+                <a:r>
+                  <a:rPr lang="en-US">
+                    <a:noFill/>
+                  </a:rPr>
+                  <a:t> </a:t>
+                </a:r>
+              </a:p>
+            </p:txBody>
+          </p:sp>
+        </mc:Fallback>
+      </mc:AlternateContent>
+    </p:spTree>
+    <p:extLst>
+      <p:ext uri="{BB962C8B-B14F-4D97-AF65-F5344CB8AC3E}">
+        <p14:creationId xmlns:p14="http://schemas.microsoft.com/office/powerpoint/2010/main" val="3765612039"/>
+      </p:ext>
+    </p:extLst>
+  </p:cSld>
+  <p:clrMapOvr>
+    <a:masterClrMapping/>
+  </p:clrMapOvr>
+</p:sld>
+</file>
+
 <file path=ppt/slides/slide3.xml><?xml version="1.0" encoding="utf-8"?>
 <p:sld xmlns:a="http://schemas.openxmlformats.org/drawingml/2006/main" xmlns:r="http://schemas.openxmlformats.org/officeDocument/2006/relationships" xmlns:p="http://schemas.openxmlformats.org/presentationml/2006/main">
   <p:cSld>
